--- a/Doc/TroubleshootingMSBuild.pptx
+++ b/Doc/TroubleshootingMSBuild.pptx
@@ -7,20 +7,22 @@
   <p:sldIdLst>
     <p:sldId id="256" r:id="rId2"/>
     <p:sldId id="261" r:id="rId3"/>
-    <p:sldId id="258" r:id="rId4"/>
-    <p:sldId id="257" r:id="rId5"/>
-    <p:sldId id="259" r:id="rId6"/>
-    <p:sldId id="260" r:id="rId7"/>
-    <p:sldId id="262" r:id="rId8"/>
-    <p:sldId id="263" r:id="rId9"/>
-    <p:sldId id="264" r:id="rId10"/>
-    <p:sldId id="265" r:id="rId11"/>
-    <p:sldId id="266" r:id="rId12"/>
-    <p:sldId id="267" r:id="rId13"/>
-    <p:sldId id="268" r:id="rId14"/>
-    <p:sldId id="269" r:id="rId15"/>
-    <p:sldId id="270" r:id="rId16"/>
-    <p:sldId id="271" r:id="rId17"/>
+    <p:sldId id="272" r:id="rId4"/>
+    <p:sldId id="273" r:id="rId5"/>
+    <p:sldId id="258" r:id="rId6"/>
+    <p:sldId id="257" r:id="rId7"/>
+    <p:sldId id="259" r:id="rId8"/>
+    <p:sldId id="260" r:id="rId9"/>
+    <p:sldId id="262" r:id="rId10"/>
+    <p:sldId id="263" r:id="rId11"/>
+    <p:sldId id="264" r:id="rId12"/>
+    <p:sldId id="265" r:id="rId13"/>
+    <p:sldId id="266" r:id="rId14"/>
+    <p:sldId id="267" r:id="rId15"/>
+    <p:sldId id="268" r:id="rId16"/>
+    <p:sldId id="269" r:id="rId17"/>
+    <p:sldId id="270" r:id="rId18"/>
+    <p:sldId id="271" r:id="rId19"/>
   </p:sldIdLst>
   <p:sldSz cx="12192000" cy="6858000"/>
   <p:notesSz cx="6858000" cy="9144000"/>
@@ -1159,15 +1161,7 @@
             </a:pPr>
             <a:r>
               <a:rPr lang="en-US" b="1" dirty="0"/>
-              <a:t>Imports, </a:t>
-            </a:r>
-            <a:r>
-              <a:rPr lang="en-US" b="1" dirty="0" err="1"/>
-              <a:t>Sdks</a:t>
-            </a:r>
-            <a:r>
-              <a:rPr lang="en-US" b="1" dirty="0"/>
-              <a:t>, .props, .targets</a:t>
+              <a:t>Projects</a:t>
             </a:r>
           </a:p>
           <a:p>
@@ -1176,90 +1170,9 @@
               <a:buChar char="•"/>
             </a:pPr>
             <a:r>
-              <a:rPr lang="en-US" dirty="0" err="1"/>
-              <a:t>Sdk.props</a:t>
-            </a:r>
-            <a:r>
               <a:rPr lang="en-US" dirty="0"/>
-              <a:t>, </a:t>
-            </a:r>
-            <a:r>
-              <a:rPr lang="en-US" dirty="0" err="1"/>
-              <a:t>Sdk.targets</a:t>
-            </a:r>
-            <a:endParaRPr lang="en-US" dirty="0"/>
-          </a:p>
-          <a:p>
-            <a:pPr marL="342900" indent="-342900" algn="l">
-              <a:buFont typeface="Arial" panose="020B0604020202020204" pitchFamily="34" charset="0"/>
-              <a:buChar char="•"/>
-            </a:pPr>
-            <a:r>
-              <a:rPr lang="en-US" dirty="0" err="1"/>
-              <a:t>Directory.Build.props</a:t>
-            </a:r>
-            <a:endParaRPr lang="en-US" dirty="0"/>
-          </a:p>
-          <a:p>
-            <a:pPr marL="342900" indent="-342900" algn="l">
-              <a:buFont typeface="Arial" panose="020B0604020202020204" pitchFamily="34" charset="0"/>
-              <a:buChar char="•"/>
-            </a:pPr>
-            <a:r>
-              <a:rPr lang="en-US" dirty="0" err="1"/>
-              <a:t>Directory.Build.targets</a:t>
-            </a:r>
-            <a:endParaRPr lang="en-US" dirty="0"/>
-          </a:p>
-          <a:p>
-            <a:pPr marL="342900" indent="-342900" algn="l">
-              <a:buFont typeface="Arial" panose="020B0604020202020204" pitchFamily="34" charset="0"/>
-              <a:buChar char="•"/>
-            </a:pPr>
-            <a:r>
-              <a:rPr lang="en-US" dirty="0" err="1"/>
-              <a:t>Nuget.g.props</a:t>
-            </a:r>
-            <a:r>
-              <a:rPr lang="en-US" dirty="0"/>
-              <a:t>, </a:t>
-            </a:r>
-            <a:r>
-              <a:rPr lang="en-US" dirty="0" err="1"/>
-              <a:t>nuget.g.targets</a:t>
-            </a:r>
-            <a:endParaRPr lang="en-US" dirty="0"/>
-          </a:p>
-          <a:p>
-            <a:pPr marL="342900" indent="-342900" algn="l">
-              <a:buFont typeface="Arial" panose="020B0604020202020204" pitchFamily="34" charset="0"/>
-              <a:buChar char="•"/>
-            </a:pPr>
-            <a:r>
-              <a:rPr lang="en-US" sz="2200" dirty="0">
-                <a:hlinkClick r:id="rId2" action="ppaction://hlinkfile"/>
-              </a:rPr>
-              <a:t>github.com/</a:t>
-            </a:r>
-            <a:r>
-              <a:rPr lang="en-US" sz="2200" dirty="0" err="1">
-                <a:hlinkClick r:id="rId2" action="ppaction://hlinkfile"/>
-              </a:rPr>
-              <a:t>microsoft</a:t>
-            </a:r>
-            <a:r>
-              <a:rPr lang="en-US" sz="2200" dirty="0">
-                <a:hlinkClick r:id="rId2" action="ppaction://hlinkfile"/>
-              </a:rPr>
-              <a:t>/</a:t>
-            </a:r>
-            <a:r>
-              <a:rPr lang="en-US" sz="2200" dirty="0" err="1">
-                <a:hlinkClick r:id="rId2" action="ppaction://hlinkfile"/>
-              </a:rPr>
-              <a:t>MSBuildSdks</a:t>
-            </a:r>
-            <a:endParaRPr lang="en-US" sz="2200" dirty="0"/>
+              <a:t>Scheduling unit, import unit</a:t>
+            </a:r>
           </a:p>
         </p:txBody>
       </p:sp>
@@ -1649,7 +1562,7 @@
           <a:p>
             <a:pPr algn="l"/>
             <a:r>
-              <a:rPr lang="en-US" sz="1800" dirty="0">
+              <a:rPr lang="en-US" sz="1800" b="1" i="1" dirty="0">
                 <a:solidFill>
                   <a:srgbClr val="0000FF"/>
                 </a:solidFill>
@@ -1658,7 +1571,7 @@
               <a:t>&lt;</a:t>
             </a:r>
             <a:r>
-              <a:rPr lang="en-US" sz="1800" dirty="0">
+              <a:rPr lang="en-US" sz="1800" b="1" i="1" dirty="0">
                 <a:solidFill>
                   <a:srgbClr val="A31515"/>
                 </a:solidFill>
@@ -1667,7 +1580,7 @@
               <a:t>Project</a:t>
             </a:r>
             <a:r>
-              <a:rPr lang="en-US" sz="1800" dirty="0">
+              <a:rPr lang="en-US" sz="1800" b="1" i="1" dirty="0">
                 <a:solidFill>
                   <a:srgbClr val="0000FF"/>
                 </a:solidFill>
@@ -1676,7 +1589,7 @@
               <a:t> </a:t>
             </a:r>
             <a:r>
-              <a:rPr lang="en-US" sz="1800" b="1" i="1" dirty="0" err="1">
+              <a:rPr lang="en-US" sz="1800" dirty="0" err="1">
                 <a:solidFill>
                   <a:srgbClr val="FF0000"/>
                 </a:solidFill>
@@ -1685,7 +1598,7 @@
               <a:t>Sdk</a:t>
             </a:r>
             <a:r>
-              <a:rPr lang="en-US" sz="1800" b="1" i="1" dirty="0">
+              <a:rPr lang="en-US" sz="1800" dirty="0">
                 <a:solidFill>
                   <a:srgbClr val="0000FF"/>
                 </a:solidFill>
@@ -1694,7 +1607,7 @@
               <a:t>=</a:t>
             </a:r>
             <a:r>
-              <a:rPr lang="en-US" sz="1800" b="1" i="1" dirty="0">
+              <a:rPr lang="en-US" sz="1800" dirty="0">
                 <a:solidFill>
                   <a:srgbClr val="000000"/>
                 </a:solidFill>
@@ -1703,7 +1616,7 @@
               <a:t>"</a:t>
             </a:r>
             <a:r>
-              <a:rPr lang="en-US" sz="1800" b="1" i="1" dirty="0" err="1">
+              <a:rPr lang="en-US" sz="1800" dirty="0" err="1">
                 <a:solidFill>
                   <a:srgbClr val="0000FF"/>
                 </a:solidFill>
@@ -1712,7 +1625,7 @@
               <a:t>Microsoft.NET.Sdk</a:t>
             </a:r>
             <a:r>
-              <a:rPr lang="en-US" sz="1800" b="1" i="1" dirty="0">
+              <a:rPr lang="en-US" sz="1800" dirty="0">
                 <a:solidFill>
                   <a:srgbClr val="000000"/>
                 </a:solidFill>
@@ -2408,7 +2321,7 @@
           <a:p>
             <a:pPr algn="l"/>
             <a:r>
-              <a:rPr lang="en-US" sz="1800" dirty="0">
+              <a:rPr lang="en-US" sz="1800" b="1" i="1" dirty="0">
                 <a:solidFill>
                   <a:srgbClr val="0000FF"/>
                 </a:solidFill>
@@ -2417,7 +2330,7 @@
               <a:t>&lt;/</a:t>
             </a:r>
             <a:r>
-              <a:rPr lang="en-US" sz="1800" dirty="0">
+              <a:rPr lang="en-US" sz="1800" b="1" i="1" dirty="0">
                 <a:solidFill>
                   <a:srgbClr val="A31515"/>
                 </a:solidFill>
@@ -2426,7 +2339,7 @@
               <a:t>Project</a:t>
             </a:r>
             <a:r>
-              <a:rPr lang="en-US" sz="1800" dirty="0">
+              <a:rPr lang="en-US" sz="1800" b="1" i="1" dirty="0">
                 <a:solidFill>
                   <a:srgbClr val="0000FF"/>
                 </a:solidFill>
@@ -2434,14 +2347,14 @@
               </a:rPr>
               <a:t>&gt;</a:t>
             </a:r>
-            <a:endParaRPr lang="en-US" dirty="0"/>
+            <a:endParaRPr lang="en-US" b="1" i="1" dirty="0"/>
           </a:p>
         </p:txBody>
       </p:sp>
     </p:spTree>
     <p:extLst>
       <p:ext uri="{BB962C8B-B14F-4D97-AF65-F5344CB8AC3E}">
-        <p14:creationId xmlns:p14="http://schemas.microsoft.com/office/powerpoint/2010/main" val="3862963399"/>
+        <p14:creationId xmlns:p14="http://schemas.microsoft.com/office/powerpoint/2010/main" val="1588105211"/>
       </p:ext>
     </p:extLst>
   </p:cSld>
@@ -2496,7 +2409,7 @@
           <a:p>
             <a:r>
               <a:rPr lang="en-US" dirty="0"/>
-              <a:t>Concepts</a:t>
+              <a:t>Terminology</a:t>
             </a:r>
           </a:p>
         </p:txBody>
@@ -2519,8 +2432,8 @@
         </p:nvSpPr>
         <p:spPr>
           <a:xfrm>
-            <a:off x="886691" y="1496292"/>
-            <a:ext cx="10522527" cy="4357254"/>
+            <a:off x="623455" y="1496292"/>
+            <a:ext cx="4980709" cy="4357254"/>
           </a:xfrm>
         </p:spPr>
         <p:txBody>
@@ -2532,8 +2445,8 @@
               <a:buChar char="•"/>
             </a:pPr>
             <a:r>
-              <a:rPr lang="en-US" dirty="0"/>
-              <a:t>Evaluation</a:t>
+              <a:rPr lang="en-US" b="1" dirty="0"/>
+              <a:t>Property/Item Functions</a:t>
             </a:r>
           </a:p>
           <a:p>
@@ -2542,8 +2455,54 @@
               <a:buChar char="•"/>
             </a:pPr>
             <a:r>
-              <a:rPr lang="en-US" dirty="0"/>
-              <a:t>Execution</a:t>
+              <a:rPr lang="en-US" i="1" dirty="0"/>
+              <a:t>$([</a:t>
+            </a:r>
+            <a:r>
+              <a:rPr lang="en-US" i="1" dirty="0" err="1"/>
+              <a:t>MSBuild</a:t>
+            </a:r>
+            <a:r>
+              <a:rPr lang="en-US" i="1" dirty="0"/>
+              <a:t>]::</a:t>
+            </a:r>
+            <a:r>
+              <a:rPr lang="en-US" i="1" dirty="0" err="1"/>
+              <a:t>StableStringHash</a:t>
+            </a:r>
+            <a:r>
+              <a:rPr lang="en-US" i="1" dirty="0"/>
+              <a:t>(</a:t>
+            </a:r>
+            <a:br>
+              <a:rPr lang="en-US" i="1" dirty="0"/>
+            </a:br>
+            <a:r>
+              <a:rPr lang="en-US" i="1" dirty="0"/>
+              <a:t>$(</a:t>
+            </a:r>
+            <a:r>
+              <a:rPr lang="en-US" i="1" dirty="0" err="1"/>
+              <a:t>TargetPath</a:t>
+            </a:r>
+            <a:r>
+              <a:rPr lang="en-US" i="1" dirty="0"/>
+              <a:t>))</a:t>
+            </a:r>
+            <a:br>
+              <a:rPr lang="en-US" i="1" dirty="0"/>
+            </a:br>
+            <a:r>
+              <a:rPr lang="en-US" i="1" dirty="0"/>
+              <a:t>.</a:t>
+            </a:r>
+            <a:r>
+              <a:rPr lang="en-US" i="1" dirty="0" err="1"/>
+              <a:t>ToString</a:t>
+            </a:r>
+            <a:r>
+              <a:rPr lang="en-US" i="1" dirty="0"/>
+              <a:t>('X8’))</a:t>
             </a:r>
           </a:p>
           <a:p>
@@ -2552,8 +2511,16 @@
               <a:buChar char="•"/>
             </a:pPr>
             <a:r>
-              <a:rPr lang="en-US" dirty="0"/>
-              <a:t>Restore</a:t>
+              <a:rPr lang="en-US" i="1" dirty="0"/>
+              <a:t>$([</a:t>
+            </a:r>
+            <a:r>
+              <a:rPr lang="en-US" i="1" dirty="0" err="1"/>
+              <a:t>System.DateTime</a:t>
+            </a:r>
+            <a:r>
+              <a:rPr lang="en-US" i="1" dirty="0"/>
+              <a:t>]::Now)</a:t>
             </a:r>
           </a:p>
         </p:txBody>
@@ -2752,10 +2719,991 @@
           </a:p>
         </p:txBody>
       </p:sp>
+      <p:sp>
+        <p:nvSpPr>
+          <p:cNvPr id="5" name="Subtitle 2">
+            <a:extLst>
+              <a:ext uri="{FF2B5EF4-FFF2-40B4-BE49-F238E27FC236}">
+                <a16:creationId xmlns:a16="http://schemas.microsoft.com/office/drawing/2014/main" id="{39E08754-7B35-B768-F42B-07E17006DE4C}"/>
+              </a:ext>
+            </a:extLst>
+          </p:cNvPr>
+          <p:cNvSpPr txBox="1">
+            <a:spLocks/>
+          </p:cNvSpPr>
+          <p:nvPr/>
+        </p:nvSpPr>
+        <p:spPr>
+          <a:xfrm>
+            <a:off x="5777345" y="1364673"/>
+            <a:ext cx="6414655" cy="5382489"/>
+          </a:xfrm>
+          <a:prstGeom prst="rect">
+            <a:avLst/>
+          </a:prstGeom>
+        </p:spPr>
+        <p:txBody>
+          <a:bodyPr/>
+          <a:lstStyle>
+            <a:lvl1pPr marL="0" indent="0" algn="ctr" defTabSz="914400" rtl="0" eaLnBrk="1" latinLnBrk="0" hangingPunct="1">
+              <a:lnSpc>
+                <a:spcPct val="90000"/>
+              </a:lnSpc>
+              <a:spcBef>
+                <a:spcPts val="1000"/>
+              </a:spcBef>
+              <a:buFont typeface="Arial" panose="020B0604020202020204" pitchFamily="34" charset="0"/>
+              <a:buNone/>
+              <a:defRPr sz="2400" kern="1200">
+                <a:solidFill>
+                  <a:schemeClr val="tx1"/>
+                </a:solidFill>
+                <a:latin typeface="+mn-lt"/>
+                <a:ea typeface="+mn-ea"/>
+                <a:cs typeface="+mn-cs"/>
+              </a:defRPr>
+            </a:lvl1pPr>
+            <a:lvl2pPr marL="457200" indent="0" algn="ctr" defTabSz="914400" rtl="0" eaLnBrk="1" latinLnBrk="0" hangingPunct="1">
+              <a:lnSpc>
+                <a:spcPct val="90000"/>
+              </a:lnSpc>
+              <a:spcBef>
+                <a:spcPts val="500"/>
+              </a:spcBef>
+              <a:buFont typeface="Arial" panose="020B0604020202020204" pitchFamily="34" charset="0"/>
+              <a:buNone/>
+              <a:defRPr sz="2000" kern="1200">
+                <a:solidFill>
+                  <a:schemeClr val="tx1"/>
+                </a:solidFill>
+                <a:latin typeface="+mn-lt"/>
+                <a:ea typeface="+mn-ea"/>
+                <a:cs typeface="+mn-cs"/>
+              </a:defRPr>
+            </a:lvl2pPr>
+            <a:lvl3pPr marL="914400" indent="0" algn="ctr" defTabSz="914400" rtl="0" eaLnBrk="1" latinLnBrk="0" hangingPunct="1">
+              <a:lnSpc>
+                <a:spcPct val="90000"/>
+              </a:lnSpc>
+              <a:spcBef>
+                <a:spcPts val="500"/>
+              </a:spcBef>
+              <a:buFont typeface="Arial" panose="020B0604020202020204" pitchFamily="34" charset="0"/>
+              <a:buNone/>
+              <a:defRPr sz="1800" kern="1200">
+                <a:solidFill>
+                  <a:schemeClr val="tx1"/>
+                </a:solidFill>
+                <a:latin typeface="+mn-lt"/>
+                <a:ea typeface="+mn-ea"/>
+                <a:cs typeface="+mn-cs"/>
+              </a:defRPr>
+            </a:lvl3pPr>
+            <a:lvl4pPr marL="1371600" indent="0" algn="ctr" defTabSz="914400" rtl="0" eaLnBrk="1" latinLnBrk="0" hangingPunct="1">
+              <a:lnSpc>
+                <a:spcPct val="90000"/>
+              </a:lnSpc>
+              <a:spcBef>
+                <a:spcPts val="500"/>
+              </a:spcBef>
+              <a:buFont typeface="Arial" panose="020B0604020202020204" pitchFamily="34" charset="0"/>
+              <a:buNone/>
+              <a:defRPr sz="1600" kern="1200">
+                <a:solidFill>
+                  <a:schemeClr val="tx1"/>
+                </a:solidFill>
+                <a:latin typeface="+mn-lt"/>
+                <a:ea typeface="+mn-ea"/>
+                <a:cs typeface="+mn-cs"/>
+              </a:defRPr>
+            </a:lvl4pPr>
+            <a:lvl5pPr marL="1828800" indent="0" algn="ctr" defTabSz="914400" rtl="0" eaLnBrk="1" latinLnBrk="0" hangingPunct="1">
+              <a:lnSpc>
+                <a:spcPct val="90000"/>
+              </a:lnSpc>
+              <a:spcBef>
+                <a:spcPts val="500"/>
+              </a:spcBef>
+              <a:buFont typeface="Arial" panose="020B0604020202020204" pitchFamily="34" charset="0"/>
+              <a:buNone/>
+              <a:defRPr sz="1600" kern="1200">
+                <a:solidFill>
+                  <a:schemeClr val="tx1"/>
+                </a:solidFill>
+                <a:latin typeface="+mn-lt"/>
+                <a:ea typeface="+mn-ea"/>
+                <a:cs typeface="+mn-cs"/>
+              </a:defRPr>
+            </a:lvl5pPr>
+            <a:lvl6pPr marL="2286000" indent="0" algn="ctr" defTabSz="914400" rtl="0" eaLnBrk="1" latinLnBrk="0" hangingPunct="1">
+              <a:lnSpc>
+                <a:spcPct val="90000"/>
+              </a:lnSpc>
+              <a:spcBef>
+                <a:spcPts val="500"/>
+              </a:spcBef>
+              <a:buFont typeface="Arial" panose="020B0604020202020204" pitchFamily="34" charset="0"/>
+              <a:buNone/>
+              <a:defRPr sz="1600" kern="1200">
+                <a:solidFill>
+                  <a:schemeClr val="tx1"/>
+                </a:solidFill>
+                <a:latin typeface="+mn-lt"/>
+                <a:ea typeface="+mn-ea"/>
+                <a:cs typeface="+mn-cs"/>
+              </a:defRPr>
+            </a:lvl6pPr>
+            <a:lvl7pPr marL="2743200" indent="0" algn="ctr" defTabSz="914400" rtl="0" eaLnBrk="1" latinLnBrk="0" hangingPunct="1">
+              <a:lnSpc>
+                <a:spcPct val="90000"/>
+              </a:lnSpc>
+              <a:spcBef>
+                <a:spcPts val="500"/>
+              </a:spcBef>
+              <a:buFont typeface="Arial" panose="020B0604020202020204" pitchFamily="34" charset="0"/>
+              <a:buNone/>
+              <a:defRPr sz="1600" kern="1200">
+                <a:solidFill>
+                  <a:schemeClr val="tx1"/>
+                </a:solidFill>
+                <a:latin typeface="+mn-lt"/>
+                <a:ea typeface="+mn-ea"/>
+                <a:cs typeface="+mn-cs"/>
+              </a:defRPr>
+            </a:lvl7pPr>
+            <a:lvl8pPr marL="3200400" indent="0" algn="ctr" defTabSz="914400" rtl="0" eaLnBrk="1" latinLnBrk="0" hangingPunct="1">
+              <a:lnSpc>
+                <a:spcPct val="90000"/>
+              </a:lnSpc>
+              <a:spcBef>
+                <a:spcPts val="500"/>
+              </a:spcBef>
+              <a:buFont typeface="Arial" panose="020B0604020202020204" pitchFamily="34" charset="0"/>
+              <a:buNone/>
+              <a:defRPr sz="1600" kern="1200">
+                <a:solidFill>
+                  <a:schemeClr val="tx1"/>
+                </a:solidFill>
+                <a:latin typeface="+mn-lt"/>
+                <a:ea typeface="+mn-ea"/>
+                <a:cs typeface="+mn-cs"/>
+              </a:defRPr>
+            </a:lvl8pPr>
+            <a:lvl9pPr marL="3657600" indent="0" algn="ctr" defTabSz="914400" rtl="0" eaLnBrk="1" latinLnBrk="0" hangingPunct="1">
+              <a:lnSpc>
+                <a:spcPct val="90000"/>
+              </a:lnSpc>
+              <a:spcBef>
+                <a:spcPts val="500"/>
+              </a:spcBef>
+              <a:buFont typeface="Arial" panose="020B0604020202020204" pitchFamily="34" charset="0"/>
+              <a:buNone/>
+              <a:defRPr sz="1600" kern="1200">
+                <a:solidFill>
+                  <a:schemeClr val="tx1"/>
+                </a:solidFill>
+                <a:latin typeface="+mn-lt"/>
+                <a:ea typeface="+mn-ea"/>
+                <a:cs typeface="+mn-cs"/>
+              </a:defRPr>
+            </a:lvl9pPr>
+          </a:lstStyle>
+          <a:p>
+            <a:pPr algn="l"/>
+            <a:r>
+              <a:rPr lang="en-US" sz="1800" dirty="0">
+                <a:solidFill>
+                  <a:srgbClr val="0000FF"/>
+                </a:solidFill>
+                <a:latin typeface="Cascadia Mono" panose="020B0609020000020004" pitchFamily="49" charset="0"/>
+              </a:rPr>
+              <a:t>&lt;</a:t>
+            </a:r>
+            <a:r>
+              <a:rPr lang="en-US" sz="1800" dirty="0">
+                <a:solidFill>
+                  <a:srgbClr val="A31515"/>
+                </a:solidFill>
+                <a:latin typeface="Cascadia Mono" panose="020B0609020000020004" pitchFamily="49" charset="0"/>
+              </a:rPr>
+              <a:t>Project</a:t>
+            </a:r>
+            <a:r>
+              <a:rPr lang="en-US" sz="1800" dirty="0">
+                <a:solidFill>
+                  <a:srgbClr val="0000FF"/>
+                </a:solidFill>
+                <a:latin typeface="Cascadia Mono" panose="020B0609020000020004" pitchFamily="49" charset="0"/>
+              </a:rPr>
+              <a:t> </a:t>
+            </a:r>
+            <a:r>
+              <a:rPr lang="en-US" sz="1800" dirty="0" err="1">
+                <a:solidFill>
+                  <a:srgbClr val="FF0000"/>
+                </a:solidFill>
+                <a:latin typeface="Cascadia Mono" panose="020B0609020000020004" pitchFamily="49" charset="0"/>
+              </a:rPr>
+              <a:t>Sdk</a:t>
+            </a:r>
+            <a:r>
+              <a:rPr lang="en-US" sz="1800" dirty="0">
+                <a:solidFill>
+                  <a:srgbClr val="0000FF"/>
+                </a:solidFill>
+                <a:latin typeface="Cascadia Mono" panose="020B0609020000020004" pitchFamily="49" charset="0"/>
+              </a:rPr>
+              <a:t>=</a:t>
+            </a:r>
+            <a:r>
+              <a:rPr lang="en-US" sz="1800" dirty="0">
+                <a:solidFill>
+                  <a:srgbClr val="000000"/>
+                </a:solidFill>
+                <a:latin typeface="Cascadia Mono" panose="020B0609020000020004" pitchFamily="49" charset="0"/>
+              </a:rPr>
+              <a:t>"</a:t>
+            </a:r>
+            <a:r>
+              <a:rPr lang="en-US" sz="1800" dirty="0" err="1">
+                <a:solidFill>
+                  <a:srgbClr val="0000FF"/>
+                </a:solidFill>
+                <a:latin typeface="Cascadia Mono" panose="020B0609020000020004" pitchFamily="49" charset="0"/>
+              </a:rPr>
+              <a:t>Microsoft.NET.Sdk</a:t>
+            </a:r>
+            <a:r>
+              <a:rPr lang="en-US" sz="1800" dirty="0">
+                <a:solidFill>
+                  <a:srgbClr val="000000"/>
+                </a:solidFill>
+                <a:latin typeface="Cascadia Mono" panose="020B0609020000020004" pitchFamily="49" charset="0"/>
+              </a:rPr>
+              <a:t>"</a:t>
+            </a:r>
+            <a:r>
+              <a:rPr lang="en-US" sz="1800" dirty="0">
+                <a:solidFill>
+                  <a:srgbClr val="0000FF"/>
+                </a:solidFill>
+                <a:latin typeface="Cascadia Mono" panose="020B0609020000020004" pitchFamily="49" charset="0"/>
+              </a:rPr>
+              <a:t>&gt;</a:t>
+            </a:r>
+            <a:endParaRPr lang="en-US" sz="1800" dirty="0">
+              <a:solidFill>
+                <a:srgbClr val="000000"/>
+              </a:solidFill>
+              <a:latin typeface="Cascadia Mono" panose="020B0609020000020004" pitchFamily="49" charset="0"/>
+            </a:endParaRPr>
+          </a:p>
+          <a:p>
+            <a:pPr algn="l"/>
+            <a:r>
+              <a:rPr lang="en-US" sz="1800" dirty="0">
+                <a:solidFill>
+                  <a:srgbClr val="0000FF"/>
+                </a:solidFill>
+                <a:latin typeface="Cascadia Mono" panose="020B0609020000020004" pitchFamily="49" charset="0"/>
+              </a:rPr>
+              <a:t>  &lt;</a:t>
+            </a:r>
+            <a:r>
+              <a:rPr lang="en-US" sz="1800" dirty="0" err="1">
+                <a:solidFill>
+                  <a:srgbClr val="A31515"/>
+                </a:solidFill>
+                <a:latin typeface="Cascadia Mono" panose="020B0609020000020004" pitchFamily="49" charset="0"/>
+              </a:rPr>
+              <a:t>PropertyGroup</a:t>
+            </a:r>
+            <a:r>
+              <a:rPr lang="en-US" sz="1800" dirty="0">
+                <a:solidFill>
+                  <a:srgbClr val="0000FF"/>
+                </a:solidFill>
+                <a:latin typeface="Cascadia Mono" panose="020B0609020000020004" pitchFamily="49" charset="0"/>
+              </a:rPr>
+              <a:t>&gt;</a:t>
+            </a:r>
+            <a:endParaRPr lang="en-US" sz="1800" dirty="0">
+              <a:solidFill>
+                <a:srgbClr val="000000"/>
+              </a:solidFill>
+              <a:latin typeface="Cascadia Mono" panose="020B0609020000020004" pitchFamily="49" charset="0"/>
+            </a:endParaRPr>
+          </a:p>
+          <a:p>
+            <a:pPr algn="l"/>
+            <a:r>
+              <a:rPr lang="en-US" sz="1800" dirty="0">
+                <a:solidFill>
+                  <a:srgbClr val="0000FF"/>
+                </a:solidFill>
+                <a:latin typeface="Cascadia Mono" panose="020B0609020000020004" pitchFamily="49" charset="0"/>
+              </a:rPr>
+              <a:t>    &lt;</a:t>
+            </a:r>
+            <a:r>
+              <a:rPr lang="en-US" sz="1800" dirty="0" err="1">
+                <a:solidFill>
+                  <a:srgbClr val="A31515"/>
+                </a:solidFill>
+                <a:latin typeface="Cascadia Mono" panose="020B0609020000020004" pitchFamily="49" charset="0"/>
+              </a:rPr>
+              <a:t>OutputType</a:t>
+            </a:r>
+            <a:r>
+              <a:rPr lang="en-US" sz="1800" dirty="0">
+                <a:solidFill>
+                  <a:srgbClr val="0000FF"/>
+                </a:solidFill>
+                <a:latin typeface="Cascadia Mono" panose="020B0609020000020004" pitchFamily="49" charset="0"/>
+              </a:rPr>
+              <a:t>&gt;</a:t>
+            </a:r>
+            <a:r>
+              <a:rPr lang="en-US" sz="1800" dirty="0">
+                <a:solidFill>
+                  <a:srgbClr val="000000"/>
+                </a:solidFill>
+                <a:latin typeface="Cascadia Mono" panose="020B0609020000020004" pitchFamily="49" charset="0"/>
+              </a:rPr>
+              <a:t>Exe</a:t>
+            </a:r>
+            <a:r>
+              <a:rPr lang="en-US" sz="1800" dirty="0">
+                <a:solidFill>
+                  <a:srgbClr val="0000FF"/>
+                </a:solidFill>
+                <a:latin typeface="Cascadia Mono" panose="020B0609020000020004" pitchFamily="49" charset="0"/>
+              </a:rPr>
+              <a:t>&lt;/</a:t>
+            </a:r>
+            <a:r>
+              <a:rPr lang="en-US" sz="1800" dirty="0" err="1">
+                <a:solidFill>
+                  <a:srgbClr val="A31515"/>
+                </a:solidFill>
+                <a:latin typeface="Cascadia Mono" panose="020B0609020000020004" pitchFamily="49" charset="0"/>
+              </a:rPr>
+              <a:t>OutputType</a:t>
+            </a:r>
+            <a:r>
+              <a:rPr lang="en-US" sz="1800" dirty="0">
+                <a:solidFill>
+                  <a:srgbClr val="0000FF"/>
+                </a:solidFill>
+                <a:latin typeface="Cascadia Mono" panose="020B0609020000020004" pitchFamily="49" charset="0"/>
+              </a:rPr>
+              <a:t>&gt;</a:t>
+            </a:r>
+            <a:endParaRPr lang="en-US" sz="1800" dirty="0">
+              <a:solidFill>
+                <a:srgbClr val="000000"/>
+              </a:solidFill>
+              <a:latin typeface="Cascadia Mono" panose="020B0609020000020004" pitchFamily="49" charset="0"/>
+            </a:endParaRPr>
+          </a:p>
+          <a:p>
+            <a:pPr algn="l"/>
+            <a:r>
+              <a:rPr lang="en-US" sz="1800" dirty="0">
+                <a:solidFill>
+                  <a:srgbClr val="0000FF"/>
+                </a:solidFill>
+                <a:latin typeface="Cascadia Mono" panose="020B0609020000020004" pitchFamily="49" charset="0"/>
+              </a:rPr>
+              <a:t>    &lt;</a:t>
+            </a:r>
+            <a:r>
+              <a:rPr lang="en-US" sz="1800" dirty="0" err="1">
+                <a:solidFill>
+                  <a:srgbClr val="A31515"/>
+                </a:solidFill>
+                <a:latin typeface="Cascadia Mono" panose="020B0609020000020004" pitchFamily="49" charset="0"/>
+              </a:rPr>
+              <a:t>TargetFramework</a:t>
+            </a:r>
+            <a:r>
+              <a:rPr lang="en-US" sz="1800" dirty="0">
+                <a:solidFill>
+                  <a:srgbClr val="0000FF"/>
+                </a:solidFill>
+                <a:latin typeface="Cascadia Mono" panose="020B0609020000020004" pitchFamily="49" charset="0"/>
+              </a:rPr>
+              <a:t>&gt;</a:t>
+            </a:r>
+            <a:r>
+              <a:rPr lang="en-US" sz="1800" dirty="0">
+                <a:solidFill>
+                  <a:srgbClr val="000000"/>
+                </a:solidFill>
+                <a:latin typeface="Cascadia Mono" panose="020B0609020000020004" pitchFamily="49" charset="0"/>
+              </a:rPr>
+              <a:t>net8.0</a:t>
+            </a:r>
+            <a:r>
+              <a:rPr lang="en-US" sz="1800" dirty="0">
+                <a:solidFill>
+                  <a:srgbClr val="0000FF"/>
+                </a:solidFill>
+                <a:latin typeface="Cascadia Mono" panose="020B0609020000020004" pitchFamily="49" charset="0"/>
+              </a:rPr>
+              <a:t>&lt;/</a:t>
+            </a:r>
+            <a:r>
+              <a:rPr lang="en-US" sz="1800" dirty="0" err="1">
+                <a:solidFill>
+                  <a:srgbClr val="A31515"/>
+                </a:solidFill>
+                <a:latin typeface="Cascadia Mono" panose="020B0609020000020004" pitchFamily="49" charset="0"/>
+              </a:rPr>
+              <a:t>TargetFramework</a:t>
+            </a:r>
+            <a:r>
+              <a:rPr lang="en-US" sz="1800" dirty="0">
+                <a:solidFill>
+                  <a:srgbClr val="0000FF"/>
+                </a:solidFill>
+                <a:latin typeface="Cascadia Mono" panose="020B0609020000020004" pitchFamily="49" charset="0"/>
+              </a:rPr>
+              <a:t>&gt;</a:t>
+            </a:r>
+            <a:endParaRPr lang="en-US" sz="1800" dirty="0">
+              <a:solidFill>
+                <a:srgbClr val="000000"/>
+              </a:solidFill>
+              <a:latin typeface="Cascadia Mono" panose="020B0609020000020004" pitchFamily="49" charset="0"/>
+            </a:endParaRPr>
+          </a:p>
+          <a:p>
+            <a:pPr algn="l"/>
+            <a:r>
+              <a:rPr lang="en-US" sz="1800" dirty="0">
+                <a:solidFill>
+                  <a:srgbClr val="0000FF"/>
+                </a:solidFill>
+                <a:latin typeface="Cascadia Mono" panose="020B0609020000020004" pitchFamily="49" charset="0"/>
+              </a:rPr>
+              <a:t>  &lt;/</a:t>
+            </a:r>
+            <a:r>
+              <a:rPr lang="en-US" sz="1800" dirty="0" err="1">
+                <a:solidFill>
+                  <a:srgbClr val="A31515"/>
+                </a:solidFill>
+                <a:latin typeface="Cascadia Mono" panose="020B0609020000020004" pitchFamily="49" charset="0"/>
+              </a:rPr>
+              <a:t>PropertyGroup</a:t>
+            </a:r>
+            <a:r>
+              <a:rPr lang="en-US" sz="1800" dirty="0">
+                <a:solidFill>
+                  <a:srgbClr val="0000FF"/>
+                </a:solidFill>
+                <a:latin typeface="Cascadia Mono" panose="020B0609020000020004" pitchFamily="49" charset="0"/>
+              </a:rPr>
+              <a:t>&gt;</a:t>
+            </a:r>
+            <a:endParaRPr lang="en-US" sz="1800" dirty="0">
+              <a:solidFill>
+                <a:srgbClr val="000000"/>
+              </a:solidFill>
+              <a:latin typeface="Cascadia Mono" panose="020B0609020000020004" pitchFamily="49" charset="0"/>
+            </a:endParaRPr>
+          </a:p>
+          <a:p>
+            <a:pPr algn="l"/>
+            <a:r>
+              <a:rPr lang="en-US" sz="1800" dirty="0">
+                <a:solidFill>
+                  <a:srgbClr val="0000FF"/>
+                </a:solidFill>
+                <a:latin typeface="Cascadia Mono" panose="020B0609020000020004" pitchFamily="49" charset="0"/>
+              </a:rPr>
+              <a:t>  </a:t>
+            </a:r>
+            <a:endParaRPr lang="en-US" sz="1800" dirty="0">
+              <a:solidFill>
+                <a:srgbClr val="000000"/>
+              </a:solidFill>
+              <a:latin typeface="Cascadia Mono" panose="020B0609020000020004" pitchFamily="49" charset="0"/>
+            </a:endParaRPr>
+          </a:p>
+          <a:p>
+            <a:pPr algn="l"/>
+            <a:r>
+              <a:rPr lang="en-US" sz="1800" dirty="0">
+                <a:solidFill>
+                  <a:srgbClr val="0000FF"/>
+                </a:solidFill>
+                <a:latin typeface="Cascadia Mono" panose="020B0609020000020004" pitchFamily="49" charset="0"/>
+              </a:rPr>
+              <a:t>  &lt;</a:t>
+            </a:r>
+            <a:r>
+              <a:rPr lang="en-US" sz="1800" dirty="0" err="1">
+                <a:solidFill>
+                  <a:srgbClr val="A31515"/>
+                </a:solidFill>
+                <a:latin typeface="Cascadia Mono" panose="020B0609020000020004" pitchFamily="49" charset="0"/>
+              </a:rPr>
+              <a:t>ItemGroup</a:t>
+            </a:r>
+            <a:r>
+              <a:rPr lang="en-US" sz="1800" dirty="0">
+                <a:solidFill>
+                  <a:srgbClr val="0000FF"/>
+                </a:solidFill>
+                <a:latin typeface="Cascadia Mono" panose="020B0609020000020004" pitchFamily="49" charset="0"/>
+              </a:rPr>
+              <a:t>&gt;</a:t>
+            </a:r>
+            <a:endParaRPr lang="en-US" sz="1800" dirty="0">
+              <a:solidFill>
+                <a:srgbClr val="000000"/>
+              </a:solidFill>
+              <a:latin typeface="Cascadia Mono" panose="020B0609020000020004" pitchFamily="49" charset="0"/>
+            </a:endParaRPr>
+          </a:p>
+          <a:p>
+            <a:pPr algn="l"/>
+            <a:r>
+              <a:rPr lang="en-US" sz="1800" dirty="0">
+                <a:solidFill>
+                  <a:srgbClr val="0000FF"/>
+                </a:solidFill>
+                <a:latin typeface="Cascadia Mono" panose="020B0609020000020004" pitchFamily="49" charset="0"/>
+              </a:rPr>
+              <a:t>    &lt;</a:t>
+            </a:r>
+            <a:r>
+              <a:rPr lang="en-US" sz="1800" dirty="0" err="1">
+                <a:solidFill>
+                  <a:srgbClr val="A31515"/>
+                </a:solidFill>
+                <a:latin typeface="Cascadia Mono" panose="020B0609020000020004" pitchFamily="49" charset="0"/>
+              </a:rPr>
+              <a:t>PackageReference</a:t>
+            </a:r>
+            <a:r>
+              <a:rPr lang="en-US" sz="1800" dirty="0">
+                <a:solidFill>
+                  <a:srgbClr val="0000FF"/>
+                </a:solidFill>
+                <a:latin typeface="Cascadia Mono" panose="020B0609020000020004" pitchFamily="49" charset="0"/>
+              </a:rPr>
+              <a:t> </a:t>
+            </a:r>
+            <a:r>
+              <a:rPr lang="en-US" sz="1800" dirty="0">
+                <a:solidFill>
+                  <a:srgbClr val="FF0000"/>
+                </a:solidFill>
+                <a:latin typeface="Cascadia Mono" panose="020B0609020000020004" pitchFamily="49" charset="0"/>
+              </a:rPr>
+              <a:t>Include</a:t>
+            </a:r>
+            <a:r>
+              <a:rPr lang="en-US" sz="1800" dirty="0">
+                <a:solidFill>
+                  <a:srgbClr val="0000FF"/>
+                </a:solidFill>
+                <a:latin typeface="Cascadia Mono" panose="020B0609020000020004" pitchFamily="49" charset="0"/>
+              </a:rPr>
+              <a:t>=</a:t>
+            </a:r>
+            <a:r>
+              <a:rPr lang="en-US" sz="1800" dirty="0">
+                <a:solidFill>
+                  <a:srgbClr val="000000"/>
+                </a:solidFill>
+                <a:latin typeface="Cascadia Mono" panose="020B0609020000020004" pitchFamily="49" charset="0"/>
+              </a:rPr>
+              <a:t>"</a:t>
+            </a:r>
+            <a:r>
+              <a:rPr lang="en-US" sz="1800" dirty="0" err="1">
+                <a:solidFill>
+                  <a:srgbClr val="0000FF"/>
+                </a:solidFill>
+                <a:latin typeface="Cascadia Mono" panose="020B0609020000020004" pitchFamily="49" charset="0"/>
+              </a:rPr>
+              <a:t>Verify.Xunit</a:t>
+            </a:r>
+            <a:r>
+              <a:rPr lang="en-US" sz="1800" dirty="0">
+                <a:solidFill>
+                  <a:srgbClr val="000000"/>
+                </a:solidFill>
+                <a:latin typeface="Cascadia Mono" panose="020B0609020000020004" pitchFamily="49" charset="0"/>
+              </a:rPr>
+              <a:t>"</a:t>
+            </a:r>
+            <a:r>
+              <a:rPr lang="en-US" sz="1800" dirty="0">
+                <a:solidFill>
+                  <a:srgbClr val="0000FF"/>
+                </a:solidFill>
+                <a:latin typeface="Cascadia Mono" panose="020B0609020000020004" pitchFamily="49" charset="0"/>
+              </a:rPr>
+              <a:t> 		</a:t>
+            </a:r>
+            <a:r>
+              <a:rPr lang="en-US" sz="1800" dirty="0">
+                <a:solidFill>
+                  <a:srgbClr val="FF0000"/>
+                </a:solidFill>
+                <a:latin typeface="Cascadia Mono" panose="020B0609020000020004" pitchFamily="49" charset="0"/>
+              </a:rPr>
+              <a:t>Version</a:t>
+            </a:r>
+            <a:r>
+              <a:rPr lang="en-US" sz="1800" dirty="0">
+                <a:solidFill>
+                  <a:srgbClr val="0000FF"/>
+                </a:solidFill>
+                <a:latin typeface="Cascadia Mono" panose="020B0609020000020004" pitchFamily="49" charset="0"/>
+              </a:rPr>
+              <a:t>=</a:t>
+            </a:r>
+            <a:r>
+              <a:rPr lang="en-US" sz="1800" dirty="0">
+                <a:solidFill>
+                  <a:srgbClr val="000000"/>
+                </a:solidFill>
+                <a:latin typeface="Cascadia Mono" panose="020B0609020000020004" pitchFamily="49" charset="0"/>
+              </a:rPr>
+              <a:t>"</a:t>
+            </a:r>
+            <a:r>
+              <a:rPr lang="en-US" sz="1800" dirty="0">
+                <a:solidFill>
+                  <a:srgbClr val="0000FF"/>
+                </a:solidFill>
+                <a:latin typeface="Cascadia Mono" panose="020B0609020000020004" pitchFamily="49" charset="0"/>
+              </a:rPr>
+              <a:t>23.1.0</a:t>
+            </a:r>
+            <a:r>
+              <a:rPr lang="en-US" sz="1800" dirty="0">
+                <a:solidFill>
+                  <a:srgbClr val="000000"/>
+                </a:solidFill>
+                <a:latin typeface="Cascadia Mono" panose="020B0609020000020004" pitchFamily="49" charset="0"/>
+              </a:rPr>
+              <a:t>"</a:t>
+            </a:r>
+            <a:r>
+              <a:rPr lang="en-US" sz="1800" dirty="0">
+                <a:solidFill>
+                  <a:srgbClr val="0000FF"/>
+                </a:solidFill>
+                <a:latin typeface="Cascadia Mono" panose="020B0609020000020004" pitchFamily="49" charset="0"/>
+              </a:rPr>
+              <a:t> /&gt;</a:t>
+            </a:r>
+            <a:endParaRPr lang="en-US" sz="1800" dirty="0">
+              <a:solidFill>
+                <a:srgbClr val="000000"/>
+              </a:solidFill>
+              <a:latin typeface="Cascadia Mono" panose="020B0609020000020004" pitchFamily="49" charset="0"/>
+            </a:endParaRPr>
+          </a:p>
+          <a:p>
+            <a:pPr algn="l"/>
+            <a:r>
+              <a:rPr lang="en-US" sz="1800" dirty="0">
+                <a:solidFill>
+                  <a:srgbClr val="0000FF"/>
+                </a:solidFill>
+                <a:latin typeface="Cascadia Mono" panose="020B0609020000020004" pitchFamily="49" charset="0"/>
+              </a:rPr>
+              <a:t>  &lt;/</a:t>
+            </a:r>
+            <a:r>
+              <a:rPr lang="en-US" sz="1800" dirty="0" err="1">
+                <a:solidFill>
+                  <a:srgbClr val="A31515"/>
+                </a:solidFill>
+                <a:latin typeface="Cascadia Mono" panose="020B0609020000020004" pitchFamily="49" charset="0"/>
+              </a:rPr>
+              <a:t>ItemGroup</a:t>
+            </a:r>
+            <a:r>
+              <a:rPr lang="en-US" sz="1800" dirty="0">
+                <a:solidFill>
+                  <a:srgbClr val="0000FF"/>
+                </a:solidFill>
+                <a:latin typeface="Cascadia Mono" panose="020B0609020000020004" pitchFamily="49" charset="0"/>
+              </a:rPr>
+              <a:t>&gt;</a:t>
+            </a:r>
+            <a:endParaRPr lang="en-US" sz="1800" dirty="0">
+              <a:solidFill>
+                <a:srgbClr val="000000"/>
+              </a:solidFill>
+              <a:latin typeface="Cascadia Mono" panose="020B0609020000020004" pitchFamily="49" charset="0"/>
+            </a:endParaRPr>
+          </a:p>
+          <a:p>
+            <a:pPr algn="l"/>
+            <a:endParaRPr lang="en-US" sz="1800" dirty="0">
+              <a:solidFill>
+                <a:srgbClr val="000000"/>
+              </a:solidFill>
+              <a:latin typeface="Cascadia Mono" panose="020B0609020000020004" pitchFamily="49" charset="0"/>
+            </a:endParaRPr>
+          </a:p>
+          <a:p>
+            <a:pPr algn="l"/>
+            <a:r>
+              <a:rPr lang="en-US" sz="1800" dirty="0">
+                <a:solidFill>
+                  <a:srgbClr val="0000FF"/>
+                </a:solidFill>
+                <a:latin typeface="Cascadia Mono" panose="020B0609020000020004" pitchFamily="49" charset="0"/>
+              </a:rPr>
+              <a:t>  &lt;</a:t>
+            </a:r>
+            <a:r>
+              <a:rPr lang="en-US" sz="1800" dirty="0">
+                <a:solidFill>
+                  <a:srgbClr val="A31515"/>
+                </a:solidFill>
+                <a:latin typeface="Cascadia Mono" panose="020B0609020000020004" pitchFamily="49" charset="0"/>
+              </a:rPr>
+              <a:t>Target</a:t>
+            </a:r>
+            <a:r>
+              <a:rPr lang="en-US" sz="1800" dirty="0">
+                <a:solidFill>
+                  <a:srgbClr val="0000FF"/>
+                </a:solidFill>
+                <a:latin typeface="Cascadia Mono" panose="020B0609020000020004" pitchFamily="49" charset="0"/>
+              </a:rPr>
+              <a:t> </a:t>
+            </a:r>
+            <a:r>
+              <a:rPr lang="en-US" sz="1800" dirty="0">
+                <a:solidFill>
+                  <a:srgbClr val="FF0000"/>
+                </a:solidFill>
+                <a:latin typeface="Cascadia Mono" panose="020B0609020000020004" pitchFamily="49" charset="0"/>
+              </a:rPr>
+              <a:t>Name</a:t>
+            </a:r>
+            <a:r>
+              <a:rPr lang="en-US" sz="1800" dirty="0">
+                <a:solidFill>
+                  <a:srgbClr val="0000FF"/>
+                </a:solidFill>
+                <a:latin typeface="Cascadia Mono" panose="020B0609020000020004" pitchFamily="49" charset="0"/>
+              </a:rPr>
+              <a:t>=</a:t>
+            </a:r>
+            <a:r>
+              <a:rPr lang="en-US" sz="1800" dirty="0">
+                <a:solidFill>
+                  <a:srgbClr val="000000"/>
+                </a:solidFill>
+                <a:latin typeface="Cascadia Mono" panose="020B0609020000020004" pitchFamily="49" charset="0"/>
+              </a:rPr>
+              <a:t>"</a:t>
+            </a:r>
+            <a:r>
+              <a:rPr lang="en-US" sz="1800" dirty="0" err="1">
+                <a:solidFill>
+                  <a:srgbClr val="0000FF"/>
+                </a:solidFill>
+                <a:latin typeface="Cascadia Mono" panose="020B0609020000020004" pitchFamily="49" charset="0"/>
+              </a:rPr>
+              <a:t>ShowHash</a:t>
+            </a:r>
+            <a:r>
+              <a:rPr lang="en-US" sz="1800" dirty="0">
+                <a:solidFill>
+                  <a:srgbClr val="000000"/>
+                </a:solidFill>
+                <a:latin typeface="Cascadia Mono" panose="020B0609020000020004" pitchFamily="49" charset="0"/>
+              </a:rPr>
+              <a:t>"&gt;</a:t>
+            </a:r>
+          </a:p>
+          <a:p>
+            <a:pPr algn="l"/>
+            <a:r>
+              <a:rPr lang="en-US" sz="1800" dirty="0">
+                <a:solidFill>
+                  <a:srgbClr val="0000FF"/>
+                </a:solidFill>
+                <a:latin typeface="Cascadia Mono" panose="020B0609020000020004" pitchFamily="49" charset="0"/>
+              </a:rPr>
+              <a:t>    &lt;</a:t>
+            </a:r>
+            <a:r>
+              <a:rPr lang="en-US" sz="1800" dirty="0">
+                <a:solidFill>
+                  <a:srgbClr val="A31515"/>
+                </a:solidFill>
+                <a:latin typeface="Cascadia Mono" panose="020B0609020000020004" pitchFamily="49" charset="0"/>
+              </a:rPr>
+              <a:t>Message</a:t>
+            </a:r>
+            <a:r>
+              <a:rPr lang="en-US" sz="1800" dirty="0">
+                <a:solidFill>
+                  <a:srgbClr val="0000FF"/>
+                </a:solidFill>
+                <a:latin typeface="Cascadia Mono" panose="020B0609020000020004" pitchFamily="49" charset="0"/>
+              </a:rPr>
+              <a:t> </a:t>
+            </a:r>
+            <a:r>
+              <a:rPr lang="en-US" sz="1800" dirty="0">
+                <a:solidFill>
+                  <a:srgbClr val="FF0000"/>
+                </a:solidFill>
+                <a:latin typeface="Cascadia Mono" panose="020B0609020000020004" pitchFamily="49" charset="0"/>
+              </a:rPr>
+              <a:t>Text</a:t>
+            </a:r>
+            <a:r>
+              <a:rPr lang="en-US" sz="1800" dirty="0">
+                <a:solidFill>
+                  <a:srgbClr val="0000FF"/>
+                </a:solidFill>
+                <a:latin typeface="Cascadia Mono" panose="020B0609020000020004" pitchFamily="49" charset="0"/>
+              </a:rPr>
+              <a:t>=</a:t>
+            </a:r>
+            <a:r>
+              <a:rPr lang="en-US" sz="1800" dirty="0">
+                <a:solidFill>
+                  <a:srgbClr val="000000"/>
+                </a:solidFill>
+                <a:latin typeface="Cascadia Mono" panose="020B0609020000020004" pitchFamily="49" charset="0"/>
+              </a:rPr>
+              <a:t> "</a:t>
+            </a:r>
+            <a:r>
+              <a:rPr lang="en-US" sz="1800" dirty="0" err="1">
+                <a:solidFill>
+                  <a:srgbClr val="0000FF"/>
+                </a:solidFill>
+                <a:latin typeface="Cascadia Mono" panose="020B0609020000020004" pitchFamily="49" charset="0"/>
+              </a:rPr>
+              <a:t>Exexuted</a:t>
+            </a:r>
+            <a:r>
+              <a:rPr lang="en-US" sz="1800" dirty="0">
+                <a:solidFill>
+                  <a:srgbClr val="0000FF"/>
+                </a:solidFill>
+                <a:latin typeface="Cascadia Mono" panose="020B0609020000020004" pitchFamily="49" charset="0"/>
+              </a:rPr>
+              <a:t> $(Now)</a:t>
+            </a:r>
+            <a:r>
+              <a:rPr lang="en-US" sz="1800" dirty="0">
+                <a:solidFill>
+                  <a:srgbClr val="000000"/>
+                </a:solidFill>
+                <a:latin typeface="Cascadia Mono" panose="020B0609020000020004" pitchFamily="49" charset="0"/>
+              </a:rPr>
+              <a:t>"</a:t>
+            </a:r>
+            <a:r>
+              <a:rPr lang="en-US" sz="1800" dirty="0">
+                <a:solidFill>
+                  <a:srgbClr val="0000FF"/>
+                </a:solidFill>
+                <a:latin typeface="Cascadia Mono" panose="020B0609020000020004" pitchFamily="49" charset="0"/>
+              </a:rPr>
+              <a:t> /&gt;</a:t>
+            </a:r>
+            <a:endParaRPr lang="en-US" sz="1800" dirty="0">
+              <a:solidFill>
+                <a:srgbClr val="000000"/>
+              </a:solidFill>
+              <a:latin typeface="Cascadia Mono" panose="020B0609020000020004" pitchFamily="49" charset="0"/>
+            </a:endParaRPr>
+          </a:p>
+          <a:p>
+            <a:pPr algn="l"/>
+            <a:r>
+              <a:rPr lang="en-US" sz="1800" dirty="0">
+                <a:solidFill>
+                  <a:srgbClr val="0000FF"/>
+                </a:solidFill>
+                <a:latin typeface="Cascadia Mono" panose="020B0609020000020004" pitchFamily="49" charset="0"/>
+              </a:rPr>
+              <a:t>  &lt;/</a:t>
+            </a:r>
+            <a:r>
+              <a:rPr lang="en-US" sz="1800" dirty="0">
+                <a:solidFill>
+                  <a:srgbClr val="A31515"/>
+                </a:solidFill>
+                <a:latin typeface="Cascadia Mono" panose="020B0609020000020004" pitchFamily="49" charset="0"/>
+              </a:rPr>
+              <a:t>Target</a:t>
+            </a:r>
+            <a:r>
+              <a:rPr lang="en-US" sz="1800" dirty="0">
+                <a:solidFill>
+                  <a:srgbClr val="0000FF"/>
+                </a:solidFill>
+                <a:latin typeface="Cascadia Mono" panose="020B0609020000020004" pitchFamily="49" charset="0"/>
+              </a:rPr>
+              <a:t>&gt;</a:t>
+            </a:r>
+            <a:endParaRPr lang="en-US" sz="1800" dirty="0">
+              <a:solidFill>
+                <a:srgbClr val="000000"/>
+              </a:solidFill>
+              <a:latin typeface="Cascadia Mono" panose="020B0609020000020004" pitchFamily="49" charset="0"/>
+            </a:endParaRPr>
+          </a:p>
+          <a:p>
+            <a:pPr algn="l"/>
+            <a:r>
+              <a:rPr lang="en-US" sz="1800" dirty="0">
+                <a:solidFill>
+                  <a:srgbClr val="0000FF"/>
+                </a:solidFill>
+                <a:latin typeface="Cascadia Mono" panose="020B0609020000020004" pitchFamily="49" charset="0"/>
+              </a:rPr>
+              <a:t>&lt;/</a:t>
+            </a:r>
+            <a:r>
+              <a:rPr lang="en-US" sz="1800" dirty="0">
+                <a:solidFill>
+                  <a:srgbClr val="A31515"/>
+                </a:solidFill>
+                <a:latin typeface="Cascadia Mono" panose="020B0609020000020004" pitchFamily="49" charset="0"/>
+              </a:rPr>
+              <a:t>Project</a:t>
+            </a:r>
+            <a:r>
+              <a:rPr lang="en-US" sz="1800" dirty="0">
+                <a:solidFill>
+                  <a:srgbClr val="0000FF"/>
+                </a:solidFill>
+                <a:latin typeface="Cascadia Mono" panose="020B0609020000020004" pitchFamily="49" charset="0"/>
+              </a:rPr>
+              <a:t>&gt;</a:t>
+            </a:r>
+            <a:endParaRPr lang="en-US" dirty="0"/>
+          </a:p>
+        </p:txBody>
+      </p:sp>
     </p:spTree>
     <p:extLst>
       <p:ext uri="{BB962C8B-B14F-4D97-AF65-F5344CB8AC3E}">
-        <p14:creationId xmlns:p14="http://schemas.microsoft.com/office/powerpoint/2010/main" val="3234174834"/>
+        <p14:creationId xmlns:p14="http://schemas.microsoft.com/office/powerpoint/2010/main" val="378014278"/>
       </p:ext>
     </p:extLst>
   </p:cSld>
@@ -2810,7 +3758,7 @@
           <a:p>
             <a:r>
               <a:rPr lang="en-US" dirty="0"/>
-              <a:t>Concepts</a:t>
+              <a:t>Terminology</a:t>
             </a:r>
           </a:p>
         </p:txBody>
@@ -2833,8 +3781,8 @@
         </p:nvSpPr>
         <p:spPr>
           <a:xfrm>
-            <a:off x="886691" y="1496292"/>
-            <a:ext cx="10522527" cy="4357254"/>
+            <a:off x="623455" y="1496292"/>
+            <a:ext cx="4980709" cy="4357254"/>
           </a:xfrm>
         </p:spPr>
         <p:txBody>
@@ -2847,88 +3795,107 @@
             </a:pPr>
             <a:r>
               <a:rPr lang="en-US" b="1" dirty="0"/>
-              <a:t>Evaluation</a:t>
-            </a:r>
-          </a:p>
-          <a:p>
-            <a:pPr marL="914400" lvl="1" indent="-457200" algn="l">
-              <a:buFont typeface="+mj-lt"/>
-              <a:buAutoNum type="arabicPeriod"/>
+              <a:t>Imports, </a:t>
+            </a:r>
+            <a:r>
+              <a:rPr lang="en-US" b="1" dirty="0" err="1"/>
+              <a:t>Sdks</a:t>
+            </a:r>
+            <a:r>
+              <a:rPr lang="en-US" b="1" dirty="0"/>
+              <a:t>, .props, .targets</a:t>
+            </a:r>
+          </a:p>
+          <a:p>
+            <a:pPr marL="342900" indent="-342900" algn="l">
+              <a:buFont typeface="Arial" panose="020B0604020202020204" pitchFamily="34" charset="0"/>
+              <a:buChar char="•"/>
             </a:pPr>
             <a:r>
+              <a:rPr lang="en-US" dirty="0" err="1"/>
+              <a:t>Sdk.props</a:t>
+            </a:r>
+            <a:r>
               <a:rPr lang="en-US" dirty="0"/>
-              <a:t>Environment, Global props, toolset props</a:t>
-            </a:r>
-          </a:p>
-          <a:p>
-            <a:pPr marL="914400" lvl="1" indent="-457200" algn="l">
-              <a:buFont typeface="+mj-lt"/>
-              <a:buAutoNum type="arabicPeriod"/>
+              <a:t>, </a:t>
+            </a:r>
+            <a:r>
+              <a:rPr lang="en-US" dirty="0" err="1"/>
+              <a:t>Sdk.targets</a:t>
+            </a:r>
+            <a:endParaRPr lang="en-US" dirty="0"/>
+          </a:p>
+          <a:p>
+            <a:pPr marL="342900" indent="-342900" algn="l">
+              <a:buFont typeface="Arial" panose="020B0604020202020204" pitchFamily="34" charset="0"/>
+              <a:buChar char="•"/>
             </a:pPr>
             <a:r>
+              <a:rPr lang="en-US" dirty="0" err="1"/>
+              <a:t>Directory.Build.props</a:t>
+            </a:r>
+            <a:endParaRPr lang="en-US" dirty="0"/>
+          </a:p>
+          <a:p>
+            <a:pPr marL="342900" indent="-342900" algn="l">
+              <a:buFont typeface="Arial" panose="020B0604020202020204" pitchFamily="34" charset="0"/>
+              <a:buChar char="•"/>
+            </a:pPr>
+            <a:r>
+              <a:rPr lang="en-US" dirty="0" err="1"/>
+              <a:t>Directory.Build.targets</a:t>
+            </a:r>
+            <a:endParaRPr lang="en-US" dirty="0"/>
+          </a:p>
+          <a:p>
+            <a:pPr marL="342900" indent="-342900" algn="l">
+              <a:buFont typeface="Arial" panose="020B0604020202020204" pitchFamily="34" charset="0"/>
+              <a:buChar char="•"/>
+            </a:pPr>
+            <a:r>
+              <a:rPr lang="en-US" dirty="0" err="1"/>
+              <a:t>Nuget.g.props</a:t>
+            </a:r>
+            <a:r>
               <a:rPr lang="en-US" dirty="0"/>
-              <a:t>Properties and imports via top down traversal</a:t>
-            </a:r>
-          </a:p>
-          <a:p>
-            <a:pPr marL="914400" lvl="1" indent="-457200" algn="l">
-              <a:buFont typeface="+mj-lt"/>
-              <a:buAutoNum type="arabicPeriod"/>
+              <a:t>, </a:t>
+            </a:r>
+            <a:r>
+              <a:rPr lang="en-US" dirty="0" err="1"/>
+              <a:t>nuget.g.targets</a:t>
+            </a:r>
+            <a:endParaRPr lang="en-US" dirty="0"/>
+          </a:p>
+          <a:p>
+            <a:pPr marL="342900" indent="-342900" algn="l">
+              <a:buFont typeface="Arial" panose="020B0604020202020204" pitchFamily="34" charset="0"/>
+              <a:buChar char="•"/>
             </a:pPr>
             <a:r>
-              <a:rPr lang="en-US" dirty="0"/>
-              <a:t>Item definitions (2</a:t>
-            </a:r>
-            <a:r>
-              <a:rPr lang="en-US" baseline="30000" dirty="0"/>
-              <a:t>nd</a:t>
-            </a:r>
-            <a:r>
-              <a:rPr lang="en-US" dirty="0"/>
-              <a:t> top down traversal)</a:t>
-            </a:r>
-          </a:p>
-          <a:p>
-            <a:pPr marL="914400" lvl="1" indent="-457200" algn="l">
-              <a:buFont typeface="+mj-lt"/>
-              <a:buAutoNum type="arabicPeriod"/>
-            </a:pPr>
-            <a:r>
-              <a:rPr lang="en-US" dirty="0"/>
-              <a:t>Items (3</a:t>
-            </a:r>
-            <a:r>
-              <a:rPr lang="en-US" baseline="30000" dirty="0"/>
-              <a:t>rd</a:t>
-            </a:r>
-            <a:r>
-              <a:rPr lang="en-US" dirty="0"/>
-              <a:t> traversal)</a:t>
-            </a:r>
-          </a:p>
-          <a:p>
-            <a:pPr marL="914400" lvl="1" indent="-457200" algn="l">
-              <a:buFont typeface="+mj-lt"/>
-              <a:buAutoNum type="arabicPeriod"/>
-            </a:pPr>
-            <a:r>
-              <a:rPr lang="en-US" dirty="0" err="1"/>
-              <a:t>UsingTask</a:t>
-            </a:r>
-            <a:r>
-              <a:rPr lang="en-US" dirty="0"/>
-              <a:t> elements</a:t>
-            </a:r>
-          </a:p>
-          <a:p>
-            <a:pPr marL="914400" lvl="1" indent="-457200" algn="l">
-              <a:buFont typeface="+mj-lt"/>
-              <a:buAutoNum type="arabicPeriod"/>
-            </a:pPr>
-            <a:r>
-              <a:rPr lang="en-US" dirty="0"/>
-              <a:t>Target elements</a:t>
-            </a:r>
+              <a:rPr lang="en-US" sz="2200" dirty="0">
+                <a:hlinkClick r:id="rId2" action="ppaction://hlinkfile"/>
+              </a:rPr>
+              <a:t>github.com/</a:t>
+            </a:r>
+            <a:r>
+              <a:rPr lang="en-US" sz="2200" dirty="0" err="1">
+                <a:hlinkClick r:id="rId2" action="ppaction://hlinkfile"/>
+              </a:rPr>
+              <a:t>microsoft</a:t>
+            </a:r>
+            <a:r>
+              <a:rPr lang="en-US" sz="2200" dirty="0">
+                <a:hlinkClick r:id="rId2" action="ppaction://hlinkfile"/>
+              </a:rPr>
+              <a:t>/</a:t>
+            </a:r>
+            <a:r>
+              <a:rPr lang="en-US" sz="2200" dirty="0" err="1">
+                <a:hlinkClick r:id="rId2" action="ppaction://hlinkfile"/>
+              </a:rPr>
+              <a:t>MSBuildSdks</a:t>
+            </a:r>
+            <a:endParaRPr lang="en-US" sz="2200" dirty="0"/>
           </a:p>
         </p:txBody>
       </p:sp>
@@ -3126,10 +4093,991 @@
           </a:p>
         </p:txBody>
       </p:sp>
+      <p:sp>
+        <p:nvSpPr>
+          <p:cNvPr id="5" name="Subtitle 2">
+            <a:extLst>
+              <a:ext uri="{FF2B5EF4-FFF2-40B4-BE49-F238E27FC236}">
+                <a16:creationId xmlns:a16="http://schemas.microsoft.com/office/drawing/2014/main" id="{39E08754-7B35-B768-F42B-07E17006DE4C}"/>
+              </a:ext>
+            </a:extLst>
+          </p:cNvPr>
+          <p:cNvSpPr txBox="1">
+            <a:spLocks/>
+          </p:cNvSpPr>
+          <p:nvPr/>
+        </p:nvSpPr>
+        <p:spPr>
+          <a:xfrm>
+            <a:off x="5777345" y="1364673"/>
+            <a:ext cx="6414655" cy="5382489"/>
+          </a:xfrm>
+          <a:prstGeom prst="rect">
+            <a:avLst/>
+          </a:prstGeom>
+        </p:spPr>
+        <p:txBody>
+          <a:bodyPr/>
+          <a:lstStyle>
+            <a:lvl1pPr marL="0" indent="0" algn="ctr" defTabSz="914400" rtl="0" eaLnBrk="1" latinLnBrk="0" hangingPunct="1">
+              <a:lnSpc>
+                <a:spcPct val="90000"/>
+              </a:lnSpc>
+              <a:spcBef>
+                <a:spcPts val="1000"/>
+              </a:spcBef>
+              <a:buFont typeface="Arial" panose="020B0604020202020204" pitchFamily="34" charset="0"/>
+              <a:buNone/>
+              <a:defRPr sz="2400" kern="1200">
+                <a:solidFill>
+                  <a:schemeClr val="tx1"/>
+                </a:solidFill>
+                <a:latin typeface="+mn-lt"/>
+                <a:ea typeface="+mn-ea"/>
+                <a:cs typeface="+mn-cs"/>
+              </a:defRPr>
+            </a:lvl1pPr>
+            <a:lvl2pPr marL="457200" indent="0" algn="ctr" defTabSz="914400" rtl="0" eaLnBrk="1" latinLnBrk="0" hangingPunct="1">
+              <a:lnSpc>
+                <a:spcPct val="90000"/>
+              </a:lnSpc>
+              <a:spcBef>
+                <a:spcPts val="500"/>
+              </a:spcBef>
+              <a:buFont typeface="Arial" panose="020B0604020202020204" pitchFamily="34" charset="0"/>
+              <a:buNone/>
+              <a:defRPr sz="2000" kern="1200">
+                <a:solidFill>
+                  <a:schemeClr val="tx1"/>
+                </a:solidFill>
+                <a:latin typeface="+mn-lt"/>
+                <a:ea typeface="+mn-ea"/>
+                <a:cs typeface="+mn-cs"/>
+              </a:defRPr>
+            </a:lvl2pPr>
+            <a:lvl3pPr marL="914400" indent="0" algn="ctr" defTabSz="914400" rtl="0" eaLnBrk="1" latinLnBrk="0" hangingPunct="1">
+              <a:lnSpc>
+                <a:spcPct val="90000"/>
+              </a:lnSpc>
+              <a:spcBef>
+                <a:spcPts val="500"/>
+              </a:spcBef>
+              <a:buFont typeface="Arial" panose="020B0604020202020204" pitchFamily="34" charset="0"/>
+              <a:buNone/>
+              <a:defRPr sz="1800" kern="1200">
+                <a:solidFill>
+                  <a:schemeClr val="tx1"/>
+                </a:solidFill>
+                <a:latin typeface="+mn-lt"/>
+                <a:ea typeface="+mn-ea"/>
+                <a:cs typeface="+mn-cs"/>
+              </a:defRPr>
+            </a:lvl3pPr>
+            <a:lvl4pPr marL="1371600" indent="0" algn="ctr" defTabSz="914400" rtl="0" eaLnBrk="1" latinLnBrk="0" hangingPunct="1">
+              <a:lnSpc>
+                <a:spcPct val="90000"/>
+              </a:lnSpc>
+              <a:spcBef>
+                <a:spcPts val="500"/>
+              </a:spcBef>
+              <a:buFont typeface="Arial" panose="020B0604020202020204" pitchFamily="34" charset="0"/>
+              <a:buNone/>
+              <a:defRPr sz="1600" kern="1200">
+                <a:solidFill>
+                  <a:schemeClr val="tx1"/>
+                </a:solidFill>
+                <a:latin typeface="+mn-lt"/>
+                <a:ea typeface="+mn-ea"/>
+                <a:cs typeface="+mn-cs"/>
+              </a:defRPr>
+            </a:lvl4pPr>
+            <a:lvl5pPr marL="1828800" indent="0" algn="ctr" defTabSz="914400" rtl="0" eaLnBrk="1" latinLnBrk="0" hangingPunct="1">
+              <a:lnSpc>
+                <a:spcPct val="90000"/>
+              </a:lnSpc>
+              <a:spcBef>
+                <a:spcPts val="500"/>
+              </a:spcBef>
+              <a:buFont typeface="Arial" panose="020B0604020202020204" pitchFamily="34" charset="0"/>
+              <a:buNone/>
+              <a:defRPr sz="1600" kern="1200">
+                <a:solidFill>
+                  <a:schemeClr val="tx1"/>
+                </a:solidFill>
+                <a:latin typeface="+mn-lt"/>
+                <a:ea typeface="+mn-ea"/>
+                <a:cs typeface="+mn-cs"/>
+              </a:defRPr>
+            </a:lvl5pPr>
+            <a:lvl6pPr marL="2286000" indent="0" algn="ctr" defTabSz="914400" rtl="0" eaLnBrk="1" latinLnBrk="0" hangingPunct="1">
+              <a:lnSpc>
+                <a:spcPct val="90000"/>
+              </a:lnSpc>
+              <a:spcBef>
+                <a:spcPts val="500"/>
+              </a:spcBef>
+              <a:buFont typeface="Arial" panose="020B0604020202020204" pitchFamily="34" charset="0"/>
+              <a:buNone/>
+              <a:defRPr sz="1600" kern="1200">
+                <a:solidFill>
+                  <a:schemeClr val="tx1"/>
+                </a:solidFill>
+                <a:latin typeface="+mn-lt"/>
+                <a:ea typeface="+mn-ea"/>
+                <a:cs typeface="+mn-cs"/>
+              </a:defRPr>
+            </a:lvl6pPr>
+            <a:lvl7pPr marL="2743200" indent="0" algn="ctr" defTabSz="914400" rtl="0" eaLnBrk="1" latinLnBrk="0" hangingPunct="1">
+              <a:lnSpc>
+                <a:spcPct val="90000"/>
+              </a:lnSpc>
+              <a:spcBef>
+                <a:spcPts val="500"/>
+              </a:spcBef>
+              <a:buFont typeface="Arial" panose="020B0604020202020204" pitchFamily="34" charset="0"/>
+              <a:buNone/>
+              <a:defRPr sz="1600" kern="1200">
+                <a:solidFill>
+                  <a:schemeClr val="tx1"/>
+                </a:solidFill>
+                <a:latin typeface="+mn-lt"/>
+                <a:ea typeface="+mn-ea"/>
+                <a:cs typeface="+mn-cs"/>
+              </a:defRPr>
+            </a:lvl7pPr>
+            <a:lvl8pPr marL="3200400" indent="0" algn="ctr" defTabSz="914400" rtl="0" eaLnBrk="1" latinLnBrk="0" hangingPunct="1">
+              <a:lnSpc>
+                <a:spcPct val="90000"/>
+              </a:lnSpc>
+              <a:spcBef>
+                <a:spcPts val="500"/>
+              </a:spcBef>
+              <a:buFont typeface="Arial" panose="020B0604020202020204" pitchFamily="34" charset="0"/>
+              <a:buNone/>
+              <a:defRPr sz="1600" kern="1200">
+                <a:solidFill>
+                  <a:schemeClr val="tx1"/>
+                </a:solidFill>
+                <a:latin typeface="+mn-lt"/>
+                <a:ea typeface="+mn-ea"/>
+                <a:cs typeface="+mn-cs"/>
+              </a:defRPr>
+            </a:lvl8pPr>
+            <a:lvl9pPr marL="3657600" indent="0" algn="ctr" defTabSz="914400" rtl="0" eaLnBrk="1" latinLnBrk="0" hangingPunct="1">
+              <a:lnSpc>
+                <a:spcPct val="90000"/>
+              </a:lnSpc>
+              <a:spcBef>
+                <a:spcPts val="500"/>
+              </a:spcBef>
+              <a:buFont typeface="Arial" panose="020B0604020202020204" pitchFamily="34" charset="0"/>
+              <a:buNone/>
+              <a:defRPr sz="1600" kern="1200">
+                <a:solidFill>
+                  <a:schemeClr val="tx1"/>
+                </a:solidFill>
+                <a:latin typeface="+mn-lt"/>
+                <a:ea typeface="+mn-ea"/>
+                <a:cs typeface="+mn-cs"/>
+              </a:defRPr>
+            </a:lvl9pPr>
+          </a:lstStyle>
+          <a:p>
+            <a:pPr algn="l"/>
+            <a:r>
+              <a:rPr lang="en-US" sz="1800" dirty="0">
+                <a:solidFill>
+                  <a:srgbClr val="0000FF"/>
+                </a:solidFill>
+                <a:latin typeface="Cascadia Mono" panose="020B0609020000020004" pitchFamily="49" charset="0"/>
+              </a:rPr>
+              <a:t>&lt;</a:t>
+            </a:r>
+            <a:r>
+              <a:rPr lang="en-US" sz="1800" dirty="0">
+                <a:solidFill>
+                  <a:srgbClr val="A31515"/>
+                </a:solidFill>
+                <a:latin typeface="Cascadia Mono" panose="020B0609020000020004" pitchFamily="49" charset="0"/>
+              </a:rPr>
+              <a:t>Project</a:t>
+            </a:r>
+            <a:r>
+              <a:rPr lang="en-US" sz="1800" dirty="0">
+                <a:solidFill>
+                  <a:srgbClr val="0000FF"/>
+                </a:solidFill>
+                <a:latin typeface="Cascadia Mono" panose="020B0609020000020004" pitchFamily="49" charset="0"/>
+              </a:rPr>
+              <a:t> </a:t>
+            </a:r>
+            <a:r>
+              <a:rPr lang="en-US" sz="1800" b="1" i="1" dirty="0" err="1">
+                <a:solidFill>
+                  <a:srgbClr val="FF0000"/>
+                </a:solidFill>
+                <a:latin typeface="Cascadia Mono" panose="020B0609020000020004" pitchFamily="49" charset="0"/>
+              </a:rPr>
+              <a:t>Sdk</a:t>
+            </a:r>
+            <a:r>
+              <a:rPr lang="en-US" sz="1800" b="1" i="1" dirty="0">
+                <a:solidFill>
+                  <a:srgbClr val="0000FF"/>
+                </a:solidFill>
+                <a:latin typeface="Cascadia Mono" panose="020B0609020000020004" pitchFamily="49" charset="0"/>
+              </a:rPr>
+              <a:t>=</a:t>
+            </a:r>
+            <a:r>
+              <a:rPr lang="en-US" sz="1800" b="1" i="1" dirty="0">
+                <a:solidFill>
+                  <a:srgbClr val="000000"/>
+                </a:solidFill>
+                <a:latin typeface="Cascadia Mono" panose="020B0609020000020004" pitchFamily="49" charset="0"/>
+              </a:rPr>
+              <a:t>"</a:t>
+            </a:r>
+            <a:r>
+              <a:rPr lang="en-US" sz="1800" b="1" i="1" dirty="0" err="1">
+                <a:solidFill>
+                  <a:srgbClr val="0000FF"/>
+                </a:solidFill>
+                <a:latin typeface="Cascadia Mono" panose="020B0609020000020004" pitchFamily="49" charset="0"/>
+              </a:rPr>
+              <a:t>Microsoft.NET.Sdk</a:t>
+            </a:r>
+            <a:r>
+              <a:rPr lang="en-US" sz="1800" b="1" i="1" dirty="0">
+                <a:solidFill>
+                  <a:srgbClr val="000000"/>
+                </a:solidFill>
+                <a:latin typeface="Cascadia Mono" panose="020B0609020000020004" pitchFamily="49" charset="0"/>
+              </a:rPr>
+              <a:t>"</a:t>
+            </a:r>
+            <a:r>
+              <a:rPr lang="en-US" sz="1800" dirty="0">
+                <a:solidFill>
+                  <a:srgbClr val="0000FF"/>
+                </a:solidFill>
+                <a:latin typeface="Cascadia Mono" panose="020B0609020000020004" pitchFamily="49" charset="0"/>
+              </a:rPr>
+              <a:t>&gt;</a:t>
+            </a:r>
+            <a:endParaRPr lang="en-US" sz="1800" dirty="0">
+              <a:solidFill>
+                <a:srgbClr val="000000"/>
+              </a:solidFill>
+              <a:latin typeface="Cascadia Mono" panose="020B0609020000020004" pitchFamily="49" charset="0"/>
+            </a:endParaRPr>
+          </a:p>
+          <a:p>
+            <a:pPr algn="l"/>
+            <a:r>
+              <a:rPr lang="en-US" sz="1800" dirty="0">
+                <a:solidFill>
+                  <a:srgbClr val="0000FF"/>
+                </a:solidFill>
+                <a:latin typeface="Cascadia Mono" panose="020B0609020000020004" pitchFamily="49" charset="0"/>
+              </a:rPr>
+              <a:t>  &lt;</a:t>
+            </a:r>
+            <a:r>
+              <a:rPr lang="en-US" sz="1800" dirty="0" err="1">
+                <a:solidFill>
+                  <a:srgbClr val="A31515"/>
+                </a:solidFill>
+                <a:latin typeface="Cascadia Mono" panose="020B0609020000020004" pitchFamily="49" charset="0"/>
+              </a:rPr>
+              <a:t>PropertyGroup</a:t>
+            </a:r>
+            <a:r>
+              <a:rPr lang="en-US" sz="1800" dirty="0">
+                <a:solidFill>
+                  <a:srgbClr val="0000FF"/>
+                </a:solidFill>
+                <a:latin typeface="Cascadia Mono" panose="020B0609020000020004" pitchFamily="49" charset="0"/>
+              </a:rPr>
+              <a:t>&gt;</a:t>
+            </a:r>
+            <a:endParaRPr lang="en-US" sz="1800" dirty="0">
+              <a:solidFill>
+                <a:srgbClr val="000000"/>
+              </a:solidFill>
+              <a:latin typeface="Cascadia Mono" panose="020B0609020000020004" pitchFamily="49" charset="0"/>
+            </a:endParaRPr>
+          </a:p>
+          <a:p>
+            <a:pPr algn="l"/>
+            <a:r>
+              <a:rPr lang="en-US" sz="1800" dirty="0">
+                <a:solidFill>
+                  <a:srgbClr val="0000FF"/>
+                </a:solidFill>
+                <a:latin typeface="Cascadia Mono" panose="020B0609020000020004" pitchFamily="49" charset="0"/>
+              </a:rPr>
+              <a:t>    &lt;</a:t>
+            </a:r>
+            <a:r>
+              <a:rPr lang="en-US" sz="1800" dirty="0" err="1">
+                <a:solidFill>
+                  <a:srgbClr val="A31515"/>
+                </a:solidFill>
+                <a:latin typeface="Cascadia Mono" panose="020B0609020000020004" pitchFamily="49" charset="0"/>
+              </a:rPr>
+              <a:t>OutputType</a:t>
+            </a:r>
+            <a:r>
+              <a:rPr lang="en-US" sz="1800" dirty="0">
+                <a:solidFill>
+                  <a:srgbClr val="0000FF"/>
+                </a:solidFill>
+                <a:latin typeface="Cascadia Mono" panose="020B0609020000020004" pitchFamily="49" charset="0"/>
+              </a:rPr>
+              <a:t>&gt;</a:t>
+            </a:r>
+            <a:r>
+              <a:rPr lang="en-US" sz="1800" dirty="0">
+                <a:solidFill>
+                  <a:srgbClr val="000000"/>
+                </a:solidFill>
+                <a:latin typeface="Cascadia Mono" panose="020B0609020000020004" pitchFamily="49" charset="0"/>
+              </a:rPr>
+              <a:t>Exe</a:t>
+            </a:r>
+            <a:r>
+              <a:rPr lang="en-US" sz="1800" dirty="0">
+                <a:solidFill>
+                  <a:srgbClr val="0000FF"/>
+                </a:solidFill>
+                <a:latin typeface="Cascadia Mono" panose="020B0609020000020004" pitchFamily="49" charset="0"/>
+              </a:rPr>
+              <a:t>&lt;/</a:t>
+            </a:r>
+            <a:r>
+              <a:rPr lang="en-US" sz="1800" dirty="0" err="1">
+                <a:solidFill>
+                  <a:srgbClr val="A31515"/>
+                </a:solidFill>
+                <a:latin typeface="Cascadia Mono" panose="020B0609020000020004" pitchFamily="49" charset="0"/>
+              </a:rPr>
+              <a:t>OutputType</a:t>
+            </a:r>
+            <a:r>
+              <a:rPr lang="en-US" sz="1800" dirty="0">
+                <a:solidFill>
+                  <a:srgbClr val="0000FF"/>
+                </a:solidFill>
+                <a:latin typeface="Cascadia Mono" panose="020B0609020000020004" pitchFamily="49" charset="0"/>
+              </a:rPr>
+              <a:t>&gt;</a:t>
+            </a:r>
+            <a:endParaRPr lang="en-US" sz="1800" dirty="0">
+              <a:solidFill>
+                <a:srgbClr val="000000"/>
+              </a:solidFill>
+              <a:latin typeface="Cascadia Mono" panose="020B0609020000020004" pitchFamily="49" charset="0"/>
+            </a:endParaRPr>
+          </a:p>
+          <a:p>
+            <a:pPr algn="l"/>
+            <a:r>
+              <a:rPr lang="en-US" sz="1800" dirty="0">
+                <a:solidFill>
+                  <a:srgbClr val="0000FF"/>
+                </a:solidFill>
+                <a:latin typeface="Cascadia Mono" panose="020B0609020000020004" pitchFamily="49" charset="0"/>
+              </a:rPr>
+              <a:t>    &lt;</a:t>
+            </a:r>
+            <a:r>
+              <a:rPr lang="en-US" sz="1800" dirty="0" err="1">
+                <a:solidFill>
+                  <a:srgbClr val="A31515"/>
+                </a:solidFill>
+                <a:latin typeface="Cascadia Mono" panose="020B0609020000020004" pitchFamily="49" charset="0"/>
+              </a:rPr>
+              <a:t>TargetFramework</a:t>
+            </a:r>
+            <a:r>
+              <a:rPr lang="en-US" sz="1800" dirty="0">
+                <a:solidFill>
+                  <a:srgbClr val="0000FF"/>
+                </a:solidFill>
+                <a:latin typeface="Cascadia Mono" panose="020B0609020000020004" pitchFamily="49" charset="0"/>
+              </a:rPr>
+              <a:t>&gt;</a:t>
+            </a:r>
+            <a:r>
+              <a:rPr lang="en-US" sz="1800" dirty="0">
+                <a:solidFill>
+                  <a:srgbClr val="000000"/>
+                </a:solidFill>
+                <a:latin typeface="Cascadia Mono" panose="020B0609020000020004" pitchFamily="49" charset="0"/>
+              </a:rPr>
+              <a:t>net8.0</a:t>
+            </a:r>
+            <a:r>
+              <a:rPr lang="en-US" sz="1800" dirty="0">
+                <a:solidFill>
+                  <a:srgbClr val="0000FF"/>
+                </a:solidFill>
+                <a:latin typeface="Cascadia Mono" panose="020B0609020000020004" pitchFamily="49" charset="0"/>
+              </a:rPr>
+              <a:t>&lt;/</a:t>
+            </a:r>
+            <a:r>
+              <a:rPr lang="en-US" sz="1800" dirty="0" err="1">
+                <a:solidFill>
+                  <a:srgbClr val="A31515"/>
+                </a:solidFill>
+                <a:latin typeface="Cascadia Mono" panose="020B0609020000020004" pitchFamily="49" charset="0"/>
+              </a:rPr>
+              <a:t>TargetFramework</a:t>
+            </a:r>
+            <a:r>
+              <a:rPr lang="en-US" sz="1800" dirty="0">
+                <a:solidFill>
+                  <a:srgbClr val="0000FF"/>
+                </a:solidFill>
+                <a:latin typeface="Cascadia Mono" panose="020B0609020000020004" pitchFamily="49" charset="0"/>
+              </a:rPr>
+              <a:t>&gt;</a:t>
+            </a:r>
+            <a:endParaRPr lang="en-US" sz="1800" dirty="0">
+              <a:solidFill>
+                <a:srgbClr val="000000"/>
+              </a:solidFill>
+              <a:latin typeface="Cascadia Mono" panose="020B0609020000020004" pitchFamily="49" charset="0"/>
+            </a:endParaRPr>
+          </a:p>
+          <a:p>
+            <a:pPr algn="l"/>
+            <a:r>
+              <a:rPr lang="en-US" sz="1800" dirty="0">
+                <a:solidFill>
+                  <a:srgbClr val="0000FF"/>
+                </a:solidFill>
+                <a:latin typeface="Cascadia Mono" panose="020B0609020000020004" pitchFamily="49" charset="0"/>
+              </a:rPr>
+              <a:t>  &lt;/</a:t>
+            </a:r>
+            <a:r>
+              <a:rPr lang="en-US" sz="1800" dirty="0" err="1">
+                <a:solidFill>
+                  <a:srgbClr val="A31515"/>
+                </a:solidFill>
+                <a:latin typeface="Cascadia Mono" panose="020B0609020000020004" pitchFamily="49" charset="0"/>
+              </a:rPr>
+              <a:t>PropertyGroup</a:t>
+            </a:r>
+            <a:r>
+              <a:rPr lang="en-US" sz="1800" dirty="0">
+                <a:solidFill>
+                  <a:srgbClr val="0000FF"/>
+                </a:solidFill>
+                <a:latin typeface="Cascadia Mono" panose="020B0609020000020004" pitchFamily="49" charset="0"/>
+              </a:rPr>
+              <a:t>&gt;</a:t>
+            </a:r>
+            <a:endParaRPr lang="en-US" sz="1800" dirty="0">
+              <a:solidFill>
+                <a:srgbClr val="000000"/>
+              </a:solidFill>
+              <a:latin typeface="Cascadia Mono" panose="020B0609020000020004" pitchFamily="49" charset="0"/>
+            </a:endParaRPr>
+          </a:p>
+          <a:p>
+            <a:pPr algn="l"/>
+            <a:r>
+              <a:rPr lang="en-US" sz="1800" dirty="0">
+                <a:solidFill>
+                  <a:srgbClr val="0000FF"/>
+                </a:solidFill>
+                <a:latin typeface="Cascadia Mono" panose="020B0609020000020004" pitchFamily="49" charset="0"/>
+              </a:rPr>
+              <a:t>  </a:t>
+            </a:r>
+            <a:endParaRPr lang="en-US" sz="1800" dirty="0">
+              <a:solidFill>
+                <a:srgbClr val="000000"/>
+              </a:solidFill>
+              <a:latin typeface="Cascadia Mono" panose="020B0609020000020004" pitchFamily="49" charset="0"/>
+            </a:endParaRPr>
+          </a:p>
+          <a:p>
+            <a:pPr algn="l"/>
+            <a:r>
+              <a:rPr lang="en-US" sz="1800" dirty="0">
+                <a:solidFill>
+                  <a:srgbClr val="0000FF"/>
+                </a:solidFill>
+                <a:latin typeface="Cascadia Mono" panose="020B0609020000020004" pitchFamily="49" charset="0"/>
+              </a:rPr>
+              <a:t>  &lt;</a:t>
+            </a:r>
+            <a:r>
+              <a:rPr lang="en-US" sz="1800" dirty="0" err="1">
+                <a:solidFill>
+                  <a:srgbClr val="A31515"/>
+                </a:solidFill>
+                <a:latin typeface="Cascadia Mono" panose="020B0609020000020004" pitchFamily="49" charset="0"/>
+              </a:rPr>
+              <a:t>ItemGroup</a:t>
+            </a:r>
+            <a:r>
+              <a:rPr lang="en-US" sz="1800" dirty="0">
+                <a:solidFill>
+                  <a:srgbClr val="0000FF"/>
+                </a:solidFill>
+                <a:latin typeface="Cascadia Mono" panose="020B0609020000020004" pitchFamily="49" charset="0"/>
+              </a:rPr>
+              <a:t>&gt;</a:t>
+            </a:r>
+            <a:endParaRPr lang="en-US" sz="1800" dirty="0">
+              <a:solidFill>
+                <a:srgbClr val="000000"/>
+              </a:solidFill>
+              <a:latin typeface="Cascadia Mono" panose="020B0609020000020004" pitchFamily="49" charset="0"/>
+            </a:endParaRPr>
+          </a:p>
+          <a:p>
+            <a:pPr algn="l"/>
+            <a:r>
+              <a:rPr lang="en-US" sz="1800" dirty="0">
+                <a:solidFill>
+                  <a:srgbClr val="0000FF"/>
+                </a:solidFill>
+                <a:latin typeface="Cascadia Mono" panose="020B0609020000020004" pitchFamily="49" charset="0"/>
+              </a:rPr>
+              <a:t>    &lt;</a:t>
+            </a:r>
+            <a:r>
+              <a:rPr lang="en-US" sz="1800" dirty="0" err="1">
+                <a:solidFill>
+                  <a:srgbClr val="A31515"/>
+                </a:solidFill>
+                <a:latin typeface="Cascadia Mono" panose="020B0609020000020004" pitchFamily="49" charset="0"/>
+              </a:rPr>
+              <a:t>PackageReference</a:t>
+            </a:r>
+            <a:r>
+              <a:rPr lang="en-US" sz="1800" dirty="0">
+                <a:solidFill>
+                  <a:srgbClr val="0000FF"/>
+                </a:solidFill>
+                <a:latin typeface="Cascadia Mono" panose="020B0609020000020004" pitchFamily="49" charset="0"/>
+              </a:rPr>
+              <a:t> </a:t>
+            </a:r>
+            <a:r>
+              <a:rPr lang="en-US" sz="1800" dirty="0">
+                <a:solidFill>
+                  <a:srgbClr val="FF0000"/>
+                </a:solidFill>
+                <a:latin typeface="Cascadia Mono" panose="020B0609020000020004" pitchFamily="49" charset="0"/>
+              </a:rPr>
+              <a:t>Include</a:t>
+            </a:r>
+            <a:r>
+              <a:rPr lang="en-US" sz="1800" dirty="0">
+                <a:solidFill>
+                  <a:srgbClr val="0000FF"/>
+                </a:solidFill>
+                <a:latin typeface="Cascadia Mono" panose="020B0609020000020004" pitchFamily="49" charset="0"/>
+              </a:rPr>
+              <a:t>=</a:t>
+            </a:r>
+            <a:r>
+              <a:rPr lang="en-US" sz="1800" dirty="0">
+                <a:solidFill>
+                  <a:srgbClr val="000000"/>
+                </a:solidFill>
+                <a:latin typeface="Cascadia Mono" panose="020B0609020000020004" pitchFamily="49" charset="0"/>
+              </a:rPr>
+              <a:t>"</a:t>
+            </a:r>
+            <a:r>
+              <a:rPr lang="en-US" sz="1800" dirty="0" err="1">
+                <a:solidFill>
+                  <a:srgbClr val="0000FF"/>
+                </a:solidFill>
+                <a:latin typeface="Cascadia Mono" panose="020B0609020000020004" pitchFamily="49" charset="0"/>
+              </a:rPr>
+              <a:t>Verify.Xunit</a:t>
+            </a:r>
+            <a:r>
+              <a:rPr lang="en-US" sz="1800" dirty="0">
+                <a:solidFill>
+                  <a:srgbClr val="000000"/>
+                </a:solidFill>
+                <a:latin typeface="Cascadia Mono" panose="020B0609020000020004" pitchFamily="49" charset="0"/>
+              </a:rPr>
+              <a:t>"</a:t>
+            </a:r>
+            <a:r>
+              <a:rPr lang="en-US" sz="1800" dirty="0">
+                <a:solidFill>
+                  <a:srgbClr val="0000FF"/>
+                </a:solidFill>
+                <a:latin typeface="Cascadia Mono" panose="020B0609020000020004" pitchFamily="49" charset="0"/>
+              </a:rPr>
+              <a:t> 		</a:t>
+            </a:r>
+            <a:r>
+              <a:rPr lang="en-US" sz="1800" dirty="0">
+                <a:solidFill>
+                  <a:srgbClr val="FF0000"/>
+                </a:solidFill>
+                <a:latin typeface="Cascadia Mono" panose="020B0609020000020004" pitchFamily="49" charset="0"/>
+              </a:rPr>
+              <a:t>Version</a:t>
+            </a:r>
+            <a:r>
+              <a:rPr lang="en-US" sz="1800" dirty="0">
+                <a:solidFill>
+                  <a:srgbClr val="0000FF"/>
+                </a:solidFill>
+                <a:latin typeface="Cascadia Mono" panose="020B0609020000020004" pitchFamily="49" charset="0"/>
+              </a:rPr>
+              <a:t>=</a:t>
+            </a:r>
+            <a:r>
+              <a:rPr lang="en-US" sz="1800" dirty="0">
+                <a:solidFill>
+                  <a:srgbClr val="000000"/>
+                </a:solidFill>
+                <a:latin typeface="Cascadia Mono" panose="020B0609020000020004" pitchFamily="49" charset="0"/>
+              </a:rPr>
+              <a:t>"</a:t>
+            </a:r>
+            <a:r>
+              <a:rPr lang="en-US" sz="1800" dirty="0">
+                <a:solidFill>
+                  <a:srgbClr val="0000FF"/>
+                </a:solidFill>
+                <a:latin typeface="Cascadia Mono" panose="020B0609020000020004" pitchFamily="49" charset="0"/>
+              </a:rPr>
+              <a:t>23.1.0</a:t>
+            </a:r>
+            <a:r>
+              <a:rPr lang="en-US" sz="1800" dirty="0">
+                <a:solidFill>
+                  <a:srgbClr val="000000"/>
+                </a:solidFill>
+                <a:latin typeface="Cascadia Mono" panose="020B0609020000020004" pitchFamily="49" charset="0"/>
+              </a:rPr>
+              <a:t>"</a:t>
+            </a:r>
+            <a:r>
+              <a:rPr lang="en-US" sz="1800" dirty="0">
+                <a:solidFill>
+                  <a:srgbClr val="0000FF"/>
+                </a:solidFill>
+                <a:latin typeface="Cascadia Mono" panose="020B0609020000020004" pitchFamily="49" charset="0"/>
+              </a:rPr>
+              <a:t> /&gt;</a:t>
+            </a:r>
+            <a:endParaRPr lang="en-US" sz="1800" dirty="0">
+              <a:solidFill>
+                <a:srgbClr val="000000"/>
+              </a:solidFill>
+              <a:latin typeface="Cascadia Mono" panose="020B0609020000020004" pitchFamily="49" charset="0"/>
+            </a:endParaRPr>
+          </a:p>
+          <a:p>
+            <a:pPr algn="l"/>
+            <a:r>
+              <a:rPr lang="en-US" sz="1800" dirty="0">
+                <a:solidFill>
+                  <a:srgbClr val="0000FF"/>
+                </a:solidFill>
+                <a:latin typeface="Cascadia Mono" panose="020B0609020000020004" pitchFamily="49" charset="0"/>
+              </a:rPr>
+              <a:t>  &lt;/</a:t>
+            </a:r>
+            <a:r>
+              <a:rPr lang="en-US" sz="1800" dirty="0" err="1">
+                <a:solidFill>
+                  <a:srgbClr val="A31515"/>
+                </a:solidFill>
+                <a:latin typeface="Cascadia Mono" panose="020B0609020000020004" pitchFamily="49" charset="0"/>
+              </a:rPr>
+              <a:t>ItemGroup</a:t>
+            </a:r>
+            <a:r>
+              <a:rPr lang="en-US" sz="1800" dirty="0">
+                <a:solidFill>
+                  <a:srgbClr val="0000FF"/>
+                </a:solidFill>
+                <a:latin typeface="Cascadia Mono" panose="020B0609020000020004" pitchFamily="49" charset="0"/>
+              </a:rPr>
+              <a:t>&gt;</a:t>
+            </a:r>
+            <a:endParaRPr lang="en-US" sz="1800" dirty="0">
+              <a:solidFill>
+                <a:srgbClr val="000000"/>
+              </a:solidFill>
+              <a:latin typeface="Cascadia Mono" panose="020B0609020000020004" pitchFamily="49" charset="0"/>
+            </a:endParaRPr>
+          </a:p>
+          <a:p>
+            <a:pPr algn="l"/>
+            <a:endParaRPr lang="en-US" sz="1800" dirty="0">
+              <a:solidFill>
+                <a:srgbClr val="000000"/>
+              </a:solidFill>
+              <a:latin typeface="Cascadia Mono" panose="020B0609020000020004" pitchFamily="49" charset="0"/>
+            </a:endParaRPr>
+          </a:p>
+          <a:p>
+            <a:pPr algn="l"/>
+            <a:r>
+              <a:rPr lang="en-US" sz="1800" dirty="0">
+                <a:solidFill>
+                  <a:srgbClr val="0000FF"/>
+                </a:solidFill>
+                <a:latin typeface="Cascadia Mono" panose="020B0609020000020004" pitchFamily="49" charset="0"/>
+              </a:rPr>
+              <a:t>  &lt;</a:t>
+            </a:r>
+            <a:r>
+              <a:rPr lang="en-US" sz="1800" dirty="0">
+                <a:solidFill>
+                  <a:srgbClr val="A31515"/>
+                </a:solidFill>
+                <a:latin typeface="Cascadia Mono" panose="020B0609020000020004" pitchFamily="49" charset="0"/>
+              </a:rPr>
+              <a:t>Target</a:t>
+            </a:r>
+            <a:r>
+              <a:rPr lang="en-US" sz="1800" dirty="0">
+                <a:solidFill>
+                  <a:srgbClr val="0000FF"/>
+                </a:solidFill>
+                <a:latin typeface="Cascadia Mono" panose="020B0609020000020004" pitchFamily="49" charset="0"/>
+              </a:rPr>
+              <a:t> </a:t>
+            </a:r>
+            <a:r>
+              <a:rPr lang="en-US" sz="1800" dirty="0">
+                <a:solidFill>
+                  <a:srgbClr val="FF0000"/>
+                </a:solidFill>
+                <a:latin typeface="Cascadia Mono" panose="020B0609020000020004" pitchFamily="49" charset="0"/>
+              </a:rPr>
+              <a:t>Name</a:t>
+            </a:r>
+            <a:r>
+              <a:rPr lang="en-US" sz="1800" dirty="0">
+                <a:solidFill>
+                  <a:srgbClr val="0000FF"/>
+                </a:solidFill>
+                <a:latin typeface="Cascadia Mono" panose="020B0609020000020004" pitchFamily="49" charset="0"/>
+              </a:rPr>
+              <a:t>=</a:t>
+            </a:r>
+            <a:r>
+              <a:rPr lang="en-US" sz="1800" dirty="0">
+                <a:solidFill>
+                  <a:srgbClr val="000000"/>
+                </a:solidFill>
+                <a:latin typeface="Cascadia Mono" panose="020B0609020000020004" pitchFamily="49" charset="0"/>
+              </a:rPr>
+              <a:t>"</a:t>
+            </a:r>
+            <a:r>
+              <a:rPr lang="en-US" sz="1800" dirty="0" err="1">
+                <a:solidFill>
+                  <a:srgbClr val="0000FF"/>
+                </a:solidFill>
+                <a:latin typeface="Cascadia Mono" panose="020B0609020000020004" pitchFamily="49" charset="0"/>
+              </a:rPr>
+              <a:t>ShowHash</a:t>
+            </a:r>
+            <a:r>
+              <a:rPr lang="en-US" sz="1800" dirty="0">
+                <a:solidFill>
+                  <a:srgbClr val="000000"/>
+                </a:solidFill>
+                <a:latin typeface="Cascadia Mono" panose="020B0609020000020004" pitchFamily="49" charset="0"/>
+              </a:rPr>
+              <a:t>"&gt;</a:t>
+            </a:r>
+          </a:p>
+          <a:p>
+            <a:pPr algn="l"/>
+            <a:r>
+              <a:rPr lang="en-US" sz="1800" dirty="0">
+                <a:solidFill>
+                  <a:srgbClr val="0000FF"/>
+                </a:solidFill>
+                <a:latin typeface="Cascadia Mono" panose="020B0609020000020004" pitchFamily="49" charset="0"/>
+              </a:rPr>
+              <a:t>    &lt;</a:t>
+            </a:r>
+            <a:r>
+              <a:rPr lang="en-US" sz="1800" dirty="0">
+                <a:solidFill>
+                  <a:srgbClr val="A31515"/>
+                </a:solidFill>
+                <a:latin typeface="Cascadia Mono" panose="020B0609020000020004" pitchFamily="49" charset="0"/>
+              </a:rPr>
+              <a:t>Message</a:t>
+            </a:r>
+            <a:r>
+              <a:rPr lang="en-US" sz="1800" dirty="0">
+                <a:solidFill>
+                  <a:srgbClr val="0000FF"/>
+                </a:solidFill>
+                <a:latin typeface="Cascadia Mono" panose="020B0609020000020004" pitchFamily="49" charset="0"/>
+              </a:rPr>
+              <a:t> </a:t>
+            </a:r>
+            <a:r>
+              <a:rPr lang="en-US" sz="1800" dirty="0">
+                <a:solidFill>
+                  <a:srgbClr val="FF0000"/>
+                </a:solidFill>
+                <a:latin typeface="Cascadia Mono" panose="020B0609020000020004" pitchFamily="49" charset="0"/>
+              </a:rPr>
+              <a:t>Text</a:t>
+            </a:r>
+            <a:r>
+              <a:rPr lang="en-US" sz="1800" dirty="0">
+                <a:solidFill>
+                  <a:srgbClr val="0000FF"/>
+                </a:solidFill>
+                <a:latin typeface="Cascadia Mono" panose="020B0609020000020004" pitchFamily="49" charset="0"/>
+              </a:rPr>
+              <a:t>=</a:t>
+            </a:r>
+            <a:r>
+              <a:rPr lang="en-US" sz="1800" dirty="0">
+                <a:solidFill>
+                  <a:srgbClr val="000000"/>
+                </a:solidFill>
+                <a:latin typeface="Cascadia Mono" panose="020B0609020000020004" pitchFamily="49" charset="0"/>
+              </a:rPr>
+              <a:t> "</a:t>
+            </a:r>
+            <a:r>
+              <a:rPr lang="en-US" sz="1800" dirty="0" err="1">
+                <a:solidFill>
+                  <a:srgbClr val="0000FF"/>
+                </a:solidFill>
+                <a:latin typeface="Cascadia Mono" panose="020B0609020000020004" pitchFamily="49" charset="0"/>
+              </a:rPr>
+              <a:t>Exexuted</a:t>
+            </a:r>
+            <a:r>
+              <a:rPr lang="en-US" sz="1800" dirty="0">
+                <a:solidFill>
+                  <a:srgbClr val="0000FF"/>
+                </a:solidFill>
+                <a:latin typeface="Cascadia Mono" panose="020B0609020000020004" pitchFamily="49" charset="0"/>
+              </a:rPr>
+              <a:t> $(Now)</a:t>
+            </a:r>
+            <a:r>
+              <a:rPr lang="en-US" sz="1800" dirty="0">
+                <a:solidFill>
+                  <a:srgbClr val="000000"/>
+                </a:solidFill>
+                <a:latin typeface="Cascadia Mono" panose="020B0609020000020004" pitchFamily="49" charset="0"/>
+              </a:rPr>
+              <a:t>"</a:t>
+            </a:r>
+            <a:r>
+              <a:rPr lang="en-US" sz="1800" dirty="0">
+                <a:solidFill>
+                  <a:srgbClr val="0000FF"/>
+                </a:solidFill>
+                <a:latin typeface="Cascadia Mono" panose="020B0609020000020004" pitchFamily="49" charset="0"/>
+              </a:rPr>
+              <a:t> /&gt;</a:t>
+            </a:r>
+            <a:endParaRPr lang="en-US" sz="1800" dirty="0">
+              <a:solidFill>
+                <a:srgbClr val="000000"/>
+              </a:solidFill>
+              <a:latin typeface="Cascadia Mono" panose="020B0609020000020004" pitchFamily="49" charset="0"/>
+            </a:endParaRPr>
+          </a:p>
+          <a:p>
+            <a:pPr algn="l"/>
+            <a:r>
+              <a:rPr lang="en-US" sz="1800" dirty="0">
+                <a:solidFill>
+                  <a:srgbClr val="0000FF"/>
+                </a:solidFill>
+                <a:latin typeface="Cascadia Mono" panose="020B0609020000020004" pitchFamily="49" charset="0"/>
+              </a:rPr>
+              <a:t>  &lt;/</a:t>
+            </a:r>
+            <a:r>
+              <a:rPr lang="en-US" sz="1800" dirty="0">
+                <a:solidFill>
+                  <a:srgbClr val="A31515"/>
+                </a:solidFill>
+                <a:latin typeface="Cascadia Mono" panose="020B0609020000020004" pitchFamily="49" charset="0"/>
+              </a:rPr>
+              <a:t>Target</a:t>
+            </a:r>
+            <a:r>
+              <a:rPr lang="en-US" sz="1800" dirty="0">
+                <a:solidFill>
+                  <a:srgbClr val="0000FF"/>
+                </a:solidFill>
+                <a:latin typeface="Cascadia Mono" panose="020B0609020000020004" pitchFamily="49" charset="0"/>
+              </a:rPr>
+              <a:t>&gt;</a:t>
+            </a:r>
+            <a:endParaRPr lang="en-US" sz="1800" dirty="0">
+              <a:solidFill>
+                <a:srgbClr val="000000"/>
+              </a:solidFill>
+              <a:latin typeface="Cascadia Mono" panose="020B0609020000020004" pitchFamily="49" charset="0"/>
+            </a:endParaRPr>
+          </a:p>
+          <a:p>
+            <a:pPr algn="l"/>
+            <a:r>
+              <a:rPr lang="en-US" sz="1800" dirty="0">
+                <a:solidFill>
+                  <a:srgbClr val="0000FF"/>
+                </a:solidFill>
+                <a:latin typeface="Cascadia Mono" panose="020B0609020000020004" pitchFamily="49" charset="0"/>
+              </a:rPr>
+              <a:t>&lt;/</a:t>
+            </a:r>
+            <a:r>
+              <a:rPr lang="en-US" sz="1800" dirty="0">
+                <a:solidFill>
+                  <a:srgbClr val="A31515"/>
+                </a:solidFill>
+                <a:latin typeface="Cascadia Mono" panose="020B0609020000020004" pitchFamily="49" charset="0"/>
+              </a:rPr>
+              <a:t>Project</a:t>
+            </a:r>
+            <a:r>
+              <a:rPr lang="en-US" sz="1800" dirty="0">
+                <a:solidFill>
+                  <a:srgbClr val="0000FF"/>
+                </a:solidFill>
+                <a:latin typeface="Cascadia Mono" panose="020B0609020000020004" pitchFamily="49" charset="0"/>
+              </a:rPr>
+              <a:t>&gt;</a:t>
+            </a:r>
+            <a:endParaRPr lang="en-US" dirty="0"/>
+          </a:p>
+        </p:txBody>
+      </p:sp>
     </p:spTree>
     <p:extLst>
       <p:ext uri="{BB962C8B-B14F-4D97-AF65-F5344CB8AC3E}">
-        <p14:creationId xmlns:p14="http://schemas.microsoft.com/office/powerpoint/2010/main" val="2321334190"/>
+        <p14:creationId xmlns:p14="http://schemas.microsoft.com/office/powerpoint/2010/main" val="3862963399"/>
       </p:ext>
     </p:extLst>
   </p:cSld>
@@ -3220,8 +5168,8 @@
               <a:buChar char="•"/>
             </a:pPr>
             <a:r>
-              <a:rPr lang="en-US" b="1" dirty="0"/>
-              <a:t>Execution</a:t>
+              <a:rPr lang="en-US" dirty="0"/>
+              <a:t>Evaluation</a:t>
             </a:r>
           </a:p>
           <a:p>
@@ -3231,7 +5179,7 @@
             </a:pPr>
             <a:r>
               <a:rPr lang="en-US" dirty="0"/>
-              <a:t>Expansion order within target</a:t>
+              <a:t>Execution</a:t>
             </a:r>
           </a:p>
           <a:p>
@@ -3241,7 +5189,7 @@
             </a:pPr>
             <a:r>
               <a:rPr lang="en-US" dirty="0"/>
-              <a:t>Multiple processes</a:t>
+              <a:t>Restore</a:t>
             </a:r>
           </a:p>
           <a:p>
@@ -3251,35 +5199,7 @@
             </a:pPr>
             <a:r>
               <a:rPr lang="en-US" dirty="0"/>
-              <a:t>Projects - data boundaries</a:t>
-            </a:r>
-          </a:p>
-          <a:p>
-            <a:pPr marL="342900" indent="-342900" algn="l">
-              <a:buFont typeface="Arial" panose="020B0604020202020204" pitchFamily="34" charset="0"/>
-              <a:buChar char="•"/>
-            </a:pPr>
-            <a:r>
-              <a:rPr lang="en-US" dirty="0"/>
-              <a:t>Projects dependencies discovered just-in-time</a:t>
-            </a:r>
-          </a:p>
-          <a:p>
-            <a:pPr marL="342900" indent="-342900" algn="l">
-              <a:buFont typeface="Arial" panose="020B0604020202020204" pitchFamily="34" charset="0"/>
-              <a:buChar char="•"/>
-            </a:pPr>
-            <a:r>
-              <a:rPr lang="en-US" dirty="0"/>
-              <a:t>Logging events (‘</a:t>
-            </a:r>
-            <a:r>
-              <a:rPr lang="en-US" dirty="0" err="1"/>
-              <a:t>BuildEventArgs</a:t>
-            </a:r>
-            <a:r>
-              <a:rPr lang="en-US" dirty="0"/>
-              <a:t>’) transferred to main node and dispatched in serial mode</a:t>
+              <a:t>Multitargeting</a:t>
             </a:r>
           </a:p>
         </p:txBody>
@@ -3481,7 +5401,7 @@
     </p:spTree>
     <p:extLst>
       <p:ext uri="{BB962C8B-B14F-4D97-AF65-F5344CB8AC3E}">
-        <p14:creationId xmlns:p14="http://schemas.microsoft.com/office/powerpoint/2010/main" val="134859399"/>
+        <p14:creationId xmlns:p14="http://schemas.microsoft.com/office/powerpoint/2010/main" val="3234174834"/>
       </p:ext>
     </p:extLst>
   </p:cSld>
@@ -3573,59 +5493,87 @@
             </a:pPr>
             <a:r>
               <a:rPr lang="en-US" b="1" dirty="0"/>
-              <a:t>Restore</a:t>
-            </a:r>
-          </a:p>
-          <a:p>
-            <a:pPr marL="342900" indent="-342900" algn="l">
-              <a:buFont typeface="Arial" panose="020B0604020202020204" pitchFamily="34" charset="0"/>
-              <a:buChar char="•"/>
+              <a:t>Evaluation</a:t>
+            </a:r>
+          </a:p>
+          <a:p>
+            <a:pPr marL="914400" lvl="1" indent="-457200" algn="l">
+              <a:buFont typeface="+mj-lt"/>
+              <a:buAutoNum type="arabicPeriod"/>
             </a:pPr>
             <a:r>
               <a:rPr lang="en-US" dirty="0"/>
-              <a:t>/</a:t>
-            </a:r>
+              <a:t>Environment, Global props, toolset props</a:t>
+            </a:r>
+          </a:p>
+          <a:p>
+            <a:pPr marL="914400" lvl="1" indent="-457200" algn="l">
+              <a:buFont typeface="+mj-lt"/>
+              <a:buAutoNum type="arabicPeriod"/>
+            </a:pPr>
+            <a:r>
+              <a:rPr lang="en-US" dirty="0"/>
+              <a:t>Properties and imports via top down traversal</a:t>
+            </a:r>
+          </a:p>
+          <a:p>
+            <a:pPr marL="914400" lvl="1" indent="-457200" algn="l">
+              <a:buFont typeface="+mj-lt"/>
+              <a:buAutoNum type="arabicPeriod"/>
+            </a:pPr>
+            <a:r>
+              <a:rPr lang="en-US" dirty="0"/>
+              <a:t>Item definitions (2</a:t>
+            </a:r>
+            <a:r>
+              <a:rPr lang="en-US" baseline="30000" dirty="0"/>
+              <a:t>nd</a:t>
+            </a:r>
+            <a:r>
+              <a:rPr lang="en-US" dirty="0"/>
+              <a:t> top down traversal)</a:t>
+            </a:r>
+          </a:p>
+          <a:p>
+            <a:pPr marL="914400" lvl="1" indent="-457200" algn="l">
+              <a:buFont typeface="+mj-lt"/>
+              <a:buAutoNum type="arabicPeriod"/>
+            </a:pPr>
+            <a:r>
+              <a:rPr lang="en-US" dirty="0"/>
+              <a:t>Items (3</a:t>
+            </a:r>
+            <a:r>
+              <a:rPr lang="en-US" baseline="30000" dirty="0"/>
+              <a:t>rd</a:t>
+            </a:r>
+            <a:r>
+              <a:rPr lang="en-US" dirty="0"/>
+              <a:t> traversal)</a:t>
+            </a:r>
+          </a:p>
+          <a:p>
+            <a:pPr marL="914400" lvl="1" indent="-457200" algn="l">
+              <a:buFont typeface="+mj-lt"/>
+              <a:buAutoNum type="arabicPeriod"/>
+            </a:pPr>
             <a:r>
               <a:rPr lang="en-US" dirty="0" err="1"/>
-              <a:t>t:Restore</a:t>
+              <a:t>UsingTask</a:t>
             </a:r>
             <a:r>
               <a:rPr lang="en-US" dirty="0"/>
-              <a:t>, -restore, --no-restore</a:t>
-            </a:r>
-          </a:p>
-          <a:p>
-            <a:pPr marL="342900" indent="-342900" algn="l">
-              <a:buFont typeface="Arial" panose="020B0604020202020204" pitchFamily="34" charset="0"/>
-              <a:buChar char="•"/>
+              <a:t> elements</a:t>
+            </a:r>
+          </a:p>
+          <a:p>
+            <a:pPr marL="914400" lvl="1" indent="-457200" algn="l">
+              <a:buFont typeface="+mj-lt"/>
+              <a:buAutoNum type="arabicPeriod"/>
             </a:pPr>
             <a:r>
-              <a:rPr lang="en-US" i="1" dirty="0"/>
-              <a:t>dotnet build </a:t>
-            </a:r>
-            <a:r>
               <a:rPr lang="en-US" dirty="0"/>
-              <a:t>vs </a:t>
-            </a:r>
-            <a:r>
-              <a:rPr lang="en-US" i="1" dirty="0"/>
-              <a:t>msbuid.exe</a:t>
-            </a:r>
-            <a:r>
-              <a:rPr lang="en-US" dirty="0"/>
-              <a:t> (vs </a:t>
-            </a:r>
-            <a:r>
-              <a:rPr lang="en-US" i="1" strike="sngStrike" dirty="0" err="1"/>
-              <a:t>devenv</a:t>
-            </a:r>
-            <a:r>
-              <a:rPr lang="en-US" i="1" strike="sngStrike" dirty="0"/>
-              <a:t> /build</a:t>
-            </a:r>
-            <a:r>
-              <a:rPr lang="en-US" dirty="0"/>
-              <a:t>)</a:t>
+              <a:t>Target elements</a:t>
             </a:r>
           </a:p>
         </p:txBody>
@@ -3827,7 +5775,7 @@
     </p:spTree>
     <p:extLst>
       <p:ext uri="{BB962C8B-B14F-4D97-AF65-F5344CB8AC3E}">
-        <p14:creationId xmlns:p14="http://schemas.microsoft.com/office/powerpoint/2010/main" val="592482321"/>
+        <p14:creationId xmlns:p14="http://schemas.microsoft.com/office/powerpoint/2010/main" val="2321334190"/>
       </p:ext>
     </p:extLst>
   </p:cSld>
@@ -3881,12 +5829,8 @@
           <a:lstStyle/>
           <a:p>
             <a:r>
-              <a:rPr lang="en-US" dirty="0" err="1"/>
-              <a:t>Binlog</a:t>
-            </a:r>
-            <a:r>
               <a:rPr lang="en-US" dirty="0"/>
-              <a:t> Viewer</a:t>
+              <a:t>Concepts</a:t>
             </a:r>
           </a:p>
         </p:txBody>
@@ -3922,8 +5866,8 @@
               <a:buChar char="•"/>
             </a:pPr>
             <a:r>
-              <a:rPr lang="en-US" dirty="0"/>
-              <a:t>Collecting</a:t>
+              <a:rPr lang="en-US" b="1" dirty="0"/>
+              <a:t>Execution</a:t>
             </a:r>
           </a:p>
           <a:p>
@@ -3933,7 +5877,7 @@
             </a:pPr>
             <a:r>
               <a:rPr lang="en-US" dirty="0"/>
-              <a:t>Contained data</a:t>
+              <a:t>Expansion order within target</a:t>
             </a:r>
           </a:p>
           <a:p>
@@ -3943,7 +5887,7 @@
             </a:pPr>
             <a:r>
               <a:rPr lang="en-US" dirty="0"/>
-              <a:t>Embedded files</a:t>
+              <a:t>Multiple processes</a:t>
             </a:r>
           </a:p>
           <a:p>
@@ -3952,20 +5896,36 @@
               <a:buChar char="•"/>
             </a:pPr>
             <a:r>
+              <a:rPr lang="en-US" dirty="0"/>
+              <a:t>Projects - data boundaries</a:t>
+            </a:r>
+          </a:p>
+          <a:p>
+            <a:pPr marL="342900" indent="-342900" algn="l">
+              <a:buFont typeface="Arial" panose="020B0604020202020204" pitchFamily="34" charset="0"/>
+              <a:buChar char="•"/>
+            </a:pPr>
+            <a:r>
+              <a:rPr lang="en-US" dirty="0"/>
+              <a:t>Projects dependencies discovered just-in-time</a:t>
+            </a:r>
+          </a:p>
+          <a:p>
+            <a:pPr marL="342900" indent="-342900" algn="l">
+              <a:buFont typeface="Arial" panose="020B0604020202020204" pitchFamily="34" charset="0"/>
+              <a:buChar char="•"/>
+            </a:pPr>
+            <a:r>
+              <a:rPr lang="en-US" dirty="0"/>
+              <a:t>Logging events (‘</a:t>
+            </a:r>
+            <a:r>
               <a:rPr lang="en-US" dirty="0" err="1"/>
-              <a:t>Autoupdate</a:t>
+              <a:t>BuildEventArgs</a:t>
             </a:r>
             <a:r>
               <a:rPr lang="en-US" dirty="0"/>
-              <a:t> (</a:t>
-            </a:r>
-            <a:r>
-              <a:rPr lang="en-US" dirty="0" err="1"/>
-              <a:t>ClickOnce</a:t>
-            </a:r>
-            <a:r>
-              <a:rPr lang="en-US" dirty="0"/>
-              <a:t>), Forward compatible mode</a:t>
+              <a:t>’) transferred to main node and dispatched in serial mode</a:t>
             </a:r>
           </a:p>
         </p:txBody>
@@ -4167,6 +6127,692 @@
     </p:spTree>
     <p:extLst>
       <p:ext uri="{BB962C8B-B14F-4D97-AF65-F5344CB8AC3E}">
+        <p14:creationId xmlns:p14="http://schemas.microsoft.com/office/powerpoint/2010/main" val="134859399"/>
+      </p:ext>
+    </p:extLst>
+  </p:cSld>
+  <p:clrMapOvr>
+    <a:masterClrMapping/>
+  </p:clrMapOvr>
+</p:sld>
+</file>
+
+<file path=ppt/slides/slide16.xml><?xml version="1.0" encoding="utf-8"?>
+<p:sld xmlns:a="http://schemas.openxmlformats.org/drawingml/2006/main" xmlns:r="http://schemas.openxmlformats.org/officeDocument/2006/relationships" xmlns:p="http://schemas.openxmlformats.org/presentationml/2006/main">
+  <p:cSld>
+    <p:spTree>
+      <p:nvGrpSpPr>
+        <p:cNvPr id="1" name=""/>
+        <p:cNvGrpSpPr/>
+        <p:nvPr/>
+      </p:nvGrpSpPr>
+      <p:grpSpPr>
+        <a:xfrm>
+          <a:off x="0" y="0"/>
+          <a:ext cx="0" cy="0"/>
+          <a:chOff x="0" y="0"/>
+          <a:chExt cx="0" cy="0"/>
+        </a:xfrm>
+      </p:grpSpPr>
+      <p:sp>
+        <p:nvSpPr>
+          <p:cNvPr id="2" name="Title 1">
+            <a:extLst>
+              <a:ext uri="{FF2B5EF4-FFF2-40B4-BE49-F238E27FC236}">
+                <a16:creationId xmlns:a16="http://schemas.microsoft.com/office/drawing/2014/main" id="{B684B216-13C4-99D6-4085-33C99E1103C0}"/>
+              </a:ext>
+            </a:extLst>
+          </p:cNvPr>
+          <p:cNvSpPr>
+            <a:spLocks noGrp="1"/>
+          </p:cNvSpPr>
+          <p:nvPr>
+            <p:ph type="ctrTitle"/>
+          </p:nvPr>
+        </p:nvSpPr>
+        <p:spPr>
+          <a:xfrm>
+            <a:off x="1524000" y="457345"/>
+            <a:ext cx="9144000" cy="907328"/>
+          </a:xfrm>
+        </p:spPr>
+        <p:txBody>
+          <a:bodyPr/>
+          <a:lstStyle/>
+          <a:p>
+            <a:r>
+              <a:rPr lang="en-US" dirty="0"/>
+              <a:t>Concepts</a:t>
+            </a:r>
+          </a:p>
+        </p:txBody>
+      </p:sp>
+      <p:sp>
+        <p:nvSpPr>
+          <p:cNvPr id="3" name="Subtitle 2">
+            <a:extLst>
+              <a:ext uri="{FF2B5EF4-FFF2-40B4-BE49-F238E27FC236}">
+                <a16:creationId xmlns:a16="http://schemas.microsoft.com/office/drawing/2014/main" id="{560FAECE-3109-C3C6-34CA-82C393496469}"/>
+              </a:ext>
+            </a:extLst>
+          </p:cNvPr>
+          <p:cNvSpPr>
+            <a:spLocks noGrp="1"/>
+          </p:cNvSpPr>
+          <p:nvPr>
+            <p:ph type="subTitle" idx="1"/>
+          </p:nvPr>
+        </p:nvSpPr>
+        <p:spPr>
+          <a:xfrm>
+            <a:off x="886691" y="1496292"/>
+            <a:ext cx="10522527" cy="4357254"/>
+          </a:xfrm>
+        </p:spPr>
+        <p:txBody>
+          <a:bodyPr/>
+          <a:lstStyle/>
+          <a:p>
+            <a:pPr marL="342900" indent="-342900" algn="l">
+              <a:buFont typeface="Arial" panose="020B0604020202020204" pitchFamily="34" charset="0"/>
+              <a:buChar char="•"/>
+            </a:pPr>
+            <a:r>
+              <a:rPr lang="en-US" b="1" dirty="0"/>
+              <a:t>Restore</a:t>
+            </a:r>
+          </a:p>
+          <a:p>
+            <a:pPr marL="342900" indent="-342900" algn="l">
+              <a:buFont typeface="Arial" panose="020B0604020202020204" pitchFamily="34" charset="0"/>
+              <a:buChar char="•"/>
+            </a:pPr>
+            <a:r>
+              <a:rPr lang="en-US" dirty="0"/>
+              <a:t>/</a:t>
+            </a:r>
+            <a:r>
+              <a:rPr lang="en-US" dirty="0" err="1"/>
+              <a:t>t:Restore</a:t>
+            </a:r>
+            <a:r>
+              <a:rPr lang="en-US" dirty="0"/>
+              <a:t>, -restore, --no-restore</a:t>
+            </a:r>
+          </a:p>
+          <a:p>
+            <a:pPr marL="342900" indent="-342900" algn="l">
+              <a:buFont typeface="Arial" panose="020B0604020202020204" pitchFamily="34" charset="0"/>
+              <a:buChar char="•"/>
+            </a:pPr>
+            <a:r>
+              <a:rPr lang="en-US" i="1" dirty="0"/>
+              <a:t>dotnet build </a:t>
+            </a:r>
+            <a:r>
+              <a:rPr lang="en-US" dirty="0"/>
+              <a:t>vs </a:t>
+            </a:r>
+            <a:r>
+              <a:rPr lang="en-US" i="1" dirty="0"/>
+              <a:t>msbuid.exe</a:t>
+            </a:r>
+            <a:r>
+              <a:rPr lang="en-US" dirty="0"/>
+              <a:t> (vs </a:t>
+            </a:r>
+            <a:r>
+              <a:rPr lang="en-US" i="1" strike="sngStrike" dirty="0" err="1"/>
+              <a:t>devenv</a:t>
+            </a:r>
+            <a:r>
+              <a:rPr lang="en-US" i="1" strike="sngStrike" dirty="0"/>
+              <a:t> /build</a:t>
+            </a:r>
+            <a:r>
+              <a:rPr lang="en-US" dirty="0"/>
+              <a:t>)</a:t>
+            </a:r>
+          </a:p>
+        </p:txBody>
+      </p:sp>
+      <p:sp>
+        <p:nvSpPr>
+          <p:cNvPr id="4" name="Subtitle 2">
+            <a:extLst>
+              <a:ext uri="{FF2B5EF4-FFF2-40B4-BE49-F238E27FC236}">
+                <a16:creationId xmlns:a16="http://schemas.microsoft.com/office/drawing/2014/main" id="{516A24B5-BD48-6172-F4AB-99B4E5922E44}"/>
+              </a:ext>
+            </a:extLst>
+          </p:cNvPr>
+          <p:cNvSpPr txBox="1">
+            <a:spLocks/>
+          </p:cNvSpPr>
+          <p:nvPr/>
+        </p:nvSpPr>
+        <p:spPr>
+          <a:xfrm>
+            <a:off x="6788727" y="1496292"/>
+            <a:ext cx="4980709" cy="4357254"/>
+          </a:xfrm>
+          <a:prstGeom prst="rect">
+            <a:avLst/>
+          </a:prstGeom>
+        </p:spPr>
+        <p:txBody>
+          <a:bodyPr/>
+          <a:lstStyle>
+            <a:lvl1pPr marL="0" indent="0" algn="ctr" defTabSz="914400" rtl="0" eaLnBrk="1" latinLnBrk="0" hangingPunct="1">
+              <a:lnSpc>
+                <a:spcPct val="90000"/>
+              </a:lnSpc>
+              <a:spcBef>
+                <a:spcPts val="1000"/>
+              </a:spcBef>
+              <a:buFont typeface="Arial" panose="020B0604020202020204" pitchFamily="34" charset="0"/>
+              <a:buNone/>
+              <a:defRPr sz="2400" kern="1200">
+                <a:solidFill>
+                  <a:schemeClr val="tx1"/>
+                </a:solidFill>
+                <a:latin typeface="+mn-lt"/>
+                <a:ea typeface="+mn-ea"/>
+                <a:cs typeface="+mn-cs"/>
+              </a:defRPr>
+            </a:lvl1pPr>
+            <a:lvl2pPr marL="457200" indent="0" algn="ctr" defTabSz="914400" rtl="0" eaLnBrk="1" latinLnBrk="0" hangingPunct="1">
+              <a:lnSpc>
+                <a:spcPct val="90000"/>
+              </a:lnSpc>
+              <a:spcBef>
+                <a:spcPts val="500"/>
+              </a:spcBef>
+              <a:buFont typeface="Arial" panose="020B0604020202020204" pitchFamily="34" charset="0"/>
+              <a:buNone/>
+              <a:defRPr sz="2000" kern="1200">
+                <a:solidFill>
+                  <a:schemeClr val="tx1"/>
+                </a:solidFill>
+                <a:latin typeface="+mn-lt"/>
+                <a:ea typeface="+mn-ea"/>
+                <a:cs typeface="+mn-cs"/>
+              </a:defRPr>
+            </a:lvl2pPr>
+            <a:lvl3pPr marL="914400" indent="0" algn="ctr" defTabSz="914400" rtl="0" eaLnBrk="1" latinLnBrk="0" hangingPunct="1">
+              <a:lnSpc>
+                <a:spcPct val="90000"/>
+              </a:lnSpc>
+              <a:spcBef>
+                <a:spcPts val="500"/>
+              </a:spcBef>
+              <a:buFont typeface="Arial" panose="020B0604020202020204" pitchFamily="34" charset="0"/>
+              <a:buNone/>
+              <a:defRPr sz="1800" kern="1200">
+                <a:solidFill>
+                  <a:schemeClr val="tx1"/>
+                </a:solidFill>
+                <a:latin typeface="+mn-lt"/>
+                <a:ea typeface="+mn-ea"/>
+                <a:cs typeface="+mn-cs"/>
+              </a:defRPr>
+            </a:lvl3pPr>
+            <a:lvl4pPr marL="1371600" indent="0" algn="ctr" defTabSz="914400" rtl="0" eaLnBrk="1" latinLnBrk="0" hangingPunct="1">
+              <a:lnSpc>
+                <a:spcPct val="90000"/>
+              </a:lnSpc>
+              <a:spcBef>
+                <a:spcPts val="500"/>
+              </a:spcBef>
+              <a:buFont typeface="Arial" panose="020B0604020202020204" pitchFamily="34" charset="0"/>
+              <a:buNone/>
+              <a:defRPr sz="1600" kern="1200">
+                <a:solidFill>
+                  <a:schemeClr val="tx1"/>
+                </a:solidFill>
+                <a:latin typeface="+mn-lt"/>
+                <a:ea typeface="+mn-ea"/>
+                <a:cs typeface="+mn-cs"/>
+              </a:defRPr>
+            </a:lvl4pPr>
+            <a:lvl5pPr marL="1828800" indent="0" algn="ctr" defTabSz="914400" rtl="0" eaLnBrk="1" latinLnBrk="0" hangingPunct="1">
+              <a:lnSpc>
+                <a:spcPct val="90000"/>
+              </a:lnSpc>
+              <a:spcBef>
+                <a:spcPts val="500"/>
+              </a:spcBef>
+              <a:buFont typeface="Arial" panose="020B0604020202020204" pitchFamily="34" charset="0"/>
+              <a:buNone/>
+              <a:defRPr sz="1600" kern="1200">
+                <a:solidFill>
+                  <a:schemeClr val="tx1"/>
+                </a:solidFill>
+                <a:latin typeface="+mn-lt"/>
+                <a:ea typeface="+mn-ea"/>
+                <a:cs typeface="+mn-cs"/>
+              </a:defRPr>
+            </a:lvl5pPr>
+            <a:lvl6pPr marL="2286000" indent="0" algn="ctr" defTabSz="914400" rtl="0" eaLnBrk="1" latinLnBrk="0" hangingPunct="1">
+              <a:lnSpc>
+                <a:spcPct val="90000"/>
+              </a:lnSpc>
+              <a:spcBef>
+                <a:spcPts val="500"/>
+              </a:spcBef>
+              <a:buFont typeface="Arial" panose="020B0604020202020204" pitchFamily="34" charset="0"/>
+              <a:buNone/>
+              <a:defRPr sz="1600" kern="1200">
+                <a:solidFill>
+                  <a:schemeClr val="tx1"/>
+                </a:solidFill>
+                <a:latin typeface="+mn-lt"/>
+                <a:ea typeface="+mn-ea"/>
+                <a:cs typeface="+mn-cs"/>
+              </a:defRPr>
+            </a:lvl6pPr>
+            <a:lvl7pPr marL="2743200" indent="0" algn="ctr" defTabSz="914400" rtl="0" eaLnBrk="1" latinLnBrk="0" hangingPunct="1">
+              <a:lnSpc>
+                <a:spcPct val="90000"/>
+              </a:lnSpc>
+              <a:spcBef>
+                <a:spcPts val="500"/>
+              </a:spcBef>
+              <a:buFont typeface="Arial" panose="020B0604020202020204" pitchFamily="34" charset="0"/>
+              <a:buNone/>
+              <a:defRPr sz="1600" kern="1200">
+                <a:solidFill>
+                  <a:schemeClr val="tx1"/>
+                </a:solidFill>
+                <a:latin typeface="+mn-lt"/>
+                <a:ea typeface="+mn-ea"/>
+                <a:cs typeface="+mn-cs"/>
+              </a:defRPr>
+            </a:lvl7pPr>
+            <a:lvl8pPr marL="3200400" indent="0" algn="ctr" defTabSz="914400" rtl="0" eaLnBrk="1" latinLnBrk="0" hangingPunct="1">
+              <a:lnSpc>
+                <a:spcPct val="90000"/>
+              </a:lnSpc>
+              <a:spcBef>
+                <a:spcPts val="500"/>
+              </a:spcBef>
+              <a:buFont typeface="Arial" panose="020B0604020202020204" pitchFamily="34" charset="0"/>
+              <a:buNone/>
+              <a:defRPr sz="1600" kern="1200">
+                <a:solidFill>
+                  <a:schemeClr val="tx1"/>
+                </a:solidFill>
+                <a:latin typeface="+mn-lt"/>
+                <a:ea typeface="+mn-ea"/>
+                <a:cs typeface="+mn-cs"/>
+              </a:defRPr>
+            </a:lvl8pPr>
+            <a:lvl9pPr marL="3657600" indent="0" algn="ctr" defTabSz="914400" rtl="0" eaLnBrk="1" latinLnBrk="0" hangingPunct="1">
+              <a:lnSpc>
+                <a:spcPct val="90000"/>
+              </a:lnSpc>
+              <a:spcBef>
+                <a:spcPts val="500"/>
+              </a:spcBef>
+              <a:buFont typeface="Arial" panose="020B0604020202020204" pitchFamily="34" charset="0"/>
+              <a:buNone/>
+              <a:defRPr sz="1600" kern="1200">
+                <a:solidFill>
+                  <a:schemeClr val="tx1"/>
+                </a:solidFill>
+                <a:latin typeface="+mn-lt"/>
+                <a:ea typeface="+mn-ea"/>
+                <a:cs typeface="+mn-cs"/>
+              </a:defRPr>
+            </a:lvl9pPr>
+          </a:lstStyle>
+          <a:p>
+            <a:endParaRPr lang="en-US" dirty="0"/>
+          </a:p>
+        </p:txBody>
+      </p:sp>
+    </p:spTree>
+    <p:extLst>
+      <p:ext uri="{BB962C8B-B14F-4D97-AF65-F5344CB8AC3E}">
+        <p14:creationId xmlns:p14="http://schemas.microsoft.com/office/powerpoint/2010/main" val="592482321"/>
+      </p:ext>
+    </p:extLst>
+  </p:cSld>
+  <p:clrMapOvr>
+    <a:masterClrMapping/>
+  </p:clrMapOvr>
+</p:sld>
+</file>
+
+<file path=ppt/slides/slide17.xml><?xml version="1.0" encoding="utf-8"?>
+<p:sld xmlns:a="http://schemas.openxmlformats.org/drawingml/2006/main" xmlns:r="http://schemas.openxmlformats.org/officeDocument/2006/relationships" xmlns:p="http://schemas.openxmlformats.org/presentationml/2006/main">
+  <p:cSld>
+    <p:spTree>
+      <p:nvGrpSpPr>
+        <p:cNvPr id="1" name=""/>
+        <p:cNvGrpSpPr/>
+        <p:nvPr/>
+      </p:nvGrpSpPr>
+      <p:grpSpPr>
+        <a:xfrm>
+          <a:off x="0" y="0"/>
+          <a:ext cx="0" cy="0"/>
+          <a:chOff x="0" y="0"/>
+          <a:chExt cx="0" cy="0"/>
+        </a:xfrm>
+      </p:grpSpPr>
+      <p:sp>
+        <p:nvSpPr>
+          <p:cNvPr id="2" name="Title 1">
+            <a:extLst>
+              <a:ext uri="{FF2B5EF4-FFF2-40B4-BE49-F238E27FC236}">
+                <a16:creationId xmlns:a16="http://schemas.microsoft.com/office/drawing/2014/main" id="{B684B216-13C4-99D6-4085-33C99E1103C0}"/>
+              </a:ext>
+            </a:extLst>
+          </p:cNvPr>
+          <p:cNvSpPr>
+            <a:spLocks noGrp="1"/>
+          </p:cNvSpPr>
+          <p:nvPr>
+            <p:ph type="ctrTitle"/>
+          </p:nvPr>
+        </p:nvSpPr>
+        <p:spPr>
+          <a:xfrm>
+            <a:off x="1524000" y="457345"/>
+            <a:ext cx="9144000" cy="907328"/>
+          </a:xfrm>
+        </p:spPr>
+        <p:txBody>
+          <a:bodyPr/>
+          <a:lstStyle/>
+          <a:p>
+            <a:r>
+              <a:rPr lang="en-US" dirty="0" err="1"/>
+              <a:t>Binlog</a:t>
+            </a:r>
+            <a:r>
+              <a:rPr lang="en-US" dirty="0"/>
+              <a:t> Viewer</a:t>
+            </a:r>
+          </a:p>
+        </p:txBody>
+      </p:sp>
+      <p:sp>
+        <p:nvSpPr>
+          <p:cNvPr id="3" name="Subtitle 2">
+            <a:extLst>
+              <a:ext uri="{FF2B5EF4-FFF2-40B4-BE49-F238E27FC236}">
+                <a16:creationId xmlns:a16="http://schemas.microsoft.com/office/drawing/2014/main" id="{560FAECE-3109-C3C6-34CA-82C393496469}"/>
+              </a:ext>
+            </a:extLst>
+          </p:cNvPr>
+          <p:cNvSpPr>
+            <a:spLocks noGrp="1"/>
+          </p:cNvSpPr>
+          <p:nvPr>
+            <p:ph type="subTitle" idx="1"/>
+          </p:nvPr>
+        </p:nvSpPr>
+        <p:spPr>
+          <a:xfrm>
+            <a:off x="886691" y="1496292"/>
+            <a:ext cx="10522527" cy="4357254"/>
+          </a:xfrm>
+        </p:spPr>
+        <p:txBody>
+          <a:bodyPr/>
+          <a:lstStyle/>
+          <a:p>
+            <a:pPr marL="342900" indent="-342900" algn="l">
+              <a:buFont typeface="Arial" panose="020B0604020202020204" pitchFamily="34" charset="0"/>
+              <a:buChar char="•"/>
+            </a:pPr>
+            <a:r>
+              <a:rPr lang="en-US" dirty="0"/>
+              <a:t>Collecting</a:t>
+            </a:r>
+          </a:p>
+          <a:p>
+            <a:pPr marL="342900" indent="-342900" algn="l">
+              <a:buFont typeface="Arial" panose="020B0604020202020204" pitchFamily="34" charset="0"/>
+              <a:buChar char="•"/>
+            </a:pPr>
+            <a:r>
+              <a:rPr lang="en-US" dirty="0"/>
+              <a:t>Contained data</a:t>
+            </a:r>
+          </a:p>
+          <a:p>
+            <a:pPr marL="342900" indent="-342900" algn="l">
+              <a:buFont typeface="Arial" panose="020B0604020202020204" pitchFamily="34" charset="0"/>
+              <a:buChar char="•"/>
+            </a:pPr>
+            <a:r>
+              <a:rPr lang="en-US" dirty="0"/>
+              <a:t>Embedded files</a:t>
+            </a:r>
+          </a:p>
+          <a:p>
+            <a:pPr marL="342900" indent="-342900" algn="l">
+              <a:buFont typeface="Arial" panose="020B0604020202020204" pitchFamily="34" charset="0"/>
+              <a:buChar char="•"/>
+            </a:pPr>
+            <a:r>
+              <a:rPr lang="en-US" dirty="0" err="1"/>
+              <a:t>Autoupdate</a:t>
+            </a:r>
+            <a:r>
+              <a:rPr lang="en-US" dirty="0"/>
+              <a:t> (</a:t>
+            </a:r>
+            <a:r>
+              <a:rPr lang="en-US" dirty="0" err="1"/>
+              <a:t>ClickOnce</a:t>
+            </a:r>
+            <a:r>
+              <a:rPr lang="en-US" dirty="0"/>
+              <a:t>), Forward compatible mode</a:t>
+            </a:r>
+          </a:p>
+        </p:txBody>
+      </p:sp>
+      <p:sp>
+        <p:nvSpPr>
+          <p:cNvPr id="4" name="Subtitle 2">
+            <a:extLst>
+              <a:ext uri="{FF2B5EF4-FFF2-40B4-BE49-F238E27FC236}">
+                <a16:creationId xmlns:a16="http://schemas.microsoft.com/office/drawing/2014/main" id="{516A24B5-BD48-6172-F4AB-99B4E5922E44}"/>
+              </a:ext>
+            </a:extLst>
+          </p:cNvPr>
+          <p:cNvSpPr txBox="1">
+            <a:spLocks/>
+          </p:cNvSpPr>
+          <p:nvPr/>
+        </p:nvSpPr>
+        <p:spPr>
+          <a:xfrm>
+            <a:off x="6788727" y="1496292"/>
+            <a:ext cx="4980709" cy="4357254"/>
+          </a:xfrm>
+          <a:prstGeom prst="rect">
+            <a:avLst/>
+          </a:prstGeom>
+        </p:spPr>
+        <p:txBody>
+          <a:bodyPr/>
+          <a:lstStyle>
+            <a:lvl1pPr marL="0" indent="0" algn="ctr" defTabSz="914400" rtl="0" eaLnBrk="1" latinLnBrk="0" hangingPunct="1">
+              <a:lnSpc>
+                <a:spcPct val="90000"/>
+              </a:lnSpc>
+              <a:spcBef>
+                <a:spcPts val="1000"/>
+              </a:spcBef>
+              <a:buFont typeface="Arial" panose="020B0604020202020204" pitchFamily="34" charset="0"/>
+              <a:buNone/>
+              <a:defRPr sz="2400" kern="1200">
+                <a:solidFill>
+                  <a:schemeClr val="tx1"/>
+                </a:solidFill>
+                <a:latin typeface="+mn-lt"/>
+                <a:ea typeface="+mn-ea"/>
+                <a:cs typeface="+mn-cs"/>
+              </a:defRPr>
+            </a:lvl1pPr>
+            <a:lvl2pPr marL="457200" indent="0" algn="ctr" defTabSz="914400" rtl="0" eaLnBrk="1" latinLnBrk="0" hangingPunct="1">
+              <a:lnSpc>
+                <a:spcPct val="90000"/>
+              </a:lnSpc>
+              <a:spcBef>
+                <a:spcPts val="500"/>
+              </a:spcBef>
+              <a:buFont typeface="Arial" panose="020B0604020202020204" pitchFamily="34" charset="0"/>
+              <a:buNone/>
+              <a:defRPr sz="2000" kern="1200">
+                <a:solidFill>
+                  <a:schemeClr val="tx1"/>
+                </a:solidFill>
+                <a:latin typeface="+mn-lt"/>
+                <a:ea typeface="+mn-ea"/>
+                <a:cs typeface="+mn-cs"/>
+              </a:defRPr>
+            </a:lvl2pPr>
+            <a:lvl3pPr marL="914400" indent="0" algn="ctr" defTabSz="914400" rtl="0" eaLnBrk="1" latinLnBrk="0" hangingPunct="1">
+              <a:lnSpc>
+                <a:spcPct val="90000"/>
+              </a:lnSpc>
+              <a:spcBef>
+                <a:spcPts val="500"/>
+              </a:spcBef>
+              <a:buFont typeface="Arial" panose="020B0604020202020204" pitchFamily="34" charset="0"/>
+              <a:buNone/>
+              <a:defRPr sz="1800" kern="1200">
+                <a:solidFill>
+                  <a:schemeClr val="tx1"/>
+                </a:solidFill>
+                <a:latin typeface="+mn-lt"/>
+                <a:ea typeface="+mn-ea"/>
+                <a:cs typeface="+mn-cs"/>
+              </a:defRPr>
+            </a:lvl3pPr>
+            <a:lvl4pPr marL="1371600" indent="0" algn="ctr" defTabSz="914400" rtl="0" eaLnBrk="1" latinLnBrk="0" hangingPunct="1">
+              <a:lnSpc>
+                <a:spcPct val="90000"/>
+              </a:lnSpc>
+              <a:spcBef>
+                <a:spcPts val="500"/>
+              </a:spcBef>
+              <a:buFont typeface="Arial" panose="020B0604020202020204" pitchFamily="34" charset="0"/>
+              <a:buNone/>
+              <a:defRPr sz="1600" kern="1200">
+                <a:solidFill>
+                  <a:schemeClr val="tx1"/>
+                </a:solidFill>
+                <a:latin typeface="+mn-lt"/>
+                <a:ea typeface="+mn-ea"/>
+                <a:cs typeface="+mn-cs"/>
+              </a:defRPr>
+            </a:lvl4pPr>
+            <a:lvl5pPr marL="1828800" indent="0" algn="ctr" defTabSz="914400" rtl="0" eaLnBrk="1" latinLnBrk="0" hangingPunct="1">
+              <a:lnSpc>
+                <a:spcPct val="90000"/>
+              </a:lnSpc>
+              <a:spcBef>
+                <a:spcPts val="500"/>
+              </a:spcBef>
+              <a:buFont typeface="Arial" panose="020B0604020202020204" pitchFamily="34" charset="0"/>
+              <a:buNone/>
+              <a:defRPr sz="1600" kern="1200">
+                <a:solidFill>
+                  <a:schemeClr val="tx1"/>
+                </a:solidFill>
+                <a:latin typeface="+mn-lt"/>
+                <a:ea typeface="+mn-ea"/>
+                <a:cs typeface="+mn-cs"/>
+              </a:defRPr>
+            </a:lvl5pPr>
+            <a:lvl6pPr marL="2286000" indent="0" algn="ctr" defTabSz="914400" rtl="0" eaLnBrk="1" latinLnBrk="0" hangingPunct="1">
+              <a:lnSpc>
+                <a:spcPct val="90000"/>
+              </a:lnSpc>
+              <a:spcBef>
+                <a:spcPts val="500"/>
+              </a:spcBef>
+              <a:buFont typeface="Arial" panose="020B0604020202020204" pitchFamily="34" charset="0"/>
+              <a:buNone/>
+              <a:defRPr sz="1600" kern="1200">
+                <a:solidFill>
+                  <a:schemeClr val="tx1"/>
+                </a:solidFill>
+                <a:latin typeface="+mn-lt"/>
+                <a:ea typeface="+mn-ea"/>
+                <a:cs typeface="+mn-cs"/>
+              </a:defRPr>
+            </a:lvl6pPr>
+            <a:lvl7pPr marL="2743200" indent="0" algn="ctr" defTabSz="914400" rtl="0" eaLnBrk="1" latinLnBrk="0" hangingPunct="1">
+              <a:lnSpc>
+                <a:spcPct val="90000"/>
+              </a:lnSpc>
+              <a:spcBef>
+                <a:spcPts val="500"/>
+              </a:spcBef>
+              <a:buFont typeface="Arial" panose="020B0604020202020204" pitchFamily="34" charset="0"/>
+              <a:buNone/>
+              <a:defRPr sz="1600" kern="1200">
+                <a:solidFill>
+                  <a:schemeClr val="tx1"/>
+                </a:solidFill>
+                <a:latin typeface="+mn-lt"/>
+                <a:ea typeface="+mn-ea"/>
+                <a:cs typeface="+mn-cs"/>
+              </a:defRPr>
+            </a:lvl7pPr>
+            <a:lvl8pPr marL="3200400" indent="0" algn="ctr" defTabSz="914400" rtl="0" eaLnBrk="1" latinLnBrk="0" hangingPunct="1">
+              <a:lnSpc>
+                <a:spcPct val="90000"/>
+              </a:lnSpc>
+              <a:spcBef>
+                <a:spcPts val="500"/>
+              </a:spcBef>
+              <a:buFont typeface="Arial" panose="020B0604020202020204" pitchFamily="34" charset="0"/>
+              <a:buNone/>
+              <a:defRPr sz="1600" kern="1200">
+                <a:solidFill>
+                  <a:schemeClr val="tx1"/>
+                </a:solidFill>
+                <a:latin typeface="+mn-lt"/>
+                <a:ea typeface="+mn-ea"/>
+                <a:cs typeface="+mn-cs"/>
+              </a:defRPr>
+            </a:lvl8pPr>
+            <a:lvl9pPr marL="3657600" indent="0" algn="ctr" defTabSz="914400" rtl="0" eaLnBrk="1" latinLnBrk="0" hangingPunct="1">
+              <a:lnSpc>
+                <a:spcPct val="90000"/>
+              </a:lnSpc>
+              <a:spcBef>
+                <a:spcPts val="500"/>
+              </a:spcBef>
+              <a:buFont typeface="Arial" panose="020B0604020202020204" pitchFamily="34" charset="0"/>
+              <a:buNone/>
+              <a:defRPr sz="1600" kern="1200">
+                <a:solidFill>
+                  <a:schemeClr val="tx1"/>
+                </a:solidFill>
+                <a:latin typeface="+mn-lt"/>
+                <a:ea typeface="+mn-ea"/>
+                <a:cs typeface="+mn-cs"/>
+              </a:defRPr>
+            </a:lvl9pPr>
+          </a:lstStyle>
+          <a:p>
+            <a:endParaRPr lang="en-US" dirty="0"/>
+          </a:p>
+        </p:txBody>
+      </p:sp>
+    </p:spTree>
+    <p:extLst>
+      <p:ext uri="{BB962C8B-B14F-4D97-AF65-F5344CB8AC3E}">
         <p14:creationId xmlns:p14="http://schemas.microsoft.com/office/powerpoint/2010/main" val="3845061626"/>
       </p:ext>
     </p:extLst>
@@ -4177,7 +6823,7 @@
 </p:sld>
 </file>
 
-<file path=ppt/slides/slide16.xml><?xml version="1.0" encoding="utf-8"?>
+<file path=ppt/slides/slide18.xml><?xml version="1.0" encoding="utf-8"?>
 <p:sld xmlns:a="http://schemas.openxmlformats.org/drawingml/2006/main" xmlns:r="http://schemas.openxmlformats.org/officeDocument/2006/relationships" xmlns:p="http://schemas.openxmlformats.org/presentationml/2006/main">
   <p:cSld>
     <p:spTree>
@@ -5022,7 +7668,7 @@
           <a:p>
             <a:r>
               <a:rPr lang="en-US" dirty="0"/>
-              <a:t>Terminology</a:t>
+              <a:t>Materials</a:t>
             </a:r>
           </a:p>
         </p:txBody>
@@ -5045,90 +7691,38 @@
         </p:nvSpPr>
         <p:spPr>
           <a:xfrm>
-            <a:off x="623455" y="1496292"/>
-            <a:ext cx="4980709" cy="4357254"/>
+            <a:off x="886691" y="1496292"/>
+            <a:ext cx="10522527" cy="4357254"/>
           </a:xfrm>
         </p:spPr>
         <p:txBody>
           <a:bodyPr/>
           <a:lstStyle/>
           <a:p>
-            <a:pPr marL="342900" indent="-342900" algn="l">
-              <a:buFont typeface="Arial" panose="020B0604020202020204" pitchFamily="34" charset="0"/>
-              <a:buChar char="•"/>
-            </a:pPr>
-            <a:r>
-              <a:rPr lang="en-US" dirty="0"/>
-              <a:t>Properties</a:t>
-            </a:r>
-          </a:p>
-          <a:p>
-            <a:pPr marL="342900" indent="-342900" algn="l">
-              <a:buFont typeface="Arial" panose="020B0604020202020204" pitchFamily="34" charset="0"/>
-              <a:buChar char="•"/>
-            </a:pPr>
-            <a:r>
-              <a:rPr lang="en-US" dirty="0"/>
-              <a:t>Items, Metadata</a:t>
-            </a:r>
-          </a:p>
-          <a:p>
-            <a:pPr marL="342900" indent="-342900" algn="l">
-              <a:buFont typeface="Arial" panose="020B0604020202020204" pitchFamily="34" charset="0"/>
-              <a:buChar char="•"/>
-            </a:pPr>
-            <a:r>
-              <a:rPr lang="en-US" dirty="0"/>
-              <a:t>Targets, Tasks</a:t>
-            </a:r>
-          </a:p>
-          <a:p>
-            <a:pPr marL="342900" indent="-342900" algn="l">
-              <a:buFont typeface="Arial" panose="020B0604020202020204" pitchFamily="34" charset="0"/>
-              <a:buChar char="•"/>
-            </a:pPr>
-            <a:r>
-              <a:rPr lang="en-US" dirty="0"/>
-              <a:t>Conditions</a:t>
-            </a:r>
-          </a:p>
-          <a:p>
-            <a:pPr marL="342900" indent="-342900" algn="l">
-              <a:buFont typeface="Arial" panose="020B0604020202020204" pitchFamily="34" charset="0"/>
-              <a:buChar char="•"/>
-            </a:pPr>
-            <a:r>
-              <a:rPr lang="en-US" dirty="0"/>
-              <a:t>Projects</a:t>
-            </a:r>
-          </a:p>
-          <a:p>
-            <a:pPr marL="342900" indent="-342900" algn="l">
-              <a:buFont typeface="Arial" panose="020B0604020202020204" pitchFamily="34" charset="0"/>
-              <a:buChar char="•"/>
-            </a:pPr>
-            <a:r>
-              <a:rPr lang="en-US" dirty="0"/>
-              <a:t>Property/Item Functions</a:t>
-            </a:r>
-          </a:p>
-          <a:p>
-            <a:pPr marL="342900" indent="-342900" algn="l">
-              <a:buFont typeface="Arial" panose="020B0604020202020204" pitchFamily="34" charset="0"/>
-              <a:buChar char="•"/>
-            </a:pPr>
-            <a:r>
-              <a:rPr lang="en-US" dirty="0"/>
-              <a:t>Imports, </a:t>
-            </a:r>
-            <a:r>
-              <a:rPr lang="en-US" dirty="0" err="1"/>
-              <a:t>Sdks</a:t>
-            </a:r>
-            <a:r>
-              <a:rPr lang="en-US" dirty="0"/>
-              <a:t>, .props, .targets</a:t>
-            </a:r>
+            <a:endParaRPr lang="en-US" sz="4800" dirty="0">
+              <a:hlinkClick r:id="rId2"/>
+            </a:endParaRPr>
+          </a:p>
+          <a:p>
+            <a:r>
+              <a:rPr lang="en-US" sz="4800" dirty="0">
+                <a:hlinkClick r:id="rId2"/>
+              </a:rPr>
+              <a:t>dotutils.net/</a:t>
+            </a:r>
+            <a:r>
+              <a:rPr lang="en-US" sz="4800" dirty="0" err="1">
+                <a:hlinkClick r:id="rId2"/>
+              </a:rPr>
+              <a:t>wug</a:t>
+            </a:r>
+            <a:r>
+              <a:rPr lang="en-US" sz="4800" dirty="0">
+                <a:hlinkClick r:id="rId2"/>
+              </a:rPr>
+              <a:t>-talk</a:t>
+            </a:r>
+            <a:endParaRPr lang="en-US" sz="4800" dirty="0"/>
           </a:p>
         </p:txBody>
       </p:sp>
@@ -5326,991 +7920,10 @@
           </a:p>
         </p:txBody>
       </p:sp>
-      <p:sp>
-        <p:nvSpPr>
-          <p:cNvPr id="5" name="Subtitle 2">
-            <a:extLst>
-              <a:ext uri="{FF2B5EF4-FFF2-40B4-BE49-F238E27FC236}">
-                <a16:creationId xmlns:a16="http://schemas.microsoft.com/office/drawing/2014/main" id="{39E08754-7B35-B768-F42B-07E17006DE4C}"/>
-              </a:ext>
-            </a:extLst>
-          </p:cNvPr>
-          <p:cNvSpPr txBox="1">
-            <a:spLocks/>
-          </p:cNvSpPr>
-          <p:nvPr/>
-        </p:nvSpPr>
-        <p:spPr>
-          <a:xfrm>
-            <a:off x="5777345" y="1364673"/>
-            <a:ext cx="6414655" cy="5382489"/>
-          </a:xfrm>
-          <a:prstGeom prst="rect">
-            <a:avLst/>
-          </a:prstGeom>
-        </p:spPr>
-        <p:txBody>
-          <a:bodyPr/>
-          <a:lstStyle>
-            <a:lvl1pPr marL="0" indent="0" algn="ctr" defTabSz="914400" rtl="0" eaLnBrk="1" latinLnBrk="0" hangingPunct="1">
-              <a:lnSpc>
-                <a:spcPct val="90000"/>
-              </a:lnSpc>
-              <a:spcBef>
-                <a:spcPts val="1000"/>
-              </a:spcBef>
-              <a:buFont typeface="Arial" panose="020B0604020202020204" pitchFamily="34" charset="0"/>
-              <a:buNone/>
-              <a:defRPr sz="2400" kern="1200">
-                <a:solidFill>
-                  <a:schemeClr val="tx1"/>
-                </a:solidFill>
-                <a:latin typeface="+mn-lt"/>
-                <a:ea typeface="+mn-ea"/>
-                <a:cs typeface="+mn-cs"/>
-              </a:defRPr>
-            </a:lvl1pPr>
-            <a:lvl2pPr marL="457200" indent="0" algn="ctr" defTabSz="914400" rtl="0" eaLnBrk="1" latinLnBrk="0" hangingPunct="1">
-              <a:lnSpc>
-                <a:spcPct val="90000"/>
-              </a:lnSpc>
-              <a:spcBef>
-                <a:spcPts val="500"/>
-              </a:spcBef>
-              <a:buFont typeface="Arial" panose="020B0604020202020204" pitchFamily="34" charset="0"/>
-              <a:buNone/>
-              <a:defRPr sz="2000" kern="1200">
-                <a:solidFill>
-                  <a:schemeClr val="tx1"/>
-                </a:solidFill>
-                <a:latin typeface="+mn-lt"/>
-                <a:ea typeface="+mn-ea"/>
-                <a:cs typeface="+mn-cs"/>
-              </a:defRPr>
-            </a:lvl2pPr>
-            <a:lvl3pPr marL="914400" indent="0" algn="ctr" defTabSz="914400" rtl="0" eaLnBrk="1" latinLnBrk="0" hangingPunct="1">
-              <a:lnSpc>
-                <a:spcPct val="90000"/>
-              </a:lnSpc>
-              <a:spcBef>
-                <a:spcPts val="500"/>
-              </a:spcBef>
-              <a:buFont typeface="Arial" panose="020B0604020202020204" pitchFamily="34" charset="0"/>
-              <a:buNone/>
-              <a:defRPr sz="1800" kern="1200">
-                <a:solidFill>
-                  <a:schemeClr val="tx1"/>
-                </a:solidFill>
-                <a:latin typeface="+mn-lt"/>
-                <a:ea typeface="+mn-ea"/>
-                <a:cs typeface="+mn-cs"/>
-              </a:defRPr>
-            </a:lvl3pPr>
-            <a:lvl4pPr marL="1371600" indent="0" algn="ctr" defTabSz="914400" rtl="0" eaLnBrk="1" latinLnBrk="0" hangingPunct="1">
-              <a:lnSpc>
-                <a:spcPct val="90000"/>
-              </a:lnSpc>
-              <a:spcBef>
-                <a:spcPts val="500"/>
-              </a:spcBef>
-              <a:buFont typeface="Arial" panose="020B0604020202020204" pitchFamily="34" charset="0"/>
-              <a:buNone/>
-              <a:defRPr sz="1600" kern="1200">
-                <a:solidFill>
-                  <a:schemeClr val="tx1"/>
-                </a:solidFill>
-                <a:latin typeface="+mn-lt"/>
-                <a:ea typeface="+mn-ea"/>
-                <a:cs typeface="+mn-cs"/>
-              </a:defRPr>
-            </a:lvl4pPr>
-            <a:lvl5pPr marL="1828800" indent="0" algn="ctr" defTabSz="914400" rtl="0" eaLnBrk="1" latinLnBrk="0" hangingPunct="1">
-              <a:lnSpc>
-                <a:spcPct val="90000"/>
-              </a:lnSpc>
-              <a:spcBef>
-                <a:spcPts val="500"/>
-              </a:spcBef>
-              <a:buFont typeface="Arial" panose="020B0604020202020204" pitchFamily="34" charset="0"/>
-              <a:buNone/>
-              <a:defRPr sz="1600" kern="1200">
-                <a:solidFill>
-                  <a:schemeClr val="tx1"/>
-                </a:solidFill>
-                <a:latin typeface="+mn-lt"/>
-                <a:ea typeface="+mn-ea"/>
-                <a:cs typeface="+mn-cs"/>
-              </a:defRPr>
-            </a:lvl5pPr>
-            <a:lvl6pPr marL="2286000" indent="0" algn="ctr" defTabSz="914400" rtl="0" eaLnBrk="1" latinLnBrk="0" hangingPunct="1">
-              <a:lnSpc>
-                <a:spcPct val="90000"/>
-              </a:lnSpc>
-              <a:spcBef>
-                <a:spcPts val="500"/>
-              </a:spcBef>
-              <a:buFont typeface="Arial" panose="020B0604020202020204" pitchFamily="34" charset="0"/>
-              <a:buNone/>
-              <a:defRPr sz="1600" kern="1200">
-                <a:solidFill>
-                  <a:schemeClr val="tx1"/>
-                </a:solidFill>
-                <a:latin typeface="+mn-lt"/>
-                <a:ea typeface="+mn-ea"/>
-                <a:cs typeface="+mn-cs"/>
-              </a:defRPr>
-            </a:lvl6pPr>
-            <a:lvl7pPr marL="2743200" indent="0" algn="ctr" defTabSz="914400" rtl="0" eaLnBrk="1" latinLnBrk="0" hangingPunct="1">
-              <a:lnSpc>
-                <a:spcPct val="90000"/>
-              </a:lnSpc>
-              <a:spcBef>
-                <a:spcPts val="500"/>
-              </a:spcBef>
-              <a:buFont typeface="Arial" panose="020B0604020202020204" pitchFamily="34" charset="0"/>
-              <a:buNone/>
-              <a:defRPr sz="1600" kern="1200">
-                <a:solidFill>
-                  <a:schemeClr val="tx1"/>
-                </a:solidFill>
-                <a:latin typeface="+mn-lt"/>
-                <a:ea typeface="+mn-ea"/>
-                <a:cs typeface="+mn-cs"/>
-              </a:defRPr>
-            </a:lvl7pPr>
-            <a:lvl8pPr marL="3200400" indent="0" algn="ctr" defTabSz="914400" rtl="0" eaLnBrk="1" latinLnBrk="0" hangingPunct="1">
-              <a:lnSpc>
-                <a:spcPct val="90000"/>
-              </a:lnSpc>
-              <a:spcBef>
-                <a:spcPts val="500"/>
-              </a:spcBef>
-              <a:buFont typeface="Arial" panose="020B0604020202020204" pitchFamily="34" charset="0"/>
-              <a:buNone/>
-              <a:defRPr sz="1600" kern="1200">
-                <a:solidFill>
-                  <a:schemeClr val="tx1"/>
-                </a:solidFill>
-                <a:latin typeface="+mn-lt"/>
-                <a:ea typeface="+mn-ea"/>
-                <a:cs typeface="+mn-cs"/>
-              </a:defRPr>
-            </a:lvl8pPr>
-            <a:lvl9pPr marL="3657600" indent="0" algn="ctr" defTabSz="914400" rtl="0" eaLnBrk="1" latinLnBrk="0" hangingPunct="1">
-              <a:lnSpc>
-                <a:spcPct val="90000"/>
-              </a:lnSpc>
-              <a:spcBef>
-                <a:spcPts val="500"/>
-              </a:spcBef>
-              <a:buFont typeface="Arial" panose="020B0604020202020204" pitchFamily="34" charset="0"/>
-              <a:buNone/>
-              <a:defRPr sz="1600" kern="1200">
-                <a:solidFill>
-                  <a:schemeClr val="tx1"/>
-                </a:solidFill>
-                <a:latin typeface="+mn-lt"/>
-                <a:ea typeface="+mn-ea"/>
-                <a:cs typeface="+mn-cs"/>
-              </a:defRPr>
-            </a:lvl9pPr>
-          </a:lstStyle>
-          <a:p>
-            <a:pPr algn="l"/>
-            <a:r>
-              <a:rPr lang="en-US" sz="1800" dirty="0">
-                <a:solidFill>
-                  <a:srgbClr val="0000FF"/>
-                </a:solidFill>
-                <a:latin typeface="Cascadia Mono" panose="020B0609020000020004" pitchFamily="49" charset="0"/>
-              </a:rPr>
-              <a:t>&lt;</a:t>
-            </a:r>
-            <a:r>
-              <a:rPr lang="en-US" sz="1800" dirty="0">
-                <a:solidFill>
-                  <a:srgbClr val="A31515"/>
-                </a:solidFill>
-                <a:latin typeface="Cascadia Mono" panose="020B0609020000020004" pitchFamily="49" charset="0"/>
-              </a:rPr>
-              <a:t>Project</a:t>
-            </a:r>
-            <a:r>
-              <a:rPr lang="en-US" sz="1800" dirty="0">
-                <a:solidFill>
-                  <a:srgbClr val="0000FF"/>
-                </a:solidFill>
-                <a:latin typeface="Cascadia Mono" panose="020B0609020000020004" pitchFamily="49" charset="0"/>
-              </a:rPr>
-              <a:t> </a:t>
-            </a:r>
-            <a:r>
-              <a:rPr lang="en-US" sz="1800" dirty="0" err="1">
-                <a:solidFill>
-                  <a:srgbClr val="FF0000"/>
-                </a:solidFill>
-                <a:latin typeface="Cascadia Mono" panose="020B0609020000020004" pitchFamily="49" charset="0"/>
-              </a:rPr>
-              <a:t>Sdk</a:t>
-            </a:r>
-            <a:r>
-              <a:rPr lang="en-US" sz="1800" dirty="0">
-                <a:solidFill>
-                  <a:srgbClr val="0000FF"/>
-                </a:solidFill>
-                <a:latin typeface="Cascadia Mono" panose="020B0609020000020004" pitchFamily="49" charset="0"/>
-              </a:rPr>
-              <a:t>=</a:t>
-            </a:r>
-            <a:r>
-              <a:rPr lang="en-US" sz="1800" dirty="0">
-                <a:solidFill>
-                  <a:srgbClr val="000000"/>
-                </a:solidFill>
-                <a:latin typeface="Cascadia Mono" panose="020B0609020000020004" pitchFamily="49" charset="0"/>
-              </a:rPr>
-              <a:t>"</a:t>
-            </a:r>
-            <a:r>
-              <a:rPr lang="en-US" sz="1800" dirty="0" err="1">
-                <a:solidFill>
-                  <a:srgbClr val="0000FF"/>
-                </a:solidFill>
-                <a:latin typeface="Cascadia Mono" panose="020B0609020000020004" pitchFamily="49" charset="0"/>
-              </a:rPr>
-              <a:t>Microsoft.NET.Sdk</a:t>
-            </a:r>
-            <a:r>
-              <a:rPr lang="en-US" sz="1800" dirty="0">
-                <a:solidFill>
-                  <a:srgbClr val="000000"/>
-                </a:solidFill>
-                <a:latin typeface="Cascadia Mono" panose="020B0609020000020004" pitchFamily="49" charset="0"/>
-              </a:rPr>
-              <a:t>"</a:t>
-            </a:r>
-            <a:r>
-              <a:rPr lang="en-US" sz="1800" dirty="0">
-                <a:solidFill>
-                  <a:srgbClr val="0000FF"/>
-                </a:solidFill>
-                <a:latin typeface="Cascadia Mono" panose="020B0609020000020004" pitchFamily="49" charset="0"/>
-              </a:rPr>
-              <a:t>&gt;</a:t>
-            </a:r>
-            <a:endParaRPr lang="en-US" sz="1800" dirty="0">
-              <a:solidFill>
-                <a:srgbClr val="000000"/>
-              </a:solidFill>
-              <a:latin typeface="Cascadia Mono" panose="020B0609020000020004" pitchFamily="49" charset="0"/>
-            </a:endParaRPr>
-          </a:p>
-          <a:p>
-            <a:pPr algn="l"/>
-            <a:r>
-              <a:rPr lang="en-US" sz="1800" dirty="0">
-                <a:solidFill>
-                  <a:srgbClr val="0000FF"/>
-                </a:solidFill>
-                <a:latin typeface="Cascadia Mono" panose="020B0609020000020004" pitchFamily="49" charset="0"/>
-              </a:rPr>
-              <a:t>  &lt;</a:t>
-            </a:r>
-            <a:r>
-              <a:rPr lang="en-US" sz="1800" dirty="0" err="1">
-                <a:solidFill>
-                  <a:srgbClr val="A31515"/>
-                </a:solidFill>
-                <a:latin typeface="Cascadia Mono" panose="020B0609020000020004" pitchFamily="49" charset="0"/>
-              </a:rPr>
-              <a:t>PropertyGroup</a:t>
-            </a:r>
-            <a:r>
-              <a:rPr lang="en-US" sz="1800" dirty="0">
-                <a:solidFill>
-                  <a:srgbClr val="0000FF"/>
-                </a:solidFill>
-                <a:latin typeface="Cascadia Mono" panose="020B0609020000020004" pitchFamily="49" charset="0"/>
-              </a:rPr>
-              <a:t>&gt;</a:t>
-            </a:r>
-            <a:endParaRPr lang="en-US" sz="1800" dirty="0">
-              <a:solidFill>
-                <a:srgbClr val="000000"/>
-              </a:solidFill>
-              <a:latin typeface="Cascadia Mono" panose="020B0609020000020004" pitchFamily="49" charset="0"/>
-            </a:endParaRPr>
-          </a:p>
-          <a:p>
-            <a:pPr algn="l"/>
-            <a:r>
-              <a:rPr lang="en-US" sz="1800" dirty="0">
-                <a:solidFill>
-                  <a:srgbClr val="0000FF"/>
-                </a:solidFill>
-                <a:latin typeface="Cascadia Mono" panose="020B0609020000020004" pitchFamily="49" charset="0"/>
-              </a:rPr>
-              <a:t>    &lt;</a:t>
-            </a:r>
-            <a:r>
-              <a:rPr lang="en-US" sz="1800" dirty="0" err="1">
-                <a:solidFill>
-                  <a:srgbClr val="A31515"/>
-                </a:solidFill>
-                <a:latin typeface="Cascadia Mono" panose="020B0609020000020004" pitchFamily="49" charset="0"/>
-              </a:rPr>
-              <a:t>OutputType</a:t>
-            </a:r>
-            <a:r>
-              <a:rPr lang="en-US" sz="1800" dirty="0">
-                <a:solidFill>
-                  <a:srgbClr val="0000FF"/>
-                </a:solidFill>
-                <a:latin typeface="Cascadia Mono" panose="020B0609020000020004" pitchFamily="49" charset="0"/>
-              </a:rPr>
-              <a:t>&gt;</a:t>
-            </a:r>
-            <a:r>
-              <a:rPr lang="en-US" sz="1800" dirty="0">
-                <a:solidFill>
-                  <a:srgbClr val="000000"/>
-                </a:solidFill>
-                <a:latin typeface="Cascadia Mono" panose="020B0609020000020004" pitchFamily="49" charset="0"/>
-              </a:rPr>
-              <a:t>Exe</a:t>
-            </a:r>
-            <a:r>
-              <a:rPr lang="en-US" sz="1800" dirty="0">
-                <a:solidFill>
-                  <a:srgbClr val="0000FF"/>
-                </a:solidFill>
-                <a:latin typeface="Cascadia Mono" panose="020B0609020000020004" pitchFamily="49" charset="0"/>
-              </a:rPr>
-              <a:t>&lt;/</a:t>
-            </a:r>
-            <a:r>
-              <a:rPr lang="en-US" sz="1800" dirty="0" err="1">
-                <a:solidFill>
-                  <a:srgbClr val="A31515"/>
-                </a:solidFill>
-                <a:latin typeface="Cascadia Mono" panose="020B0609020000020004" pitchFamily="49" charset="0"/>
-              </a:rPr>
-              <a:t>OutputType</a:t>
-            </a:r>
-            <a:r>
-              <a:rPr lang="en-US" sz="1800" dirty="0">
-                <a:solidFill>
-                  <a:srgbClr val="0000FF"/>
-                </a:solidFill>
-                <a:latin typeface="Cascadia Mono" panose="020B0609020000020004" pitchFamily="49" charset="0"/>
-              </a:rPr>
-              <a:t>&gt;</a:t>
-            </a:r>
-            <a:endParaRPr lang="en-US" sz="1800" dirty="0">
-              <a:solidFill>
-                <a:srgbClr val="000000"/>
-              </a:solidFill>
-              <a:latin typeface="Cascadia Mono" panose="020B0609020000020004" pitchFamily="49" charset="0"/>
-            </a:endParaRPr>
-          </a:p>
-          <a:p>
-            <a:pPr algn="l"/>
-            <a:r>
-              <a:rPr lang="en-US" sz="1800" dirty="0">
-                <a:solidFill>
-                  <a:srgbClr val="0000FF"/>
-                </a:solidFill>
-                <a:latin typeface="Cascadia Mono" panose="020B0609020000020004" pitchFamily="49" charset="0"/>
-              </a:rPr>
-              <a:t>    &lt;</a:t>
-            </a:r>
-            <a:r>
-              <a:rPr lang="en-US" sz="1800" dirty="0" err="1">
-                <a:solidFill>
-                  <a:srgbClr val="A31515"/>
-                </a:solidFill>
-                <a:latin typeface="Cascadia Mono" panose="020B0609020000020004" pitchFamily="49" charset="0"/>
-              </a:rPr>
-              <a:t>TargetFramework</a:t>
-            </a:r>
-            <a:r>
-              <a:rPr lang="en-US" sz="1800" dirty="0">
-                <a:solidFill>
-                  <a:srgbClr val="0000FF"/>
-                </a:solidFill>
-                <a:latin typeface="Cascadia Mono" panose="020B0609020000020004" pitchFamily="49" charset="0"/>
-              </a:rPr>
-              <a:t>&gt;</a:t>
-            </a:r>
-            <a:r>
-              <a:rPr lang="en-US" sz="1800" dirty="0">
-                <a:solidFill>
-                  <a:srgbClr val="000000"/>
-                </a:solidFill>
-                <a:latin typeface="Cascadia Mono" panose="020B0609020000020004" pitchFamily="49" charset="0"/>
-              </a:rPr>
-              <a:t>net8.0</a:t>
-            </a:r>
-            <a:r>
-              <a:rPr lang="en-US" sz="1800" dirty="0">
-                <a:solidFill>
-                  <a:srgbClr val="0000FF"/>
-                </a:solidFill>
-                <a:latin typeface="Cascadia Mono" panose="020B0609020000020004" pitchFamily="49" charset="0"/>
-              </a:rPr>
-              <a:t>&lt;/</a:t>
-            </a:r>
-            <a:r>
-              <a:rPr lang="en-US" sz="1800" dirty="0" err="1">
-                <a:solidFill>
-                  <a:srgbClr val="A31515"/>
-                </a:solidFill>
-                <a:latin typeface="Cascadia Mono" panose="020B0609020000020004" pitchFamily="49" charset="0"/>
-              </a:rPr>
-              <a:t>TargetFramework</a:t>
-            </a:r>
-            <a:r>
-              <a:rPr lang="en-US" sz="1800" dirty="0">
-                <a:solidFill>
-                  <a:srgbClr val="0000FF"/>
-                </a:solidFill>
-                <a:latin typeface="Cascadia Mono" panose="020B0609020000020004" pitchFamily="49" charset="0"/>
-              </a:rPr>
-              <a:t>&gt;</a:t>
-            </a:r>
-            <a:endParaRPr lang="en-US" sz="1800" dirty="0">
-              <a:solidFill>
-                <a:srgbClr val="000000"/>
-              </a:solidFill>
-              <a:latin typeface="Cascadia Mono" panose="020B0609020000020004" pitchFamily="49" charset="0"/>
-            </a:endParaRPr>
-          </a:p>
-          <a:p>
-            <a:pPr algn="l"/>
-            <a:r>
-              <a:rPr lang="en-US" sz="1800" dirty="0">
-                <a:solidFill>
-                  <a:srgbClr val="0000FF"/>
-                </a:solidFill>
-                <a:latin typeface="Cascadia Mono" panose="020B0609020000020004" pitchFamily="49" charset="0"/>
-              </a:rPr>
-              <a:t>  &lt;/</a:t>
-            </a:r>
-            <a:r>
-              <a:rPr lang="en-US" sz="1800" dirty="0" err="1">
-                <a:solidFill>
-                  <a:srgbClr val="A31515"/>
-                </a:solidFill>
-                <a:latin typeface="Cascadia Mono" panose="020B0609020000020004" pitchFamily="49" charset="0"/>
-              </a:rPr>
-              <a:t>PropertyGroup</a:t>
-            </a:r>
-            <a:r>
-              <a:rPr lang="en-US" sz="1800" dirty="0">
-                <a:solidFill>
-                  <a:srgbClr val="0000FF"/>
-                </a:solidFill>
-                <a:latin typeface="Cascadia Mono" panose="020B0609020000020004" pitchFamily="49" charset="0"/>
-              </a:rPr>
-              <a:t>&gt;</a:t>
-            </a:r>
-            <a:endParaRPr lang="en-US" sz="1800" dirty="0">
-              <a:solidFill>
-                <a:srgbClr val="000000"/>
-              </a:solidFill>
-              <a:latin typeface="Cascadia Mono" panose="020B0609020000020004" pitchFamily="49" charset="0"/>
-            </a:endParaRPr>
-          </a:p>
-          <a:p>
-            <a:pPr algn="l"/>
-            <a:r>
-              <a:rPr lang="en-US" sz="1800" dirty="0">
-                <a:solidFill>
-                  <a:srgbClr val="0000FF"/>
-                </a:solidFill>
-                <a:latin typeface="Cascadia Mono" panose="020B0609020000020004" pitchFamily="49" charset="0"/>
-              </a:rPr>
-              <a:t>  </a:t>
-            </a:r>
-            <a:endParaRPr lang="en-US" sz="1800" dirty="0">
-              <a:solidFill>
-                <a:srgbClr val="000000"/>
-              </a:solidFill>
-              <a:latin typeface="Cascadia Mono" panose="020B0609020000020004" pitchFamily="49" charset="0"/>
-            </a:endParaRPr>
-          </a:p>
-          <a:p>
-            <a:pPr algn="l"/>
-            <a:r>
-              <a:rPr lang="en-US" sz="1800" dirty="0">
-                <a:solidFill>
-                  <a:srgbClr val="0000FF"/>
-                </a:solidFill>
-                <a:latin typeface="Cascadia Mono" panose="020B0609020000020004" pitchFamily="49" charset="0"/>
-              </a:rPr>
-              <a:t>  &lt;</a:t>
-            </a:r>
-            <a:r>
-              <a:rPr lang="en-US" sz="1800" dirty="0" err="1">
-                <a:solidFill>
-                  <a:srgbClr val="A31515"/>
-                </a:solidFill>
-                <a:latin typeface="Cascadia Mono" panose="020B0609020000020004" pitchFamily="49" charset="0"/>
-              </a:rPr>
-              <a:t>ItemGroup</a:t>
-            </a:r>
-            <a:r>
-              <a:rPr lang="en-US" sz="1800" dirty="0">
-                <a:solidFill>
-                  <a:srgbClr val="0000FF"/>
-                </a:solidFill>
-                <a:latin typeface="Cascadia Mono" panose="020B0609020000020004" pitchFamily="49" charset="0"/>
-              </a:rPr>
-              <a:t>&gt;</a:t>
-            </a:r>
-            <a:endParaRPr lang="en-US" sz="1800" dirty="0">
-              <a:solidFill>
-                <a:srgbClr val="000000"/>
-              </a:solidFill>
-              <a:latin typeface="Cascadia Mono" panose="020B0609020000020004" pitchFamily="49" charset="0"/>
-            </a:endParaRPr>
-          </a:p>
-          <a:p>
-            <a:pPr algn="l"/>
-            <a:r>
-              <a:rPr lang="en-US" sz="1800" dirty="0">
-                <a:solidFill>
-                  <a:srgbClr val="0000FF"/>
-                </a:solidFill>
-                <a:latin typeface="Cascadia Mono" panose="020B0609020000020004" pitchFamily="49" charset="0"/>
-              </a:rPr>
-              <a:t>    &lt;</a:t>
-            </a:r>
-            <a:r>
-              <a:rPr lang="en-US" sz="1800" dirty="0" err="1">
-                <a:solidFill>
-                  <a:srgbClr val="A31515"/>
-                </a:solidFill>
-                <a:latin typeface="Cascadia Mono" panose="020B0609020000020004" pitchFamily="49" charset="0"/>
-              </a:rPr>
-              <a:t>PackageReference</a:t>
-            </a:r>
-            <a:r>
-              <a:rPr lang="en-US" sz="1800" dirty="0">
-                <a:solidFill>
-                  <a:srgbClr val="0000FF"/>
-                </a:solidFill>
-                <a:latin typeface="Cascadia Mono" panose="020B0609020000020004" pitchFamily="49" charset="0"/>
-              </a:rPr>
-              <a:t> </a:t>
-            </a:r>
-            <a:r>
-              <a:rPr lang="en-US" sz="1800" dirty="0">
-                <a:solidFill>
-                  <a:srgbClr val="FF0000"/>
-                </a:solidFill>
-                <a:latin typeface="Cascadia Mono" panose="020B0609020000020004" pitchFamily="49" charset="0"/>
-              </a:rPr>
-              <a:t>Include</a:t>
-            </a:r>
-            <a:r>
-              <a:rPr lang="en-US" sz="1800" dirty="0">
-                <a:solidFill>
-                  <a:srgbClr val="0000FF"/>
-                </a:solidFill>
-                <a:latin typeface="Cascadia Mono" panose="020B0609020000020004" pitchFamily="49" charset="0"/>
-              </a:rPr>
-              <a:t>=</a:t>
-            </a:r>
-            <a:r>
-              <a:rPr lang="en-US" sz="1800" dirty="0">
-                <a:solidFill>
-                  <a:srgbClr val="000000"/>
-                </a:solidFill>
-                <a:latin typeface="Cascadia Mono" panose="020B0609020000020004" pitchFamily="49" charset="0"/>
-              </a:rPr>
-              <a:t>"</a:t>
-            </a:r>
-            <a:r>
-              <a:rPr lang="en-US" sz="1800" dirty="0" err="1">
-                <a:solidFill>
-                  <a:srgbClr val="0000FF"/>
-                </a:solidFill>
-                <a:latin typeface="Cascadia Mono" panose="020B0609020000020004" pitchFamily="49" charset="0"/>
-              </a:rPr>
-              <a:t>Verify.Xunit</a:t>
-            </a:r>
-            <a:r>
-              <a:rPr lang="en-US" sz="1800" dirty="0">
-                <a:solidFill>
-                  <a:srgbClr val="000000"/>
-                </a:solidFill>
-                <a:latin typeface="Cascadia Mono" panose="020B0609020000020004" pitchFamily="49" charset="0"/>
-              </a:rPr>
-              <a:t>"</a:t>
-            </a:r>
-            <a:r>
-              <a:rPr lang="en-US" sz="1800" dirty="0">
-                <a:solidFill>
-                  <a:srgbClr val="0000FF"/>
-                </a:solidFill>
-                <a:latin typeface="Cascadia Mono" panose="020B0609020000020004" pitchFamily="49" charset="0"/>
-              </a:rPr>
-              <a:t> 		</a:t>
-            </a:r>
-            <a:r>
-              <a:rPr lang="en-US" sz="1800" dirty="0">
-                <a:solidFill>
-                  <a:srgbClr val="FF0000"/>
-                </a:solidFill>
-                <a:latin typeface="Cascadia Mono" panose="020B0609020000020004" pitchFamily="49" charset="0"/>
-              </a:rPr>
-              <a:t>Version</a:t>
-            </a:r>
-            <a:r>
-              <a:rPr lang="en-US" sz="1800" dirty="0">
-                <a:solidFill>
-                  <a:srgbClr val="0000FF"/>
-                </a:solidFill>
-                <a:latin typeface="Cascadia Mono" panose="020B0609020000020004" pitchFamily="49" charset="0"/>
-              </a:rPr>
-              <a:t>=</a:t>
-            </a:r>
-            <a:r>
-              <a:rPr lang="en-US" sz="1800" dirty="0">
-                <a:solidFill>
-                  <a:srgbClr val="000000"/>
-                </a:solidFill>
-                <a:latin typeface="Cascadia Mono" panose="020B0609020000020004" pitchFamily="49" charset="0"/>
-              </a:rPr>
-              <a:t>"</a:t>
-            </a:r>
-            <a:r>
-              <a:rPr lang="en-US" sz="1800" dirty="0">
-                <a:solidFill>
-                  <a:srgbClr val="0000FF"/>
-                </a:solidFill>
-                <a:latin typeface="Cascadia Mono" panose="020B0609020000020004" pitchFamily="49" charset="0"/>
-              </a:rPr>
-              <a:t>23.1.0</a:t>
-            </a:r>
-            <a:r>
-              <a:rPr lang="en-US" sz="1800" dirty="0">
-                <a:solidFill>
-                  <a:srgbClr val="000000"/>
-                </a:solidFill>
-                <a:latin typeface="Cascadia Mono" panose="020B0609020000020004" pitchFamily="49" charset="0"/>
-              </a:rPr>
-              <a:t>"</a:t>
-            </a:r>
-            <a:r>
-              <a:rPr lang="en-US" sz="1800" dirty="0">
-                <a:solidFill>
-                  <a:srgbClr val="0000FF"/>
-                </a:solidFill>
-                <a:latin typeface="Cascadia Mono" panose="020B0609020000020004" pitchFamily="49" charset="0"/>
-              </a:rPr>
-              <a:t> /&gt;</a:t>
-            </a:r>
-            <a:endParaRPr lang="en-US" sz="1800" dirty="0">
-              <a:solidFill>
-                <a:srgbClr val="000000"/>
-              </a:solidFill>
-              <a:latin typeface="Cascadia Mono" panose="020B0609020000020004" pitchFamily="49" charset="0"/>
-            </a:endParaRPr>
-          </a:p>
-          <a:p>
-            <a:pPr algn="l"/>
-            <a:r>
-              <a:rPr lang="en-US" sz="1800" dirty="0">
-                <a:solidFill>
-                  <a:srgbClr val="0000FF"/>
-                </a:solidFill>
-                <a:latin typeface="Cascadia Mono" panose="020B0609020000020004" pitchFamily="49" charset="0"/>
-              </a:rPr>
-              <a:t>  &lt;/</a:t>
-            </a:r>
-            <a:r>
-              <a:rPr lang="en-US" sz="1800" dirty="0" err="1">
-                <a:solidFill>
-                  <a:srgbClr val="A31515"/>
-                </a:solidFill>
-                <a:latin typeface="Cascadia Mono" panose="020B0609020000020004" pitchFamily="49" charset="0"/>
-              </a:rPr>
-              <a:t>ItemGroup</a:t>
-            </a:r>
-            <a:r>
-              <a:rPr lang="en-US" sz="1800" dirty="0">
-                <a:solidFill>
-                  <a:srgbClr val="0000FF"/>
-                </a:solidFill>
-                <a:latin typeface="Cascadia Mono" panose="020B0609020000020004" pitchFamily="49" charset="0"/>
-              </a:rPr>
-              <a:t>&gt;</a:t>
-            </a:r>
-            <a:endParaRPr lang="en-US" sz="1800" dirty="0">
-              <a:solidFill>
-                <a:srgbClr val="000000"/>
-              </a:solidFill>
-              <a:latin typeface="Cascadia Mono" panose="020B0609020000020004" pitchFamily="49" charset="0"/>
-            </a:endParaRPr>
-          </a:p>
-          <a:p>
-            <a:pPr algn="l"/>
-            <a:endParaRPr lang="en-US" sz="1800" dirty="0">
-              <a:solidFill>
-                <a:srgbClr val="000000"/>
-              </a:solidFill>
-              <a:latin typeface="Cascadia Mono" panose="020B0609020000020004" pitchFamily="49" charset="0"/>
-            </a:endParaRPr>
-          </a:p>
-          <a:p>
-            <a:pPr algn="l"/>
-            <a:r>
-              <a:rPr lang="en-US" sz="1800" dirty="0">
-                <a:solidFill>
-                  <a:srgbClr val="0000FF"/>
-                </a:solidFill>
-                <a:latin typeface="Cascadia Mono" panose="020B0609020000020004" pitchFamily="49" charset="0"/>
-              </a:rPr>
-              <a:t>  &lt;</a:t>
-            </a:r>
-            <a:r>
-              <a:rPr lang="en-US" sz="1800" dirty="0">
-                <a:solidFill>
-                  <a:srgbClr val="A31515"/>
-                </a:solidFill>
-                <a:latin typeface="Cascadia Mono" panose="020B0609020000020004" pitchFamily="49" charset="0"/>
-              </a:rPr>
-              <a:t>Target</a:t>
-            </a:r>
-            <a:r>
-              <a:rPr lang="en-US" sz="1800" dirty="0">
-                <a:solidFill>
-                  <a:srgbClr val="0000FF"/>
-                </a:solidFill>
-                <a:latin typeface="Cascadia Mono" panose="020B0609020000020004" pitchFamily="49" charset="0"/>
-              </a:rPr>
-              <a:t> </a:t>
-            </a:r>
-            <a:r>
-              <a:rPr lang="en-US" sz="1800" dirty="0">
-                <a:solidFill>
-                  <a:srgbClr val="FF0000"/>
-                </a:solidFill>
-                <a:latin typeface="Cascadia Mono" panose="020B0609020000020004" pitchFamily="49" charset="0"/>
-              </a:rPr>
-              <a:t>Name</a:t>
-            </a:r>
-            <a:r>
-              <a:rPr lang="en-US" sz="1800" dirty="0">
-                <a:solidFill>
-                  <a:srgbClr val="0000FF"/>
-                </a:solidFill>
-                <a:latin typeface="Cascadia Mono" panose="020B0609020000020004" pitchFamily="49" charset="0"/>
-              </a:rPr>
-              <a:t>=</a:t>
-            </a:r>
-            <a:r>
-              <a:rPr lang="en-US" sz="1800" dirty="0">
-                <a:solidFill>
-                  <a:srgbClr val="000000"/>
-                </a:solidFill>
-                <a:latin typeface="Cascadia Mono" panose="020B0609020000020004" pitchFamily="49" charset="0"/>
-              </a:rPr>
-              <a:t>"</a:t>
-            </a:r>
-            <a:r>
-              <a:rPr lang="en-US" sz="1800" dirty="0" err="1">
-                <a:solidFill>
-                  <a:srgbClr val="0000FF"/>
-                </a:solidFill>
-                <a:latin typeface="Cascadia Mono" panose="020B0609020000020004" pitchFamily="49" charset="0"/>
-              </a:rPr>
-              <a:t>ShowHash</a:t>
-            </a:r>
-            <a:r>
-              <a:rPr lang="en-US" sz="1800" dirty="0">
-                <a:solidFill>
-                  <a:srgbClr val="000000"/>
-                </a:solidFill>
-                <a:latin typeface="Cascadia Mono" panose="020B0609020000020004" pitchFamily="49" charset="0"/>
-              </a:rPr>
-              <a:t>"&gt;</a:t>
-            </a:r>
-          </a:p>
-          <a:p>
-            <a:pPr algn="l"/>
-            <a:r>
-              <a:rPr lang="en-US" sz="1800" dirty="0">
-                <a:solidFill>
-                  <a:srgbClr val="0000FF"/>
-                </a:solidFill>
-                <a:latin typeface="Cascadia Mono" panose="020B0609020000020004" pitchFamily="49" charset="0"/>
-              </a:rPr>
-              <a:t>    &lt;</a:t>
-            </a:r>
-            <a:r>
-              <a:rPr lang="en-US" sz="1800" dirty="0">
-                <a:solidFill>
-                  <a:srgbClr val="A31515"/>
-                </a:solidFill>
-                <a:latin typeface="Cascadia Mono" panose="020B0609020000020004" pitchFamily="49" charset="0"/>
-              </a:rPr>
-              <a:t>Message</a:t>
-            </a:r>
-            <a:r>
-              <a:rPr lang="en-US" sz="1800" dirty="0">
-                <a:solidFill>
-                  <a:srgbClr val="0000FF"/>
-                </a:solidFill>
-                <a:latin typeface="Cascadia Mono" panose="020B0609020000020004" pitchFamily="49" charset="0"/>
-              </a:rPr>
-              <a:t> </a:t>
-            </a:r>
-            <a:r>
-              <a:rPr lang="en-US" sz="1800" dirty="0">
-                <a:solidFill>
-                  <a:srgbClr val="FF0000"/>
-                </a:solidFill>
-                <a:latin typeface="Cascadia Mono" panose="020B0609020000020004" pitchFamily="49" charset="0"/>
-              </a:rPr>
-              <a:t>Text</a:t>
-            </a:r>
-            <a:r>
-              <a:rPr lang="en-US" sz="1800" dirty="0">
-                <a:solidFill>
-                  <a:srgbClr val="0000FF"/>
-                </a:solidFill>
-                <a:latin typeface="Cascadia Mono" panose="020B0609020000020004" pitchFamily="49" charset="0"/>
-              </a:rPr>
-              <a:t>=</a:t>
-            </a:r>
-            <a:r>
-              <a:rPr lang="en-US" sz="1800" dirty="0">
-                <a:solidFill>
-                  <a:srgbClr val="000000"/>
-                </a:solidFill>
-                <a:latin typeface="Cascadia Mono" panose="020B0609020000020004" pitchFamily="49" charset="0"/>
-              </a:rPr>
-              <a:t> "</a:t>
-            </a:r>
-            <a:r>
-              <a:rPr lang="en-US" sz="1800" dirty="0" err="1">
-                <a:solidFill>
-                  <a:srgbClr val="0000FF"/>
-                </a:solidFill>
-                <a:latin typeface="Cascadia Mono" panose="020B0609020000020004" pitchFamily="49" charset="0"/>
-              </a:rPr>
-              <a:t>Exexuted</a:t>
-            </a:r>
-            <a:r>
-              <a:rPr lang="en-US" sz="1800" dirty="0">
-                <a:solidFill>
-                  <a:srgbClr val="0000FF"/>
-                </a:solidFill>
-                <a:latin typeface="Cascadia Mono" panose="020B0609020000020004" pitchFamily="49" charset="0"/>
-              </a:rPr>
-              <a:t> $(Now)</a:t>
-            </a:r>
-            <a:r>
-              <a:rPr lang="en-US" sz="1800" dirty="0">
-                <a:solidFill>
-                  <a:srgbClr val="000000"/>
-                </a:solidFill>
-                <a:latin typeface="Cascadia Mono" panose="020B0609020000020004" pitchFamily="49" charset="0"/>
-              </a:rPr>
-              <a:t>"</a:t>
-            </a:r>
-            <a:r>
-              <a:rPr lang="en-US" sz="1800" dirty="0">
-                <a:solidFill>
-                  <a:srgbClr val="0000FF"/>
-                </a:solidFill>
-                <a:latin typeface="Cascadia Mono" panose="020B0609020000020004" pitchFamily="49" charset="0"/>
-              </a:rPr>
-              <a:t> /&gt;</a:t>
-            </a:r>
-            <a:endParaRPr lang="en-US" sz="1800" dirty="0">
-              <a:solidFill>
-                <a:srgbClr val="000000"/>
-              </a:solidFill>
-              <a:latin typeface="Cascadia Mono" panose="020B0609020000020004" pitchFamily="49" charset="0"/>
-            </a:endParaRPr>
-          </a:p>
-          <a:p>
-            <a:pPr algn="l"/>
-            <a:r>
-              <a:rPr lang="en-US" sz="1800" dirty="0">
-                <a:solidFill>
-                  <a:srgbClr val="0000FF"/>
-                </a:solidFill>
-                <a:latin typeface="Cascadia Mono" panose="020B0609020000020004" pitchFamily="49" charset="0"/>
-              </a:rPr>
-              <a:t>  &lt;/</a:t>
-            </a:r>
-            <a:r>
-              <a:rPr lang="en-US" sz="1800" dirty="0">
-                <a:solidFill>
-                  <a:srgbClr val="A31515"/>
-                </a:solidFill>
-                <a:latin typeface="Cascadia Mono" panose="020B0609020000020004" pitchFamily="49" charset="0"/>
-              </a:rPr>
-              <a:t>Target</a:t>
-            </a:r>
-            <a:r>
-              <a:rPr lang="en-US" sz="1800" dirty="0">
-                <a:solidFill>
-                  <a:srgbClr val="0000FF"/>
-                </a:solidFill>
-                <a:latin typeface="Cascadia Mono" panose="020B0609020000020004" pitchFamily="49" charset="0"/>
-              </a:rPr>
-              <a:t>&gt;</a:t>
-            </a:r>
-            <a:endParaRPr lang="en-US" sz="1800" dirty="0">
-              <a:solidFill>
-                <a:srgbClr val="000000"/>
-              </a:solidFill>
-              <a:latin typeface="Cascadia Mono" panose="020B0609020000020004" pitchFamily="49" charset="0"/>
-            </a:endParaRPr>
-          </a:p>
-          <a:p>
-            <a:pPr algn="l"/>
-            <a:r>
-              <a:rPr lang="en-US" sz="1800" dirty="0">
-                <a:solidFill>
-                  <a:srgbClr val="0000FF"/>
-                </a:solidFill>
-                <a:latin typeface="Cascadia Mono" panose="020B0609020000020004" pitchFamily="49" charset="0"/>
-              </a:rPr>
-              <a:t>&lt;/</a:t>
-            </a:r>
-            <a:r>
-              <a:rPr lang="en-US" sz="1800" dirty="0">
-                <a:solidFill>
-                  <a:srgbClr val="A31515"/>
-                </a:solidFill>
-                <a:latin typeface="Cascadia Mono" panose="020B0609020000020004" pitchFamily="49" charset="0"/>
-              </a:rPr>
-              <a:t>Project</a:t>
-            </a:r>
-            <a:r>
-              <a:rPr lang="en-US" sz="1800" dirty="0">
-                <a:solidFill>
-                  <a:srgbClr val="0000FF"/>
-                </a:solidFill>
-                <a:latin typeface="Cascadia Mono" panose="020B0609020000020004" pitchFamily="49" charset="0"/>
-              </a:rPr>
-              <a:t>&gt;</a:t>
-            </a:r>
-            <a:endParaRPr lang="en-US" dirty="0"/>
-          </a:p>
-        </p:txBody>
-      </p:sp>
     </p:spTree>
     <p:extLst>
       <p:ext uri="{BB962C8B-B14F-4D97-AF65-F5344CB8AC3E}">
-        <p14:creationId xmlns:p14="http://schemas.microsoft.com/office/powerpoint/2010/main" val="3838599132"/>
+        <p14:creationId xmlns:p14="http://schemas.microsoft.com/office/powerpoint/2010/main" val="2933133780"/>
       </p:ext>
     </p:extLst>
   </p:cSld>
@@ -6365,82 +7978,7 @@
           <a:p>
             <a:r>
               <a:rPr lang="en-US" dirty="0"/>
-              <a:t>Terminology</a:t>
-            </a:r>
-          </a:p>
-        </p:txBody>
-      </p:sp>
-      <p:sp>
-        <p:nvSpPr>
-          <p:cNvPr id="3" name="Subtitle 2">
-            <a:extLst>
-              <a:ext uri="{FF2B5EF4-FFF2-40B4-BE49-F238E27FC236}">
-                <a16:creationId xmlns:a16="http://schemas.microsoft.com/office/drawing/2014/main" id="{560FAECE-3109-C3C6-34CA-82C393496469}"/>
-              </a:ext>
-            </a:extLst>
-          </p:cNvPr>
-          <p:cNvSpPr>
-            <a:spLocks noGrp="1"/>
-          </p:cNvSpPr>
-          <p:nvPr>
-            <p:ph type="subTitle" idx="1"/>
-          </p:nvPr>
-        </p:nvSpPr>
-        <p:spPr>
-          <a:xfrm>
-            <a:off x="623455" y="1496292"/>
-            <a:ext cx="4980709" cy="4357254"/>
-          </a:xfrm>
-        </p:spPr>
-        <p:txBody>
-          <a:bodyPr/>
-          <a:lstStyle/>
-          <a:p>
-            <a:pPr marL="342900" indent="-342900" algn="l">
-              <a:buFont typeface="Arial" panose="020B0604020202020204" pitchFamily="34" charset="0"/>
-              <a:buChar char="•"/>
-            </a:pPr>
-            <a:r>
-              <a:rPr lang="en-US" b="1" dirty="0"/>
-              <a:t>Properties</a:t>
-            </a:r>
-          </a:p>
-          <a:p>
-            <a:pPr marL="342900" indent="-342900" algn="l">
-              <a:buFont typeface="Arial" panose="020B0604020202020204" pitchFamily="34" charset="0"/>
-              <a:buChar char="•"/>
-            </a:pPr>
-            <a:r>
-              <a:rPr lang="en-US" dirty="0"/>
-              <a:t>$(Prop)</a:t>
-            </a:r>
-          </a:p>
-          <a:p>
-            <a:pPr marL="342900" indent="-342900" algn="l">
-              <a:buFont typeface="Arial" panose="020B0604020202020204" pitchFamily="34" charset="0"/>
-              <a:buChar char="•"/>
-            </a:pPr>
-            <a:r>
-              <a:rPr lang="en-US" dirty="0"/>
-              <a:t>Env vars</a:t>
-            </a:r>
-          </a:p>
-          <a:p>
-            <a:pPr marL="342900" indent="-342900" algn="l">
-              <a:buFont typeface="Arial" panose="020B0604020202020204" pitchFamily="34" charset="0"/>
-              <a:buChar char="•"/>
-            </a:pPr>
-            <a:r>
-              <a:rPr lang="en-US" dirty="0"/>
-              <a:t>/p[</a:t>
-            </a:r>
-            <a:r>
-              <a:rPr lang="en-US" dirty="0" err="1"/>
-              <a:t>roperty</a:t>
-            </a:r>
-            <a:r>
-              <a:rPr lang="en-US" dirty="0"/>
-              <a:t>]:&lt;name&gt;=&lt;value&gt;</a:t>
+              <a:t>The team</a:t>
             </a:r>
           </a:p>
         </p:txBody>
@@ -6644,7 +8182,118 @@
           <p:cNvPr id="5" name="Subtitle 2">
             <a:extLst>
               <a:ext uri="{FF2B5EF4-FFF2-40B4-BE49-F238E27FC236}">
-                <a16:creationId xmlns:a16="http://schemas.microsoft.com/office/drawing/2014/main" id="{39E08754-7B35-B768-F42B-07E17006DE4C}"/>
+                <a16:creationId xmlns:a16="http://schemas.microsoft.com/office/drawing/2014/main" id="{95242311-090E-2009-9EF9-97FA5AD3A5E9}"/>
+              </a:ext>
+            </a:extLst>
+          </p:cNvPr>
+          <p:cNvSpPr>
+            <a:spLocks noGrp="1"/>
+          </p:cNvSpPr>
+          <p:nvPr>
+            <p:ph type="subTitle" idx="1"/>
+          </p:nvPr>
+        </p:nvSpPr>
+        <p:spPr>
+          <a:xfrm>
+            <a:off x="671946" y="1891145"/>
+            <a:ext cx="4980709" cy="4509510"/>
+          </a:xfrm>
+        </p:spPr>
+        <p:txBody>
+          <a:bodyPr/>
+          <a:lstStyle/>
+          <a:p>
+            <a:pPr marL="342900" indent="-342900" algn="l">
+              <a:buFont typeface="Arial" panose="020B0604020202020204" pitchFamily="34" charset="0"/>
+              <a:buChar char="•"/>
+            </a:pPr>
+            <a:r>
+              <a:rPr lang="en-US" sz="2800" dirty="0"/>
+              <a:t>PM: Chet Husk</a:t>
+            </a:r>
+          </a:p>
+          <a:p>
+            <a:pPr marL="342900" indent="-342900" algn="l">
+              <a:buFont typeface="Arial" panose="020B0604020202020204" pitchFamily="34" charset="0"/>
+              <a:buChar char="•"/>
+            </a:pPr>
+            <a:r>
+              <a:rPr lang="en-US" sz="2800" dirty="0"/>
+              <a:t>Tech Lead: Rainer Sigwald</a:t>
+            </a:r>
+          </a:p>
+          <a:p>
+            <a:pPr marL="342900" indent="-342900" algn="l">
+              <a:buFont typeface="Arial" panose="020B0604020202020204" pitchFamily="34" charset="0"/>
+              <a:buChar char="•"/>
+            </a:pPr>
+            <a:endParaRPr lang="en-US" sz="2800" dirty="0"/>
+          </a:p>
+          <a:p>
+            <a:pPr marL="342900" indent="-342900" algn="l">
+              <a:buFont typeface="Arial" panose="020B0604020202020204" pitchFamily="34" charset="0"/>
+              <a:buChar char="•"/>
+            </a:pPr>
+            <a:endParaRPr lang="en-US" sz="2800" dirty="0"/>
+          </a:p>
+          <a:p>
+            <a:pPr marL="342900" indent="-342900" algn="l">
+              <a:buFont typeface="Arial" panose="020B0604020202020204" pitchFamily="34" charset="0"/>
+              <a:buChar char="•"/>
+            </a:pPr>
+            <a:r>
+              <a:rPr lang="en-US" sz="2800" dirty="0"/>
+              <a:t>Alina Mayorova</a:t>
+            </a:r>
+          </a:p>
+          <a:p>
+            <a:pPr marL="342900" indent="-342900" algn="l">
+              <a:buFont typeface="Arial" panose="020B0604020202020204" pitchFamily="34" charset="0"/>
+              <a:buChar char="•"/>
+            </a:pPr>
+            <a:r>
+              <a:rPr lang="en-US" sz="2800" dirty="0"/>
+              <a:t>Farhad Alizada</a:t>
+            </a:r>
+          </a:p>
+          <a:p>
+            <a:pPr marL="342900" indent="-342900" algn="l">
+              <a:buFont typeface="Arial" panose="020B0604020202020204" pitchFamily="34" charset="0"/>
+              <a:buChar char="•"/>
+            </a:pPr>
+            <a:r>
+              <a:rPr lang="en-US" sz="2800" dirty="0"/>
+              <a:t>Jan Krivanek</a:t>
+            </a:r>
+          </a:p>
+          <a:p>
+            <a:pPr marL="342900" indent="-342900" algn="l">
+              <a:buFont typeface="Arial" panose="020B0604020202020204" pitchFamily="34" charset="0"/>
+              <a:buChar char="•"/>
+            </a:pPr>
+            <a:r>
+              <a:rPr lang="en-US" sz="2800" dirty="0"/>
+              <a:t>Ladi Prosek</a:t>
+            </a:r>
+          </a:p>
+          <a:p>
+            <a:pPr marL="342900" indent="-342900" algn="l">
+              <a:buFont typeface="Arial" panose="020B0604020202020204" pitchFamily="34" charset="0"/>
+              <a:buChar char="•"/>
+            </a:pPr>
+            <a:r>
+              <a:rPr lang="en-US" sz="2800" dirty="0"/>
+              <a:t>Mariana Garces Dematte</a:t>
+            </a:r>
+          </a:p>
+        </p:txBody>
+      </p:sp>
+      <p:sp>
+        <p:nvSpPr>
+          <p:cNvPr id="6" name="Subtitle 2">
+            <a:extLst>
+              <a:ext uri="{FF2B5EF4-FFF2-40B4-BE49-F238E27FC236}">
+                <a16:creationId xmlns:a16="http://schemas.microsoft.com/office/drawing/2014/main" id="{46AF42F6-9D5F-A831-1E0D-32178655155A}"/>
               </a:ext>
             </a:extLst>
           </p:cNvPr>
@@ -6655,8 +8304,8 @@
         </p:nvSpPr>
         <p:spPr>
           <a:xfrm>
-            <a:off x="5777345" y="1364673"/>
-            <a:ext cx="6414655" cy="5382489"/>
+            <a:off x="6414656" y="3882737"/>
+            <a:ext cx="4980709" cy="2781299"/>
           </a:xfrm>
           <a:prstGeom prst="rect">
             <a:avLst/>
@@ -6829,810 +8478,51 @@
             </a:lvl9pPr>
           </a:lstStyle>
           <a:p>
-            <a:pPr algn="l"/>
-            <a:r>
-              <a:rPr lang="en-US" sz="1800" dirty="0">
-                <a:solidFill>
-                  <a:srgbClr val="0000FF"/>
-                </a:solidFill>
-                <a:latin typeface="Cascadia Mono" panose="020B0609020000020004" pitchFamily="49" charset="0"/>
-              </a:rPr>
-              <a:t>&lt;</a:t>
-            </a:r>
-            <a:r>
-              <a:rPr lang="en-US" sz="1800" dirty="0">
-                <a:solidFill>
-                  <a:srgbClr val="A31515"/>
-                </a:solidFill>
-                <a:latin typeface="Cascadia Mono" panose="020B0609020000020004" pitchFamily="49" charset="0"/>
-              </a:rPr>
-              <a:t>Project</a:t>
-            </a:r>
-            <a:r>
-              <a:rPr lang="en-US" sz="1800" dirty="0">
-                <a:solidFill>
-                  <a:srgbClr val="0000FF"/>
-                </a:solidFill>
-                <a:latin typeface="Cascadia Mono" panose="020B0609020000020004" pitchFamily="49" charset="0"/>
-              </a:rPr>
-              <a:t> </a:t>
-            </a:r>
-            <a:r>
-              <a:rPr lang="en-US" sz="1800" dirty="0" err="1">
-                <a:solidFill>
-                  <a:srgbClr val="FF0000"/>
-                </a:solidFill>
-                <a:latin typeface="Cascadia Mono" panose="020B0609020000020004" pitchFamily="49" charset="0"/>
-              </a:rPr>
-              <a:t>Sdk</a:t>
-            </a:r>
-            <a:r>
-              <a:rPr lang="en-US" sz="1800" dirty="0">
-                <a:solidFill>
-                  <a:srgbClr val="0000FF"/>
-                </a:solidFill>
-                <a:latin typeface="Cascadia Mono" panose="020B0609020000020004" pitchFamily="49" charset="0"/>
-              </a:rPr>
-              <a:t>=</a:t>
-            </a:r>
-            <a:r>
-              <a:rPr lang="en-US" sz="1800" dirty="0">
-                <a:solidFill>
-                  <a:srgbClr val="000000"/>
-                </a:solidFill>
-                <a:latin typeface="Cascadia Mono" panose="020B0609020000020004" pitchFamily="49" charset="0"/>
-              </a:rPr>
-              <a:t>"</a:t>
-            </a:r>
-            <a:r>
-              <a:rPr lang="en-US" sz="1800" dirty="0" err="1">
-                <a:solidFill>
-                  <a:srgbClr val="0000FF"/>
-                </a:solidFill>
-                <a:latin typeface="Cascadia Mono" panose="020B0609020000020004" pitchFamily="49" charset="0"/>
-              </a:rPr>
-              <a:t>Microsoft.NET.Sdk</a:t>
-            </a:r>
-            <a:r>
-              <a:rPr lang="en-US" sz="1800" dirty="0">
-                <a:solidFill>
-                  <a:srgbClr val="000000"/>
-                </a:solidFill>
-                <a:latin typeface="Cascadia Mono" panose="020B0609020000020004" pitchFamily="49" charset="0"/>
-              </a:rPr>
-              <a:t>"</a:t>
-            </a:r>
-            <a:r>
-              <a:rPr lang="en-US" sz="1800" dirty="0">
-                <a:solidFill>
-                  <a:srgbClr val="0000FF"/>
-                </a:solidFill>
-                <a:latin typeface="Cascadia Mono" panose="020B0609020000020004" pitchFamily="49" charset="0"/>
-              </a:rPr>
-              <a:t>&gt;</a:t>
-            </a:r>
-            <a:endParaRPr lang="en-US" sz="1800" dirty="0">
-              <a:solidFill>
-                <a:srgbClr val="000000"/>
-              </a:solidFill>
-              <a:latin typeface="Cascadia Mono" panose="020B0609020000020004" pitchFamily="49" charset="0"/>
-            </a:endParaRPr>
-          </a:p>
-          <a:p>
-            <a:pPr algn="l"/>
-            <a:r>
-              <a:rPr lang="en-US" sz="1800" b="1" dirty="0">
-                <a:solidFill>
-                  <a:srgbClr val="0000FF"/>
-                </a:solidFill>
-                <a:latin typeface="Cascadia Mono" panose="020B0609020000020004" pitchFamily="49" charset="0"/>
-              </a:rPr>
-              <a:t>  </a:t>
-            </a:r>
-            <a:r>
-              <a:rPr lang="en-US" sz="1800" b="1" i="1" dirty="0">
-                <a:solidFill>
-                  <a:srgbClr val="0000FF"/>
-                </a:solidFill>
-                <a:latin typeface="Cascadia Mono" panose="020B0609020000020004" pitchFamily="49" charset="0"/>
-              </a:rPr>
-              <a:t>&lt;</a:t>
-            </a:r>
-            <a:r>
-              <a:rPr lang="en-US" sz="1800" b="1" i="1" dirty="0" err="1">
-                <a:solidFill>
-                  <a:srgbClr val="A31515"/>
-                </a:solidFill>
-                <a:latin typeface="Cascadia Mono" panose="020B0609020000020004" pitchFamily="49" charset="0"/>
-              </a:rPr>
-              <a:t>PropertyGroup</a:t>
-            </a:r>
-            <a:r>
-              <a:rPr lang="en-US" sz="1800" b="1" i="1" dirty="0">
-                <a:solidFill>
-                  <a:srgbClr val="0000FF"/>
-                </a:solidFill>
-                <a:latin typeface="Cascadia Mono" panose="020B0609020000020004" pitchFamily="49" charset="0"/>
-              </a:rPr>
-              <a:t>&gt;</a:t>
-            </a:r>
-            <a:endParaRPr lang="en-US" sz="1800" b="1" i="1" dirty="0">
-              <a:solidFill>
-                <a:srgbClr val="000000"/>
-              </a:solidFill>
-              <a:latin typeface="Cascadia Mono" panose="020B0609020000020004" pitchFamily="49" charset="0"/>
-            </a:endParaRPr>
-          </a:p>
-          <a:p>
-            <a:pPr algn="l"/>
-            <a:r>
-              <a:rPr lang="en-US" sz="1800" b="1" i="1" dirty="0">
-                <a:solidFill>
-                  <a:srgbClr val="0000FF"/>
-                </a:solidFill>
-                <a:latin typeface="Cascadia Mono" panose="020B0609020000020004" pitchFamily="49" charset="0"/>
-              </a:rPr>
-              <a:t>    &lt;</a:t>
-            </a:r>
-            <a:r>
-              <a:rPr lang="en-US" sz="1800" b="1" i="1" dirty="0" err="1">
-                <a:solidFill>
-                  <a:srgbClr val="A31515"/>
-                </a:solidFill>
-                <a:latin typeface="Cascadia Mono" panose="020B0609020000020004" pitchFamily="49" charset="0"/>
-              </a:rPr>
-              <a:t>OutputType</a:t>
-            </a:r>
-            <a:r>
-              <a:rPr lang="en-US" sz="1800" b="1" i="1" dirty="0">
-                <a:solidFill>
-                  <a:srgbClr val="0000FF"/>
-                </a:solidFill>
-                <a:latin typeface="Cascadia Mono" panose="020B0609020000020004" pitchFamily="49" charset="0"/>
-              </a:rPr>
-              <a:t>&gt;</a:t>
-            </a:r>
-            <a:r>
-              <a:rPr lang="en-US" sz="1800" b="1" i="1" dirty="0">
-                <a:solidFill>
-                  <a:srgbClr val="000000"/>
-                </a:solidFill>
-                <a:latin typeface="Cascadia Mono" panose="020B0609020000020004" pitchFamily="49" charset="0"/>
-              </a:rPr>
-              <a:t>Exe</a:t>
-            </a:r>
-            <a:r>
-              <a:rPr lang="en-US" sz="1800" b="1" i="1" dirty="0">
-                <a:solidFill>
-                  <a:srgbClr val="0000FF"/>
-                </a:solidFill>
-                <a:latin typeface="Cascadia Mono" panose="020B0609020000020004" pitchFamily="49" charset="0"/>
-              </a:rPr>
-              <a:t>&lt;/</a:t>
-            </a:r>
-            <a:r>
-              <a:rPr lang="en-US" sz="1800" b="1" i="1" dirty="0" err="1">
-                <a:solidFill>
-                  <a:srgbClr val="A31515"/>
-                </a:solidFill>
-                <a:latin typeface="Cascadia Mono" panose="020B0609020000020004" pitchFamily="49" charset="0"/>
-              </a:rPr>
-              <a:t>OutputType</a:t>
-            </a:r>
-            <a:r>
-              <a:rPr lang="en-US" sz="1800" b="1" i="1" dirty="0">
-                <a:solidFill>
-                  <a:srgbClr val="0000FF"/>
-                </a:solidFill>
-                <a:latin typeface="Cascadia Mono" panose="020B0609020000020004" pitchFamily="49" charset="0"/>
-              </a:rPr>
-              <a:t>&gt;</a:t>
-            </a:r>
-            <a:endParaRPr lang="en-US" sz="1800" b="1" i="1" dirty="0">
-              <a:solidFill>
-                <a:srgbClr val="000000"/>
-              </a:solidFill>
-              <a:latin typeface="Cascadia Mono" panose="020B0609020000020004" pitchFamily="49" charset="0"/>
-            </a:endParaRPr>
-          </a:p>
-          <a:p>
-            <a:pPr algn="l"/>
-            <a:r>
-              <a:rPr lang="en-US" sz="1800" b="1" i="1" dirty="0">
-                <a:solidFill>
-                  <a:srgbClr val="0000FF"/>
-                </a:solidFill>
-                <a:latin typeface="Cascadia Mono" panose="020B0609020000020004" pitchFamily="49" charset="0"/>
-              </a:rPr>
-              <a:t>    &lt;</a:t>
-            </a:r>
-            <a:r>
-              <a:rPr lang="en-US" sz="1800" b="1" i="1" dirty="0" err="1">
-                <a:solidFill>
-                  <a:srgbClr val="A31515"/>
-                </a:solidFill>
-                <a:latin typeface="Cascadia Mono" panose="020B0609020000020004" pitchFamily="49" charset="0"/>
-              </a:rPr>
-              <a:t>TargetFramework</a:t>
-            </a:r>
-            <a:r>
-              <a:rPr lang="en-US" sz="1800" b="1" i="1" dirty="0">
-                <a:solidFill>
-                  <a:srgbClr val="0000FF"/>
-                </a:solidFill>
-                <a:latin typeface="Cascadia Mono" panose="020B0609020000020004" pitchFamily="49" charset="0"/>
-              </a:rPr>
-              <a:t>&gt;</a:t>
-            </a:r>
-            <a:r>
-              <a:rPr lang="en-US" sz="1800" b="1" i="1" dirty="0">
-                <a:solidFill>
-                  <a:srgbClr val="000000"/>
-                </a:solidFill>
-                <a:latin typeface="Cascadia Mono" panose="020B0609020000020004" pitchFamily="49" charset="0"/>
-              </a:rPr>
-              <a:t>net8.0</a:t>
-            </a:r>
-            <a:r>
-              <a:rPr lang="en-US" sz="1800" b="1" i="1" dirty="0">
-                <a:solidFill>
-                  <a:srgbClr val="0000FF"/>
-                </a:solidFill>
-                <a:latin typeface="Cascadia Mono" panose="020B0609020000020004" pitchFamily="49" charset="0"/>
-              </a:rPr>
-              <a:t>&lt;/</a:t>
-            </a:r>
-            <a:r>
-              <a:rPr lang="en-US" sz="1800" b="1" i="1" dirty="0" err="1">
-                <a:solidFill>
-                  <a:srgbClr val="A31515"/>
-                </a:solidFill>
-                <a:latin typeface="Cascadia Mono" panose="020B0609020000020004" pitchFamily="49" charset="0"/>
-              </a:rPr>
-              <a:t>TargetFramework</a:t>
-            </a:r>
-            <a:r>
-              <a:rPr lang="en-US" sz="1800" b="1" i="1" dirty="0">
-                <a:solidFill>
-                  <a:srgbClr val="0000FF"/>
-                </a:solidFill>
-                <a:latin typeface="Cascadia Mono" panose="020B0609020000020004" pitchFamily="49" charset="0"/>
-              </a:rPr>
-              <a:t>&gt;</a:t>
-            </a:r>
-            <a:endParaRPr lang="en-US" sz="1800" b="1" i="1" dirty="0">
-              <a:solidFill>
-                <a:srgbClr val="000000"/>
-              </a:solidFill>
-              <a:latin typeface="Cascadia Mono" panose="020B0609020000020004" pitchFamily="49" charset="0"/>
-            </a:endParaRPr>
-          </a:p>
-          <a:p>
-            <a:pPr algn="l"/>
-            <a:r>
-              <a:rPr lang="en-US" sz="1800" b="1" i="1" dirty="0">
-                <a:solidFill>
-                  <a:srgbClr val="0000FF"/>
-                </a:solidFill>
-                <a:latin typeface="Cascadia Mono" panose="020B0609020000020004" pitchFamily="49" charset="0"/>
-              </a:rPr>
-              <a:t>  &lt;/</a:t>
-            </a:r>
-            <a:r>
-              <a:rPr lang="en-US" sz="1800" b="1" i="1" dirty="0" err="1">
-                <a:solidFill>
-                  <a:srgbClr val="A31515"/>
-                </a:solidFill>
-                <a:latin typeface="Cascadia Mono" panose="020B0609020000020004" pitchFamily="49" charset="0"/>
-              </a:rPr>
-              <a:t>PropertyGroup</a:t>
-            </a:r>
-            <a:r>
-              <a:rPr lang="en-US" sz="1800" b="1" i="1" dirty="0">
-                <a:solidFill>
-                  <a:srgbClr val="0000FF"/>
-                </a:solidFill>
-                <a:latin typeface="Cascadia Mono" panose="020B0609020000020004" pitchFamily="49" charset="0"/>
-              </a:rPr>
-              <a:t>&gt;</a:t>
-            </a:r>
-            <a:endParaRPr lang="en-US" sz="1800" b="1" i="1" dirty="0">
-              <a:solidFill>
-                <a:srgbClr val="000000"/>
-              </a:solidFill>
-              <a:latin typeface="Cascadia Mono" panose="020B0609020000020004" pitchFamily="49" charset="0"/>
-            </a:endParaRPr>
-          </a:p>
-          <a:p>
-            <a:pPr algn="l"/>
-            <a:r>
-              <a:rPr lang="en-US" sz="1800" dirty="0">
-                <a:solidFill>
-                  <a:srgbClr val="0000FF"/>
-                </a:solidFill>
-                <a:latin typeface="Cascadia Mono" panose="020B0609020000020004" pitchFamily="49" charset="0"/>
-              </a:rPr>
-              <a:t>  </a:t>
-            </a:r>
-            <a:endParaRPr lang="en-US" sz="1800" dirty="0">
-              <a:solidFill>
-                <a:srgbClr val="000000"/>
-              </a:solidFill>
-              <a:latin typeface="Cascadia Mono" panose="020B0609020000020004" pitchFamily="49" charset="0"/>
-            </a:endParaRPr>
-          </a:p>
-          <a:p>
-            <a:pPr algn="l"/>
-            <a:r>
-              <a:rPr lang="en-US" sz="1800" dirty="0">
-                <a:solidFill>
-                  <a:srgbClr val="0000FF"/>
-                </a:solidFill>
-                <a:latin typeface="Cascadia Mono" panose="020B0609020000020004" pitchFamily="49" charset="0"/>
-              </a:rPr>
-              <a:t>  &lt;</a:t>
-            </a:r>
-            <a:r>
-              <a:rPr lang="en-US" sz="1800" dirty="0" err="1">
-                <a:solidFill>
-                  <a:srgbClr val="A31515"/>
-                </a:solidFill>
-                <a:latin typeface="Cascadia Mono" panose="020B0609020000020004" pitchFamily="49" charset="0"/>
-              </a:rPr>
-              <a:t>ItemGroup</a:t>
-            </a:r>
-            <a:r>
-              <a:rPr lang="en-US" sz="1800" dirty="0">
-                <a:solidFill>
-                  <a:srgbClr val="0000FF"/>
-                </a:solidFill>
-                <a:latin typeface="Cascadia Mono" panose="020B0609020000020004" pitchFamily="49" charset="0"/>
-              </a:rPr>
-              <a:t>&gt;</a:t>
-            </a:r>
-            <a:endParaRPr lang="en-US" sz="1800" dirty="0">
-              <a:solidFill>
-                <a:srgbClr val="000000"/>
-              </a:solidFill>
-              <a:latin typeface="Cascadia Mono" panose="020B0609020000020004" pitchFamily="49" charset="0"/>
-            </a:endParaRPr>
-          </a:p>
-          <a:p>
-            <a:pPr algn="l"/>
-            <a:r>
-              <a:rPr lang="en-US" sz="1800" dirty="0">
-                <a:solidFill>
-                  <a:srgbClr val="0000FF"/>
-                </a:solidFill>
-                <a:latin typeface="Cascadia Mono" panose="020B0609020000020004" pitchFamily="49" charset="0"/>
-              </a:rPr>
-              <a:t>    &lt;</a:t>
-            </a:r>
-            <a:r>
-              <a:rPr lang="en-US" sz="1800" dirty="0" err="1">
-                <a:solidFill>
-                  <a:srgbClr val="A31515"/>
-                </a:solidFill>
-                <a:latin typeface="Cascadia Mono" panose="020B0609020000020004" pitchFamily="49" charset="0"/>
-              </a:rPr>
-              <a:t>PackageReference</a:t>
-            </a:r>
-            <a:r>
-              <a:rPr lang="en-US" sz="1800" dirty="0">
-                <a:solidFill>
-                  <a:srgbClr val="0000FF"/>
-                </a:solidFill>
-                <a:latin typeface="Cascadia Mono" panose="020B0609020000020004" pitchFamily="49" charset="0"/>
-              </a:rPr>
-              <a:t> </a:t>
-            </a:r>
-            <a:r>
-              <a:rPr lang="en-US" sz="1800" dirty="0">
-                <a:solidFill>
-                  <a:srgbClr val="FF0000"/>
-                </a:solidFill>
-                <a:latin typeface="Cascadia Mono" panose="020B0609020000020004" pitchFamily="49" charset="0"/>
-              </a:rPr>
-              <a:t>Include</a:t>
-            </a:r>
-            <a:r>
-              <a:rPr lang="en-US" sz="1800" dirty="0">
-                <a:solidFill>
-                  <a:srgbClr val="0000FF"/>
-                </a:solidFill>
-                <a:latin typeface="Cascadia Mono" panose="020B0609020000020004" pitchFamily="49" charset="0"/>
-              </a:rPr>
-              <a:t>=</a:t>
-            </a:r>
-            <a:r>
-              <a:rPr lang="en-US" sz="1800" dirty="0">
-                <a:solidFill>
-                  <a:srgbClr val="000000"/>
-                </a:solidFill>
-                <a:latin typeface="Cascadia Mono" panose="020B0609020000020004" pitchFamily="49" charset="0"/>
-              </a:rPr>
-              <a:t>"</a:t>
-            </a:r>
-            <a:r>
-              <a:rPr lang="en-US" sz="1800" dirty="0" err="1">
-                <a:solidFill>
-                  <a:srgbClr val="0000FF"/>
-                </a:solidFill>
-                <a:latin typeface="Cascadia Mono" panose="020B0609020000020004" pitchFamily="49" charset="0"/>
-              </a:rPr>
-              <a:t>Verify.Xunit</a:t>
-            </a:r>
-            <a:r>
-              <a:rPr lang="en-US" sz="1800" dirty="0">
-                <a:solidFill>
-                  <a:srgbClr val="000000"/>
-                </a:solidFill>
-                <a:latin typeface="Cascadia Mono" panose="020B0609020000020004" pitchFamily="49" charset="0"/>
-              </a:rPr>
-              <a:t>"</a:t>
-            </a:r>
-            <a:r>
-              <a:rPr lang="en-US" sz="1800" dirty="0">
-                <a:solidFill>
-                  <a:srgbClr val="0000FF"/>
-                </a:solidFill>
-                <a:latin typeface="Cascadia Mono" panose="020B0609020000020004" pitchFamily="49" charset="0"/>
-              </a:rPr>
-              <a:t> 		</a:t>
-            </a:r>
-            <a:r>
-              <a:rPr lang="en-US" sz="1800" dirty="0">
-                <a:solidFill>
-                  <a:srgbClr val="FF0000"/>
-                </a:solidFill>
-                <a:latin typeface="Cascadia Mono" panose="020B0609020000020004" pitchFamily="49" charset="0"/>
-              </a:rPr>
-              <a:t>Version</a:t>
-            </a:r>
-            <a:r>
-              <a:rPr lang="en-US" sz="1800" dirty="0">
-                <a:solidFill>
-                  <a:srgbClr val="0000FF"/>
-                </a:solidFill>
-                <a:latin typeface="Cascadia Mono" panose="020B0609020000020004" pitchFamily="49" charset="0"/>
-              </a:rPr>
-              <a:t>=</a:t>
-            </a:r>
-            <a:r>
-              <a:rPr lang="en-US" sz="1800" dirty="0">
-                <a:solidFill>
-                  <a:srgbClr val="000000"/>
-                </a:solidFill>
-                <a:latin typeface="Cascadia Mono" panose="020B0609020000020004" pitchFamily="49" charset="0"/>
-              </a:rPr>
-              <a:t>"</a:t>
-            </a:r>
-            <a:r>
-              <a:rPr lang="en-US" sz="1800" dirty="0">
-                <a:solidFill>
-                  <a:srgbClr val="0000FF"/>
-                </a:solidFill>
-                <a:latin typeface="Cascadia Mono" panose="020B0609020000020004" pitchFamily="49" charset="0"/>
-              </a:rPr>
-              <a:t>23.1.0</a:t>
-            </a:r>
-            <a:r>
-              <a:rPr lang="en-US" sz="1800" dirty="0">
-                <a:solidFill>
-                  <a:srgbClr val="000000"/>
-                </a:solidFill>
-                <a:latin typeface="Cascadia Mono" panose="020B0609020000020004" pitchFamily="49" charset="0"/>
-              </a:rPr>
-              <a:t>"</a:t>
-            </a:r>
-            <a:r>
-              <a:rPr lang="en-US" sz="1800" dirty="0">
-                <a:solidFill>
-                  <a:srgbClr val="0000FF"/>
-                </a:solidFill>
-                <a:latin typeface="Cascadia Mono" panose="020B0609020000020004" pitchFamily="49" charset="0"/>
-              </a:rPr>
-              <a:t> /&gt;</a:t>
-            </a:r>
-            <a:endParaRPr lang="en-US" sz="1800" dirty="0">
-              <a:solidFill>
-                <a:srgbClr val="000000"/>
-              </a:solidFill>
-              <a:latin typeface="Cascadia Mono" panose="020B0609020000020004" pitchFamily="49" charset="0"/>
-            </a:endParaRPr>
-          </a:p>
-          <a:p>
-            <a:pPr algn="l"/>
-            <a:r>
-              <a:rPr lang="en-US" sz="1800" dirty="0">
-                <a:solidFill>
-                  <a:srgbClr val="0000FF"/>
-                </a:solidFill>
-                <a:latin typeface="Cascadia Mono" panose="020B0609020000020004" pitchFamily="49" charset="0"/>
-              </a:rPr>
-              <a:t>  &lt;/</a:t>
-            </a:r>
-            <a:r>
-              <a:rPr lang="en-US" sz="1800" dirty="0" err="1">
-                <a:solidFill>
-                  <a:srgbClr val="A31515"/>
-                </a:solidFill>
-                <a:latin typeface="Cascadia Mono" panose="020B0609020000020004" pitchFamily="49" charset="0"/>
-              </a:rPr>
-              <a:t>ItemGroup</a:t>
-            </a:r>
-            <a:r>
-              <a:rPr lang="en-US" sz="1800" dirty="0">
-                <a:solidFill>
-                  <a:srgbClr val="0000FF"/>
-                </a:solidFill>
-                <a:latin typeface="Cascadia Mono" panose="020B0609020000020004" pitchFamily="49" charset="0"/>
-              </a:rPr>
-              <a:t>&gt;</a:t>
-            </a:r>
-            <a:endParaRPr lang="en-US" sz="1800" dirty="0">
-              <a:solidFill>
-                <a:srgbClr val="000000"/>
-              </a:solidFill>
-              <a:latin typeface="Cascadia Mono" panose="020B0609020000020004" pitchFamily="49" charset="0"/>
-            </a:endParaRPr>
-          </a:p>
-          <a:p>
-            <a:pPr algn="l"/>
-            <a:endParaRPr lang="en-US" sz="1800" dirty="0">
-              <a:solidFill>
-                <a:srgbClr val="000000"/>
-              </a:solidFill>
-              <a:latin typeface="Cascadia Mono" panose="020B0609020000020004" pitchFamily="49" charset="0"/>
-            </a:endParaRPr>
-          </a:p>
-          <a:p>
-            <a:pPr algn="l"/>
-            <a:r>
-              <a:rPr lang="en-US" sz="1800" dirty="0">
-                <a:solidFill>
-                  <a:srgbClr val="0000FF"/>
-                </a:solidFill>
-                <a:latin typeface="Cascadia Mono" panose="020B0609020000020004" pitchFamily="49" charset="0"/>
-              </a:rPr>
-              <a:t>  &lt;</a:t>
-            </a:r>
-            <a:r>
-              <a:rPr lang="en-US" sz="1800" dirty="0">
-                <a:solidFill>
-                  <a:srgbClr val="A31515"/>
-                </a:solidFill>
-                <a:latin typeface="Cascadia Mono" panose="020B0609020000020004" pitchFamily="49" charset="0"/>
-              </a:rPr>
-              <a:t>Target</a:t>
-            </a:r>
-            <a:r>
-              <a:rPr lang="en-US" sz="1800" dirty="0">
-                <a:solidFill>
-                  <a:srgbClr val="0000FF"/>
-                </a:solidFill>
-                <a:latin typeface="Cascadia Mono" panose="020B0609020000020004" pitchFamily="49" charset="0"/>
-              </a:rPr>
-              <a:t> </a:t>
-            </a:r>
-            <a:r>
-              <a:rPr lang="en-US" sz="1800" dirty="0">
-                <a:solidFill>
-                  <a:srgbClr val="FF0000"/>
-                </a:solidFill>
-                <a:latin typeface="Cascadia Mono" panose="020B0609020000020004" pitchFamily="49" charset="0"/>
-              </a:rPr>
-              <a:t>Name</a:t>
-            </a:r>
-            <a:r>
-              <a:rPr lang="en-US" sz="1800" dirty="0">
-                <a:solidFill>
-                  <a:srgbClr val="0000FF"/>
-                </a:solidFill>
-                <a:latin typeface="Cascadia Mono" panose="020B0609020000020004" pitchFamily="49" charset="0"/>
-              </a:rPr>
-              <a:t>=</a:t>
-            </a:r>
-            <a:r>
-              <a:rPr lang="en-US" sz="1800" dirty="0">
-                <a:solidFill>
-                  <a:srgbClr val="000000"/>
-                </a:solidFill>
-                <a:latin typeface="Cascadia Mono" panose="020B0609020000020004" pitchFamily="49" charset="0"/>
-              </a:rPr>
-              <a:t>"</a:t>
-            </a:r>
-            <a:r>
-              <a:rPr lang="en-US" sz="1800" dirty="0" err="1">
-                <a:solidFill>
-                  <a:srgbClr val="0000FF"/>
-                </a:solidFill>
-                <a:latin typeface="Cascadia Mono" panose="020B0609020000020004" pitchFamily="49" charset="0"/>
-              </a:rPr>
-              <a:t>ShowHash</a:t>
-            </a:r>
-            <a:r>
-              <a:rPr lang="en-US" sz="1800" dirty="0">
-                <a:solidFill>
-                  <a:srgbClr val="000000"/>
-                </a:solidFill>
-                <a:latin typeface="Cascadia Mono" panose="020B0609020000020004" pitchFamily="49" charset="0"/>
-              </a:rPr>
-              <a:t>"&gt;</a:t>
-            </a:r>
-          </a:p>
-          <a:p>
-            <a:pPr algn="l"/>
-            <a:r>
-              <a:rPr lang="en-US" sz="1800" dirty="0">
-                <a:solidFill>
-                  <a:srgbClr val="0000FF"/>
-                </a:solidFill>
-                <a:latin typeface="Cascadia Mono" panose="020B0609020000020004" pitchFamily="49" charset="0"/>
-              </a:rPr>
-              <a:t>    &lt;</a:t>
-            </a:r>
-            <a:r>
-              <a:rPr lang="en-US" sz="1800" dirty="0">
-                <a:solidFill>
-                  <a:srgbClr val="A31515"/>
-                </a:solidFill>
-                <a:latin typeface="Cascadia Mono" panose="020B0609020000020004" pitchFamily="49" charset="0"/>
-              </a:rPr>
-              <a:t>Message</a:t>
-            </a:r>
-            <a:r>
-              <a:rPr lang="en-US" sz="1800" dirty="0">
-                <a:solidFill>
-                  <a:srgbClr val="0000FF"/>
-                </a:solidFill>
-                <a:latin typeface="Cascadia Mono" panose="020B0609020000020004" pitchFamily="49" charset="0"/>
-              </a:rPr>
-              <a:t> </a:t>
-            </a:r>
-            <a:r>
-              <a:rPr lang="en-US" sz="1800" dirty="0">
-                <a:solidFill>
-                  <a:srgbClr val="FF0000"/>
-                </a:solidFill>
-                <a:latin typeface="Cascadia Mono" panose="020B0609020000020004" pitchFamily="49" charset="0"/>
-              </a:rPr>
-              <a:t>Text</a:t>
-            </a:r>
-            <a:r>
-              <a:rPr lang="en-US" sz="1800" dirty="0">
-                <a:solidFill>
-                  <a:srgbClr val="0000FF"/>
-                </a:solidFill>
-                <a:latin typeface="Cascadia Mono" panose="020B0609020000020004" pitchFamily="49" charset="0"/>
-              </a:rPr>
-              <a:t>=</a:t>
-            </a:r>
-            <a:r>
-              <a:rPr lang="en-US" sz="1800" dirty="0">
-                <a:solidFill>
-                  <a:srgbClr val="000000"/>
-                </a:solidFill>
-                <a:latin typeface="Cascadia Mono" panose="020B0609020000020004" pitchFamily="49" charset="0"/>
-              </a:rPr>
-              <a:t> "</a:t>
-            </a:r>
-            <a:r>
-              <a:rPr lang="en-US" sz="1800" dirty="0" err="1">
-                <a:solidFill>
-                  <a:srgbClr val="0000FF"/>
-                </a:solidFill>
-                <a:latin typeface="Cascadia Mono" panose="020B0609020000020004" pitchFamily="49" charset="0"/>
-              </a:rPr>
-              <a:t>Exexuted</a:t>
-            </a:r>
-            <a:r>
-              <a:rPr lang="en-US" sz="1800" dirty="0">
-                <a:solidFill>
-                  <a:srgbClr val="0000FF"/>
-                </a:solidFill>
-                <a:latin typeface="Cascadia Mono" panose="020B0609020000020004" pitchFamily="49" charset="0"/>
-              </a:rPr>
-              <a:t> $(Now)</a:t>
-            </a:r>
-            <a:r>
-              <a:rPr lang="en-US" sz="1800" dirty="0">
-                <a:solidFill>
-                  <a:srgbClr val="000000"/>
-                </a:solidFill>
-                <a:latin typeface="Cascadia Mono" panose="020B0609020000020004" pitchFamily="49" charset="0"/>
-              </a:rPr>
-              <a:t>"</a:t>
-            </a:r>
-            <a:r>
-              <a:rPr lang="en-US" sz="1800" dirty="0">
-                <a:solidFill>
-                  <a:srgbClr val="0000FF"/>
-                </a:solidFill>
-                <a:latin typeface="Cascadia Mono" panose="020B0609020000020004" pitchFamily="49" charset="0"/>
-              </a:rPr>
-              <a:t> /&gt;</a:t>
-            </a:r>
-            <a:endParaRPr lang="en-US" sz="1800" dirty="0">
-              <a:solidFill>
-                <a:srgbClr val="000000"/>
-              </a:solidFill>
-              <a:latin typeface="Cascadia Mono" panose="020B0609020000020004" pitchFamily="49" charset="0"/>
-            </a:endParaRPr>
-          </a:p>
-          <a:p>
-            <a:pPr algn="l"/>
-            <a:r>
-              <a:rPr lang="en-US" sz="1800" dirty="0">
-                <a:solidFill>
-                  <a:srgbClr val="0000FF"/>
-                </a:solidFill>
-                <a:latin typeface="Cascadia Mono" panose="020B0609020000020004" pitchFamily="49" charset="0"/>
-              </a:rPr>
-              <a:t>  &lt;/</a:t>
-            </a:r>
-            <a:r>
-              <a:rPr lang="en-US" sz="1800" dirty="0">
-                <a:solidFill>
-                  <a:srgbClr val="A31515"/>
-                </a:solidFill>
-                <a:latin typeface="Cascadia Mono" panose="020B0609020000020004" pitchFamily="49" charset="0"/>
-              </a:rPr>
-              <a:t>Target</a:t>
-            </a:r>
-            <a:r>
-              <a:rPr lang="en-US" sz="1800" dirty="0">
-                <a:solidFill>
-                  <a:srgbClr val="0000FF"/>
-                </a:solidFill>
-                <a:latin typeface="Cascadia Mono" panose="020B0609020000020004" pitchFamily="49" charset="0"/>
-              </a:rPr>
-              <a:t>&gt;</a:t>
-            </a:r>
-            <a:endParaRPr lang="en-US" sz="1800" dirty="0">
-              <a:solidFill>
-                <a:srgbClr val="000000"/>
-              </a:solidFill>
-              <a:latin typeface="Cascadia Mono" panose="020B0609020000020004" pitchFamily="49" charset="0"/>
-            </a:endParaRPr>
-          </a:p>
-          <a:p>
-            <a:pPr algn="l"/>
-            <a:r>
-              <a:rPr lang="en-US" sz="1800" dirty="0">
-                <a:solidFill>
-                  <a:srgbClr val="0000FF"/>
-                </a:solidFill>
-                <a:latin typeface="Cascadia Mono" panose="020B0609020000020004" pitchFamily="49" charset="0"/>
-              </a:rPr>
-              <a:t>&lt;/</a:t>
-            </a:r>
-            <a:r>
-              <a:rPr lang="en-US" sz="1800" dirty="0">
-                <a:solidFill>
-                  <a:srgbClr val="A31515"/>
-                </a:solidFill>
-                <a:latin typeface="Cascadia Mono" panose="020B0609020000020004" pitchFamily="49" charset="0"/>
-              </a:rPr>
-              <a:t>Project</a:t>
-            </a:r>
-            <a:r>
-              <a:rPr lang="en-US" sz="1800" dirty="0">
-                <a:solidFill>
-                  <a:srgbClr val="0000FF"/>
-                </a:solidFill>
-                <a:latin typeface="Cascadia Mono" panose="020B0609020000020004" pitchFamily="49" charset="0"/>
-              </a:rPr>
-              <a:t>&gt;</a:t>
-            </a:r>
-            <a:endParaRPr lang="en-US" dirty="0"/>
+            <a:pPr marL="342900" indent="-342900" algn="l">
+              <a:buFont typeface="Arial" panose="020B0604020202020204" pitchFamily="34" charset="0"/>
+              <a:buChar char="•"/>
+            </a:pPr>
+            <a:r>
+              <a:rPr lang="en-US" sz="2800" dirty="0"/>
+              <a:t>Michal Pavlik</a:t>
+            </a:r>
+          </a:p>
+          <a:p>
+            <a:pPr marL="342900" indent="-342900" algn="l">
+              <a:buFont typeface="Arial" panose="020B0604020202020204" pitchFamily="34" charset="0"/>
+              <a:buChar char="•"/>
+            </a:pPr>
+            <a:r>
+              <a:rPr lang="en-US" sz="2800" dirty="0"/>
+              <a:t>Roman Konecny</a:t>
+            </a:r>
+          </a:p>
+          <a:p>
+            <a:pPr marL="342900" indent="-342900" algn="l">
+              <a:buFont typeface="Arial" panose="020B0604020202020204" pitchFamily="34" charset="0"/>
+              <a:buChar char="•"/>
+            </a:pPr>
+            <a:r>
+              <a:rPr lang="en-US" sz="2800" dirty="0"/>
+              <a:t>Surayya Husseyn Zada</a:t>
+            </a:r>
+          </a:p>
+          <a:p>
+            <a:pPr marL="342900" indent="-342900" algn="l">
+              <a:buFont typeface="Arial" panose="020B0604020202020204" pitchFamily="34" charset="0"/>
+              <a:buChar char="•"/>
+            </a:pPr>
+            <a:r>
+              <a:rPr lang="en-US" sz="2800" dirty="0"/>
+              <a:t>Yuliia Kovalova</a:t>
+            </a:r>
           </a:p>
         </p:txBody>
       </p:sp>
     </p:spTree>
     <p:extLst>
       <p:ext uri="{BB962C8B-B14F-4D97-AF65-F5344CB8AC3E}">
-        <p14:creationId xmlns:p14="http://schemas.microsoft.com/office/powerpoint/2010/main" val="4139833014"/>
+        <p14:creationId xmlns:p14="http://schemas.microsoft.com/office/powerpoint/2010/main" val="147754154"/>
       </p:ext>
     </p:extLst>
   </p:cSld>
@@ -7723,8 +8613,8 @@
               <a:buChar char="•"/>
             </a:pPr>
             <a:r>
-              <a:rPr lang="en-US" b="1" dirty="0"/>
-              <a:t>Items, Metadata</a:t>
+              <a:rPr lang="en-US" dirty="0"/>
+              <a:t>Properties</a:t>
             </a:r>
           </a:p>
           <a:p>
@@ -7734,7 +8624,7 @@
             </a:pPr>
             <a:r>
               <a:rPr lang="en-US" dirty="0"/>
-              <a:t>@(Item)</a:t>
+              <a:t>Items, Metadata</a:t>
             </a:r>
           </a:p>
           <a:p>
@@ -7744,7 +8634,7 @@
             </a:pPr>
             <a:r>
               <a:rPr lang="en-US" dirty="0"/>
-              <a:t>@(Item-&gt;’%(metadata)’)</a:t>
+              <a:t>Targets, Tasks</a:t>
             </a:r>
           </a:p>
           <a:p>
@@ -7754,15 +8644,7 @@
             </a:pPr>
             <a:r>
               <a:rPr lang="en-US" dirty="0"/>
-              <a:t>%(</a:t>
-            </a:r>
-            <a:r>
-              <a:rPr lang="en-US" dirty="0" err="1"/>
-              <a:t>Item.metadata</a:t>
-            </a:r>
-            <a:r>
-              <a:rPr lang="en-US" dirty="0"/>
-              <a:t>)</a:t>
+              <a:t>Conditions</a:t>
             </a:r>
           </a:p>
           <a:p>
@@ -7772,7 +8654,7 @@
             </a:pPr>
             <a:r>
               <a:rPr lang="en-US" dirty="0"/>
-              <a:t>Items transformations</a:t>
+              <a:t>Projects</a:t>
             </a:r>
           </a:p>
           <a:p>
@@ -7782,7 +8664,25 @@
             </a:pPr>
             <a:r>
               <a:rPr lang="en-US" dirty="0"/>
-              <a:t>Batching</a:t>
+              <a:t>Property/Item Functions</a:t>
+            </a:r>
+          </a:p>
+          <a:p>
+            <a:pPr marL="342900" indent="-342900" algn="l">
+              <a:buFont typeface="Arial" panose="020B0604020202020204" pitchFamily="34" charset="0"/>
+              <a:buChar char="•"/>
+            </a:pPr>
+            <a:r>
+              <a:rPr lang="en-US" dirty="0"/>
+              <a:t>Imports, </a:t>
+            </a:r>
+            <a:r>
+              <a:rPr lang="en-US" dirty="0" err="1"/>
+              <a:t>Sdks</a:t>
+            </a:r>
+            <a:r>
+              <a:rPr lang="en-US" dirty="0"/>
+              <a:t>, .props, .targets</a:t>
             </a:r>
           </a:p>
         </p:txBody>
@@ -8497,25 +9397,16 @@
           <a:p>
             <a:pPr algn="l"/>
             <a:r>
-              <a:rPr lang="en-US" sz="1800" b="1" dirty="0">
-                <a:solidFill>
-                  <a:srgbClr val="0000FF"/>
-                </a:solidFill>
-                <a:latin typeface="Cascadia Mono" panose="020B0609020000020004" pitchFamily="49" charset="0"/>
-              </a:rPr>
-              <a:t>  </a:t>
-            </a:r>
-            <a:r>
-              <a:rPr lang="en-US" sz="1800" b="1" i="1" dirty="0">
-                <a:solidFill>
-                  <a:srgbClr val="0000FF"/>
-                </a:solidFill>
-                <a:latin typeface="Cascadia Mono" panose="020B0609020000020004" pitchFamily="49" charset="0"/>
-              </a:rPr>
-              <a:t>&lt;</a:t>
-            </a:r>
-            <a:r>
-              <a:rPr lang="en-US" sz="1800" b="1" i="1" dirty="0" err="1">
+              <a:rPr lang="en-US" sz="1800" dirty="0">
+                <a:solidFill>
+                  <a:srgbClr val="0000FF"/>
+                </a:solidFill>
+                <a:latin typeface="Cascadia Mono" panose="020B0609020000020004" pitchFamily="49" charset="0"/>
+              </a:rPr>
+              <a:t>  &lt;</a:t>
+            </a:r>
+            <a:r>
+              <a:rPr lang="en-US" sz="1800" dirty="0" err="1">
                 <a:solidFill>
                   <a:srgbClr val="A31515"/>
                 </a:solidFill>
@@ -8524,7 +9415,7 @@
               <a:t>ItemGroup</a:t>
             </a:r>
             <a:r>
-              <a:rPr lang="en-US" sz="1800" b="1" i="1" dirty="0">
+              <a:rPr lang="en-US" sz="1800" dirty="0">
                 <a:solidFill>
                   <a:srgbClr val="0000FF"/>
                 </a:solidFill>
@@ -8532,7 +9423,7 @@
               </a:rPr>
               <a:t>&gt;</a:t>
             </a:r>
-            <a:endParaRPr lang="en-US" sz="1800" b="1" i="1" dirty="0">
+            <a:endParaRPr lang="en-US" sz="1800" dirty="0">
               <a:solidFill>
                 <a:srgbClr val="000000"/>
               </a:solidFill>
@@ -8542,7 +9433,7 @@
           <a:p>
             <a:pPr algn="l"/>
             <a:r>
-              <a:rPr lang="en-US" sz="1800" b="1" i="1" dirty="0">
+              <a:rPr lang="en-US" sz="1800" dirty="0">
                 <a:solidFill>
                   <a:srgbClr val="0000FF"/>
                 </a:solidFill>
@@ -8551,7 +9442,7 @@
               <a:t>    &lt;</a:t>
             </a:r>
             <a:r>
-              <a:rPr lang="en-US" sz="1800" b="1" i="1" dirty="0" err="1">
+              <a:rPr lang="en-US" sz="1800" dirty="0" err="1">
                 <a:solidFill>
                   <a:srgbClr val="A31515"/>
                 </a:solidFill>
@@ -8560,7 +9451,7 @@
               <a:t>PackageReference</a:t>
             </a:r>
             <a:r>
-              <a:rPr lang="en-US" sz="1800" b="1" i="1" dirty="0">
+              <a:rPr lang="en-US" sz="1800" dirty="0">
                 <a:solidFill>
                   <a:srgbClr val="0000FF"/>
                 </a:solidFill>
@@ -8569,7 +9460,7 @@
               <a:t> </a:t>
             </a:r>
             <a:r>
-              <a:rPr lang="en-US" sz="1800" b="1" i="1" dirty="0">
+              <a:rPr lang="en-US" sz="1800" dirty="0">
                 <a:solidFill>
                   <a:srgbClr val="FF0000"/>
                 </a:solidFill>
@@ -8578,7 +9469,7 @@
               <a:t>Include</a:t>
             </a:r>
             <a:r>
-              <a:rPr lang="en-US" sz="1800" b="1" i="1" dirty="0">
+              <a:rPr lang="en-US" sz="1800" dirty="0">
                 <a:solidFill>
                   <a:srgbClr val="0000FF"/>
                 </a:solidFill>
@@ -8587,7 +9478,7 @@
               <a:t>=</a:t>
             </a:r>
             <a:r>
-              <a:rPr lang="en-US" sz="1800" b="1" i="1" dirty="0">
+              <a:rPr lang="en-US" sz="1800" dirty="0">
                 <a:solidFill>
                   <a:srgbClr val="000000"/>
                 </a:solidFill>
@@ -8596,7 +9487,7 @@
               <a:t>"</a:t>
             </a:r>
             <a:r>
-              <a:rPr lang="en-US" sz="1800" b="1" i="1" dirty="0" err="1">
+              <a:rPr lang="en-US" sz="1800" dirty="0" err="1">
                 <a:solidFill>
                   <a:srgbClr val="0000FF"/>
                 </a:solidFill>
@@ -8605,7 +9496,7 @@
               <a:t>Verify.Xunit</a:t>
             </a:r>
             <a:r>
-              <a:rPr lang="en-US" sz="1800" b="1" i="1" dirty="0">
+              <a:rPr lang="en-US" sz="1800" dirty="0">
                 <a:solidFill>
                   <a:srgbClr val="000000"/>
                 </a:solidFill>
@@ -8614,7 +9505,7 @@
               <a:t>"</a:t>
             </a:r>
             <a:r>
-              <a:rPr lang="en-US" sz="1800" b="1" i="1" dirty="0">
+              <a:rPr lang="en-US" sz="1800" dirty="0">
                 <a:solidFill>
                   <a:srgbClr val="0000FF"/>
                 </a:solidFill>
@@ -8623,7 +9514,7 @@
               <a:t> 		</a:t>
             </a:r>
             <a:r>
-              <a:rPr lang="en-US" sz="1800" b="1" i="1" dirty="0">
+              <a:rPr lang="en-US" sz="1800" dirty="0">
                 <a:solidFill>
                   <a:srgbClr val="FF0000"/>
                 </a:solidFill>
@@ -8632,7 +9523,7 @@
               <a:t>Version</a:t>
             </a:r>
             <a:r>
-              <a:rPr lang="en-US" sz="1800" b="1" i="1" dirty="0">
+              <a:rPr lang="en-US" sz="1800" dirty="0">
                 <a:solidFill>
                   <a:srgbClr val="0000FF"/>
                 </a:solidFill>
@@ -8641,7 +9532,7 @@
               <a:t>=</a:t>
             </a:r>
             <a:r>
-              <a:rPr lang="en-US" sz="1800" b="1" i="1" dirty="0">
+              <a:rPr lang="en-US" sz="1800" dirty="0">
                 <a:solidFill>
                   <a:srgbClr val="000000"/>
                 </a:solidFill>
@@ -8650,7 +9541,7 @@
               <a:t>"</a:t>
             </a:r>
             <a:r>
-              <a:rPr lang="en-US" sz="1800" b="1" i="1" dirty="0">
+              <a:rPr lang="en-US" sz="1800" dirty="0">
                 <a:solidFill>
                   <a:srgbClr val="0000FF"/>
                 </a:solidFill>
@@ -8659,7 +9550,7 @@
               <a:t>23.1.0</a:t>
             </a:r>
             <a:r>
-              <a:rPr lang="en-US" sz="1800" b="1" i="1" dirty="0">
+              <a:rPr lang="en-US" sz="1800" dirty="0">
                 <a:solidFill>
                   <a:srgbClr val="000000"/>
                 </a:solidFill>
@@ -8668,7 +9559,7 @@
               <a:t>"</a:t>
             </a:r>
             <a:r>
-              <a:rPr lang="en-US" sz="1800" b="1" i="1" dirty="0">
+              <a:rPr lang="en-US" sz="1800" dirty="0">
                 <a:solidFill>
                   <a:srgbClr val="0000FF"/>
                 </a:solidFill>
@@ -8676,7 +9567,7 @@
               </a:rPr>
               <a:t> /&gt;</a:t>
             </a:r>
-            <a:endParaRPr lang="en-US" sz="1800" b="1" i="1" dirty="0">
+            <a:endParaRPr lang="en-US" sz="1800" dirty="0">
               <a:solidFill>
                 <a:srgbClr val="000000"/>
               </a:solidFill>
@@ -8686,7 +9577,7 @@
           <a:p>
             <a:pPr algn="l"/>
             <a:r>
-              <a:rPr lang="en-US" sz="1800" b="1" i="1" dirty="0">
+              <a:rPr lang="en-US" sz="1800" dirty="0">
                 <a:solidFill>
                   <a:srgbClr val="0000FF"/>
                 </a:solidFill>
@@ -8695,7 +9586,7 @@
               <a:t>  &lt;/</a:t>
             </a:r>
             <a:r>
-              <a:rPr lang="en-US" sz="1800" b="1" i="1" dirty="0" err="1">
+              <a:rPr lang="en-US" sz="1800" dirty="0" err="1">
                 <a:solidFill>
                   <a:srgbClr val="A31515"/>
                 </a:solidFill>
@@ -8704,7 +9595,7 @@
               <a:t>ItemGroup</a:t>
             </a:r>
             <a:r>
-              <a:rPr lang="en-US" sz="1800" b="1" i="1" dirty="0">
+              <a:rPr lang="en-US" sz="1800" dirty="0">
                 <a:solidFill>
                   <a:srgbClr val="0000FF"/>
                 </a:solidFill>
@@ -8712,7 +9603,7 @@
               </a:rPr>
               <a:t>&gt;</a:t>
             </a:r>
-            <a:endParaRPr lang="en-US" sz="1800" b="1" i="1" dirty="0">
+            <a:endParaRPr lang="en-US" sz="1800" dirty="0">
               <a:solidFill>
                 <a:srgbClr val="000000"/>
               </a:solidFill>
@@ -8974,7 +9865,7 @@
     </p:spTree>
     <p:extLst>
       <p:ext uri="{BB962C8B-B14F-4D97-AF65-F5344CB8AC3E}">
-        <p14:creationId xmlns:p14="http://schemas.microsoft.com/office/powerpoint/2010/main" val="2728073121"/>
+        <p14:creationId xmlns:p14="http://schemas.microsoft.com/office/powerpoint/2010/main" val="3838599132"/>
       </p:ext>
     </p:extLst>
   </p:cSld>
@@ -9066,7 +9957,7 @@
             </a:pPr>
             <a:r>
               <a:rPr lang="en-US" b="1" dirty="0"/>
-              <a:t>Targets, Tasks</a:t>
+              <a:t>Properties</a:t>
             </a:r>
           </a:p>
           <a:p>
@@ -9076,7 +9967,7 @@
             </a:pPr>
             <a:r>
               <a:rPr lang="en-US" dirty="0"/>
-              <a:t>Unit of execution</a:t>
+              <a:t>$(Prop)</a:t>
             </a:r>
           </a:p>
           <a:p>
@@ -9086,7 +9977,7 @@
             </a:pPr>
             <a:r>
               <a:rPr lang="en-US" dirty="0"/>
-              <a:t>Dependencies</a:t>
+              <a:t>Env vars</a:t>
             </a:r>
           </a:p>
           <a:p>
@@ -9096,17 +9987,15 @@
             </a:pPr>
             <a:r>
               <a:rPr lang="en-US" dirty="0"/>
-              <a:t>U2D check</a:t>
-            </a:r>
-          </a:p>
-          <a:p>
-            <a:pPr marL="342900" indent="-342900" algn="l">
-              <a:buFont typeface="Arial" panose="020B0604020202020204" pitchFamily="34" charset="0"/>
-              <a:buChar char="•"/>
-            </a:pPr>
+              <a:t>/p[</a:t>
+            </a:r>
+            <a:r>
+              <a:rPr lang="en-US" dirty="0" err="1"/>
+              <a:t>roperty</a:t>
+            </a:r>
             <a:r>
               <a:rPr lang="en-US" dirty="0"/>
-              <a:t>Coma vs semicolon, quotes</a:t>
+              <a:t>]:&lt;name&gt;=&lt;value&gt;</a:t>
             </a:r>
           </a:p>
         </p:txBody>
@@ -9587,16 +10476,25 @@
           <a:p>
             <a:pPr algn="l"/>
             <a:r>
-              <a:rPr lang="en-US" sz="1800" dirty="0">
-                <a:solidFill>
-                  <a:srgbClr val="0000FF"/>
-                </a:solidFill>
-                <a:latin typeface="Cascadia Mono" panose="020B0609020000020004" pitchFamily="49" charset="0"/>
-              </a:rPr>
-              <a:t>  &lt;</a:t>
-            </a:r>
-            <a:r>
-              <a:rPr lang="en-US" sz="1800" dirty="0" err="1">
+              <a:rPr lang="en-US" sz="1800" b="1" dirty="0">
+                <a:solidFill>
+                  <a:srgbClr val="0000FF"/>
+                </a:solidFill>
+                <a:latin typeface="Cascadia Mono" panose="020B0609020000020004" pitchFamily="49" charset="0"/>
+              </a:rPr>
+              <a:t>  </a:t>
+            </a:r>
+            <a:r>
+              <a:rPr lang="en-US" sz="1800" b="1" i="1" dirty="0">
+                <a:solidFill>
+                  <a:srgbClr val="0000FF"/>
+                </a:solidFill>
+                <a:latin typeface="Cascadia Mono" panose="020B0609020000020004" pitchFamily="49" charset="0"/>
+              </a:rPr>
+              <a:t>&lt;</a:t>
+            </a:r>
+            <a:r>
+              <a:rPr lang="en-US" sz="1800" b="1" i="1" dirty="0" err="1">
                 <a:solidFill>
                   <a:srgbClr val="A31515"/>
                 </a:solidFill>
@@ -9605,7 +10503,7 @@
               <a:t>PropertyGroup</a:t>
             </a:r>
             <a:r>
-              <a:rPr lang="en-US" sz="1800" dirty="0">
+              <a:rPr lang="en-US" sz="1800" b="1" i="1" dirty="0">
                 <a:solidFill>
                   <a:srgbClr val="0000FF"/>
                 </a:solidFill>
@@ -9613,7 +10511,7 @@
               </a:rPr>
               <a:t>&gt;</a:t>
             </a:r>
-            <a:endParaRPr lang="en-US" sz="1800" dirty="0">
+            <a:endParaRPr lang="en-US" sz="1800" b="1" i="1" dirty="0">
               <a:solidFill>
                 <a:srgbClr val="000000"/>
               </a:solidFill>
@@ -9623,7 +10521,7 @@
           <a:p>
             <a:pPr algn="l"/>
             <a:r>
-              <a:rPr lang="en-US" sz="1800" dirty="0">
+              <a:rPr lang="en-US" sz="1800" b="1" i="1" dirty="0">
                 <a:solidFill>
                   <a:srgbClr val="0000FF"/>
                 </a:solidFill>
@@ -9632,7 +10530,7 @@
               <a:t>    &lt;</a:t>
             </a:r>
             <a:r>
-              <a:rPr lang="en-US" sz="1800" dirty="0" err="1">
+              <a:rPr lang="en-US" sz="1800" b="1" i="1" dirty="0" err="1">
                 <a:solidFill>
                   <a:srgbClr val="A31515"/>
                 </a:solidFill>
@@ -9641,7 +10539,7 @@
               <a:t>OutputType</a:t>
             </a:r>
             <a:r>
-              <a:rPr lang="en-US" sz="1800" dirty="0">
+              <a:rPr lang="en-US" sz="1800" b="1" i="1" dirty="0">
                 <a:solidFill>
                   <a:srgbClr val="0000FF"/>
                 </a:solidFill>
@@ -9650,7 +10548,7 @@
               <a:t>&gt;</a:t>
             </a:r>
             <a:r>
-              <a:rPr lang="en-US" sz="1800" dirty="0">
+              <a:rPr lang="en-US" sz="1800" b="1" i="1" dirty="0">
                 <a:solidFill>
                   <a:srgbClr val="000000"/>
                 </a:solidFill>
@@ -9659,7 +10557,7 @@
               <a:t>Exe</a:t>
             </a:r>
             <a:r>
-              <a:rPr lang="en-US" sz="1800" dirty="0">
+              <a:rPr lang="en-US" sz="1800" b="1" i="1" dirty="0">
                 <a:solidFill>
                   <a:srgbClr val="0000FF"/>
                 </a:solidFill>
@@ -9668,7 +10566,7 @@
               <a:t>&lt;/</a:t>
             </a:r>
             <a:r>
-              <a:rPr lang="en-US" sz="1800" dirty="0" err="1">
+              <a:rPr lang="en-US" sz="1800" b="1" i="1" dirty="0" err="1">
                 <a:solidFill>
                   <a:srgbClr val="A31515"/>
                 </a:solidFill>
@@ -9677,7 +10575,7 @@
               <a:t>OutputType</a:t>
             </a:r>
             <a:r>
-              <a:rPr lang="en-US" sz="1800" dirty="0">
+              <a:rPr lang="en-US" sz="1800" b="1" i="1" dirty="0">
                 <a:solidFill>
                   <a:srgbClr val="0000FF"/>
                 </a:solidFill>
@@ -9685,7 +10583,7 @@
               </a:rPr>
               <a:t>&gt;</a:t>
             </a:r>
-            <a:endParaRPr lang="en-US" sz="1800" dirty="0">
+            <a:endParaRPr lang="en-US" sz="1800" b="1" i="1" dirty="0">
               <a:solidFill>
                 <a:srgbClr val="000000"/>
               </a:solidFill>
@@ -9695,7 +10593,7 @@
           <a:p>
             <a:pPr algn="l"/>
             <a:r>
-              <a:rPr lang="en-US" sz="1800" dirty="0">
+              <a:rPr lang="en-US" sz="1800" b="1" i="1" dirty="0">
                 <a:solidFill>
                   <a:srgbClr val="0000FF"/>
                 </a:solidFill>
@@ -9704,7 +10602,7 @@
               <a:t>    &lt;</a:t>
             </a:r>
             <a:r>
-              <a:rPr lang="en-US" sz="1800" dirty="0" err="1">
+              <a:rPr lang="en-US" sz="1800" b="1" i="1" dirty="0" err="1">
                 <a:solidFill>
                   <a:srgbClr val="A31515"/>
                 </a:solidFill>
@@ -9713,7 +10611,7 @@
               <a:t>TargetFramework</a:t>
             </a:r>
             <a:r>
-              <a:rPr lang="en-US" sz="1800" dirty="0">
+              <a:rPr lang="en-US" sz="1800" b="1" i="1" dirty="0">
                 <a:solidFill>
                   <a:srgbClr val="0000FF"/>
                 </a:solidFill>
@@ -9722,7 +10620,7 @@
               <a:t>&gt;</a:t>
             </a:r>
             <a:r>
-              <a:rPr lang="en-US" sz="1800" dirty="0">
+              <a:rPr lang="en-US" sz="1800" b="1" i="1" dirty="0">
                 <a:solidFill>
                   <a:srgbClr val="000000"/>
                 </a:solidFill>
@@ -9731,7 +10629,7 @@
               <a:t>net8.0</a:t>
             </a:r>
             <a:r>
-              <a:rPr lang="en-US" sz="1800" dirty="0">
+              <a:rPr lang="en-US" sz="1800" b="1" i="1" dirty="0">
                 <a:solidFill>
                   <a:srgbClr val="0000FF"/>
                 </a:solidFill>
@@ -9740,7 +10638,7 @@
               <a:t>&lt;/</a:t>
             </a:r>
             <a:r>
-              <a:rPr lang="en-US" sz="1800" dirty="0" err="1">
+              <a:rPr lang="en-US" sz="1800" b="1" i="1" dirty="0" err="1">
                 <a:solidFill>
                   <a:srgbClr val="A31515"/>
                 </a:solidFill>
@@ -9749,7 +10647,7 @@
               <a:t>TargetFramework</a:t>
             </a:r>
             <a:r>
-              <a:rPr lang="en-US" sz="1800" dirty="0">
+              <a:rPr lang="en-US" sz="1800" b="1" i="1" dirty="0">
                 <a:solidFill>
                   <a:srgbClr val="0000FF"/>
                 </a:solidFill>
@@ -9757,7 +10655,7 @@
               </a:rPr>
               <a:t>&gt;</a:t>
             </a:r>
-            <a:endParaRPr lang="en-US" sz="1800" dirty="0">
+            <a:endParaRPr lang="en-US" sz="1800" b="1" i="1" dirty="0">
               <a:solidFill>
                 <a:srgbClr val="000000"/>
               </a:solidFill>
@@ -9767,7 +10665,7 @@
           <a:p>
             <a:pPr algn="l"/>
             <a:r>
-              <a:rPr lang="en-US" sz="1800" dirty="0">
+              <a:rPr lang="en-US" sz="1800" b="1" i="1" dirty="0">
                 <a:solidFill>
                   <a:srgbClr val="0000FF"/>
                 </a:solidFill>
@@ -9776,7 +10674,7 @@
               <a:t>  &lt;/</a:t>
             </a:r>
             <a:r>
-              <a:rPr lang="en-US" sz="1800" dirty="0" err="1">
+              <a:rPr lang="en-US" sz="1800" b="1" i="1" dirty="0" err="1">
                 <a:solidFill>
                   <a:srgbClr val="A31515"/>
                 </a:solidFill>
@@ -9785,7 +10683,7 @@
               <a:t>PropertyGroup</a:t>
             </a:r>
             <a:r>
-              <a:rPr lang="en-US" sz="1800" dirty="0">
+              <a:rPr lang="en-US" sz="1800" b="1" i="1" dirty="0">
                 <a:solidFill>
                   <a:srgbClr val="0000FF"/>
                 </a:solidFill>
@@ -9793,7 +10691,7 @@
               </a:rPr>
               <a:t>&gt;</a:t>
             </a:r>
-            <a:endParaRPr lang="en-US" sz="1800" dirty="0">
+            <a:endParaRPr lang="en-US" sz="1800" b="1" i="1" dirty="0">
               <a:solidFill>
                 <a:srgbClr val="000000"/>
               </a:solidFill>
@@ -10046,25 +10944,16 @@
           <a:p>
             <a:pPr algn="l"/>
             <a:r>
-              <a:rPr lang="en-US" sz="1800" i="1" dirty="0">
-                <a:solidFill>
-                  <a:srgbClr val="0000FF"/>
-                </a:solidFill>
-                <a:latin typeface="Cascadia Mono" panose="020B0609020000020004" pitchFamily="49" charset="0"/>
-              </a:rPr>
-              <a:t>  </a:t>
-            </a:r>
-            <a:r>
-              <a:rPr lang="en-US" sz="1800" b="1" i="1" dirty="0">
-                <a:solidFill>
-                  <a:srgbClr val="0000FF"/>
-                </a:solidFill>
-                <a:latin typeface="Cascadia Mono" panose="020B0609020000020004" pitchFamily="49" charset="0"/>
-              </a:rPr>
-              <a:t>&lt;</a:t>
-            </a:r>
-            <a:r>
-              <a:rPr lang="en-US" sz="1800" b="1" i="1" dirty="0">
+              <a:rPr lang="en-US" sz="1800" dirty="0">
+                <a:solidFill>
+                  <a:srgbClr val="0000FF"/>
+                </a:solidFill>
+                <a:latin typeface="Cascadia Mono" panose="020B0609020000020004" pitchFamily="49" charset="0"/>
+              </a:rPr>
+              <a:t>  &lt;</a:t>
+            </a:r>
+            <a:r>
+              <a:rPr lang="en-US" sz="1800" dirty="0">
                 <a:solidFill>
                   <a:srgbClr val="A31515"/>
                 </a:solidFill>
@@ -10073,7 +10962,7 @@
               <a:t>Target</a:t>
             </a:r>
             <a:r>
-              <a:rPr lang="en-US" sz="1800" b="1" i="1" dirty="0">
+              <a:rPr lang="en-US" sz="1800" dirty="0">
                 <a:solidFill>
                   <a:srgbClr val="0000FF"/>
                 </a:solidFill>
@@ -10082,7 +10971,7 @@
               <a:t> </a:t>
             </a:r>
             <a:r>
-              <a:rPr lang="en-US" sz="1800" b="1" i="1" dirty="0">
+              <a:rPr lang="en-US" sz="1800" dirty="0">
                 <a:solidFill>
                   <a:srgbClr val="FF0000"/>
                 </a:solidFill>
@@ -10091,7 +10980,7 @@
               <a:t>Name</a:t>
             </a:r>
             <a:r>
-              <a:rPr lang="en-US" sz="1800" b="1" i="1" dirty="0">
+              <a:rPr lang="en-US" sz="1800" dirty="0">
                 <a:solidFill>
                   <a:srgbClr val="0000FF"/>
                 </a:solidFill>
@@ -10100,7 +10989,7 @@
               <a:t>=</a:t>
             </a:r>
             <a:r>
-              <a:rPr lang="en-US" sz="1800" b="1" i="1" dirty="0">
+              <a:rPr lang="en-US" sz="1800" dirty="0">
                 <a:solidFill>
                   <a:srgbClr val="000000"/>
                 </a:solidFill>
@@ -10109,7 +10998,7 @@
               <a:t>"</a:t>
             </a:r>
             <a:r>
-              <a:rPr lang="en-US" sz="1800" b="1" i="1" dirty="0" err="1">
+              <a:rPr lang="en-US" sz="1800" dirty="0" err="1">
                 <a:solidFill>
                   <a:srgbClr val="0000FF"/>
                 </a:solidFill>
@@ -10118,7 +11007,7 @@
               <a:t>ShowHash</a:t>
             </a:r>
             <a:r>
-              <a:rPr lang="en-US" sz="1800" b="1" i="1" dirty="0">
+              <a:rPr lang="en-US" sz="1800" dirty="0">
                 <a:solidFill>
                   <a:srgbClr val="000000"/>
                 </a:solidFill>
@@ -10130,7 +11019,7 @@
           <a:p>
             <a:pPr algn="l"/>
             <a:r>
-              <a:rPr lang="en-US" sz="1800" b="1" i="1" dirty="0">
+              <a:rPr lang="en-US" sz="1800" dirty="0">
                 <a:solidFill>
                   <a:srgbClr val="0000FF"/>
                 </a:solidFill>
@@ -10139,7 +11028,7 @@
               <a:t>    &lt;</a:t>
             </a:r>
             <a:r>
-              <a:rPr lang="en-US" sz="1800" b="1" i="1" dirty="0">
+              <a:rPr lang="en-US" sz="1800" dirty="0">
                 <a:solidFill>
                   <a:srgbClr val="A31515"/>
                 </a:solidFill>
@@ -10148,7 +11037,7 @@
               <a:t>Message</a:t>
             </a:r>
             <a:r>
-              <a:rPr lang="en-US" sz="1800" b="1" i="1" dirty="0">
+              <a:rPr lang="en-US" sz="1800" dirty="0">
                 <a:solidFill>
                   <a:srgbClr val="0000FF"/>
                 </a:solidFill>
@@ -10157,7 +11046,7 @@
               <a:t> </a:t>
             </a:r>
             <a:r>
-              <a:rPr lang="en-US" sz="1800" b="1" i="1" dirty="0">
+              <a:rPr lang="en-US" sz="1800" dirty="0">
                 <a:solidFill>
                   <a:srgbClr val="FF0000"/>
                 </a:solidFill>
@@ -10166,7 +11055,7 @@
               <a:t>Text</a:t>
             </a:r>
             <a:r>
-              <a:rPr lang="en-US" sz="1800" b="1" i="1" dirty="0">
+              <a:rPr lang="en-US" sz="1800" dirty="0">
                 <a:solidFill>
                   <a:srgbClr val="0000FF"/>
                 </a:solidFill>
@@ -10175,7 +11064,7 @@
               <a:t>=</a:t>
             </a:r>
             <a:r>
-              <a:rPr lang="en-US" sz="1800" b="1" i="1" dirty="0">
+              <a:rPr lang="en-US" sz="1800" dirty="0">
                 <a:solidFill>
                   <a:srgbClr val="000000"/>
                 </a:solidFill>
@@ -10184,7 +11073,7 @@
               <a:t> "</a:t>
             </a:r>
             <a:r>
-              <a:rPr lang="en-US" sz="1800" b="1" i="1" dirty="0" err="1">
+              <a:rPr lang="en-US" sz="1800" dirty="0" err="1">
                 <a:solidFill>
                   <a:srgbClr val="0000FF"/>
                 </a:solidFill>
@@ -10193,7 +11082,7 @@
               <a:t>Exexuted</a:t>
             </a:r>
             <a:r>
-              <a:rPr lang="en-US" sz="1800" b="1" i="1" dirty="0">
+              <a:rPr lang="en-US" sz="1800" dirty="0">
                 <a:solidFill>
                   <a:srgbClr val="0000FF"/>
                 </a:solidFill>
@@ -10202,7 +11091,7 @@
               <a:t> $(Now)</a:t>
             </a:r>
             <a:r>
-              <a:rPr lang="en-US" sz="1800" b="1" i="1" dirty="0">
+              <a:rPr lang="en-US" sz="1800" dirty="0">
                 <a:solidFill>
                   <a:srgbClr val="000000"/>
                 </a:solidFill>
@@ -10211,7 +11100,7 @@
               <a:t>"</a:t>
             </a:r>
             <a:r>
-              <a:rPr lang="en-US" sz="1800" b="1" i="1" dirty="0">
+              <a:rPr lang="en-US" sz="1800" dirty="0">
                 <a:solidFill>
                   <a:srgbClr val="0000FF"/>
                 </a:solidFill>
@@ -10219,7 +11108,7 @@
               </a:rPr>
               <a:t> /&gt;</a:t>
             </a:r>
-            <a:endParaRPr lang="en-US" sz="1800" b="1" i="1" dirty="0">
+            <a:endParaRPr lang="en-US" sz="1800" dirty="0">
               <a:solidFill>
                 <a:srgbClr val="000000"/>
               </a:solidFill>
@@ -10229,7 +11118,7 @@
           <a:p>
             <a:pPr algn="l"/>
             <a:r>
-              <a:rPr lang="en-US" sz="1800" b="1" i="1" dirty="0">
+              <a:rPr lang="en-US" sz="1800" dirty="0">
                 <a:solidFill>
                   <a:srgbClr val="0000FF"/>
                 </a:solidFill>
@@ -10238,7 +11127,7 @@
               <a:t>  &lt;/</a:t>
             </a:r>
             <a:r>
-              <a:rPr lang="en-US" sz="1800" b="1" i="1" dirty="0">
+              <a:rPr lang="en-US" sz="1800" dirty="0">
                 <a:solidFill>
                   <a:srgbClr val="A31515"/>
                 </a:solidFill>
@@ -10247,7 +11136,7 @@
               <a:t>Target</a:t>
             </a:r>
             <a:r>
-              <a:rPr lang="en-US" sz="1800" b="1" i="1" dirty="0">
+              <a:rPr lang="en-US" sz="1800" dirty="0">
                 <a:solidFill>
                   <a:srgbClr val="0000FF"/>
                 </a:solidFill>
@@ -10255,7 +11144,7 @@
               </a:rPr>
               <a:t>&gt;</a:t>
             </a:r>
-            <a:endParaRPr lang="en-US" sz="1800" b="1" i="1" dirty="0">
+            <a:endParaRPr lang="en-US" sz="1800" dirty="0">
               <a:solidFill>
                 <a:srgbClr val="000000"/>
               </a:solidFill>
@@ -10298,7 +11187,7 @@
     </p:spTree>
     <p:extLst>
       <p:ext uri="{BB962C8B-B14F-4D97-AF65-F5344CB8AC3E}">
-        <p14:creationId xmlns:p14="http://schemas.microsoft.com/office/powerpoint/2010/main" val="2712381612"/>
+        <p14:creationId xmlns:p14="http://schemas.microsoft.com/office/powerpoint/2010/main" val="4139833014"/>
       </p:ext>
     </p:extLst>
   </p:cSld>
@@ -10390,7 +11279,7 @@
             </a:pPr>
             <a:r>
               <a:rPr lang="en-US" b="1" dirty="0"/>
-              <a:t>Conditions</a:t>
+              <a:t>Items, Metadata</a:t>
             </a:r>
           </a:p>
           <a:p>
@@ -10400,7 +11289,55 @@
             </a:pPr>
             <a:r>
               <a:rPr lang="en-US" dirty="0"/>
-              <a:t>==, !=, Exists, !Exists</a:t>
+              <a:t>@(Item)</a:t>
+            </a:r>
+          </a:p>
+          <a:p>
+            <a:pPr marL="342900" indent="-342900" algn="l">
+              <a:buFont typeface="Arial" panose="020B0604020202020204" pitchFamily="34" charset="0"/>
+              <a:buChar char="•"/>
+            </a:pPr>
+            <a:r>
+              <a:rPr lang="en-US" dirty="0"/>
+              <a:t>@(Item-&gt;’%(metadata)’)</a:t>
+            </a:r>
+          </a:p>
+          <a:p>
+            <a:pPr marL="342900" indent="-342900" algn="l">
+              <a:buFont typeface="Arial" panose="020B0604020202020204" pitchFamily="34" charset="0"/>
+              <a:buChar char="•"/>
+            </a:pPr>
+            <a:r>
+              <a:rPr lang="en-US" dirty="0"/>
+              <a:t>%(</a:t>
+            </a:r>
+            <a:r>
+              <a:rPr lang="en-US" dirty="0" err="1"/>
+              <a:t>Item.metadata</a:t>
+            </a:r>
+            <a:r>
+              <a:rPr lang="en-US" dirty="0"/>
+              <a:t>)</a:t>
+            </a:r>
+          </a:p>
+          <a:p>
+            <a:pPr marL="342900" indent="-342900" algn="l">
+              <a:buFont typeface="Arial" panose="020B0604020202020204" pitchFamily="34" charset="0"/>
+              <a:buChar char="•"/>
+            </a:pPr>
+            <a:r>
+              <a:rPr lang="en-US" dirty="0"/>
+              <a:t>Items transformations</a:t>
+            </a:r>
+          </a:p>
+          <a:p>
+            <a:pPr marL="342900" indent="-342900" algn="l">
+              <a:buFont typeface="Arial" panose="020B0604020202020204" pitchFamily="34" charset="0"/>
+              <a:buChar char="•"/>
+            </a:pPr>
+            <a:r>
+              <a:rPr lang="en-US" dirty="0"/>
+              <a:t>Batching</a:t>
             </a:r>
           </a:p>
         </p:txBody>
@@ -11115,16 +12052,25 @@
           <a:p>
             <a:pPr algn="l"/>
             <a:r>
-              <a:rPr lang="en-US" sz="1800" dirty="0">
-                <a:solidFill>
-                  <a:srgbClr val="0000FF"/>
-                </a:solidFill>
-                <a:latin typeface="Cascadia Mono" panose="020B0609020000020004" pitchFamily="49" charset="0"/>
-              </a:rPr>
-              <a:t>  &lt;</a:t>
-            </a:r>
-            <a:r>
-              <a:rPr lang="en-US" sz="1800" dirty="0" err="1">
+              <a:rPr lang="en-US" sz="1800" b="1" dirty="0">
+                <a:solidFill>
+                  <a:srgbClr val="0000FF"/>
+                </a:solidFill>
+                <a:latin typeface="Cascadia Mono" panose="020B0609020000020004" pitchFamily="49" charset="0"/>
+              </a:rPr>
+              <a:t>  </a:t>
+            </a:r>
+            <a:r>
+              <a:rPr lang="en-US" sz="1800" b="1" i="1" dirty="0">
+                <a:solidFill>
+                  <a:srgbClr val="0000FF"/>
+                </a:solidFill>
+                <a:latin typeface="Cascadia Mono" panose="020B0609020000020004" pitchFamily="49" charset="0"/>
+              </a:rPr>
+              <a:t>&lt;</a:t>
+            </a:r>
+            <a:r>
+              <a:rPr lang="en-US" sz="1800" b="1" i="1" dirty="0" err="1">
                 <a:solidFill>
                   <a:srgbClr val="A31515"/>
                 </a:solidFill>
@@ -11133,7 +12079,7 @@
               <a:t>ItemGroup</a:t>
             </a:r>
             <a:r>
-              <a:rPr lang="en-US" sz="1800" dirty="0">
+              <a:rPr lang="en-US" sz="1800" b="1" i="1" dirty="0">
                 <a:solidFill>
                   <a:srgbClr val="0000FF"/>
                 </a:solidFill>
@@ -11141,7 +12087,7 @@
               </a:rPr>
               <a:t>&gt;</a:t>
             </a:r>
-            <a:endParaRPr lang="en-US" sz="1800" dirty="0">
+            <a:endParaRPr lang="en-US" sz="1800" b="1" i="1" dirty="0">
               <a:solidFill>
                 <a:srgbClr val="000000"/>
               </a:solidFill>
@@ -11151,7 +12097,7 @@
           <a:p>
             <a:pPr algn="l"/>
             <a:r>
-              <a:rPr lang="en-US" sz="1800" dirty="0">
+              <a:rPr lang="en-US" sz="1800" b="1" i="1" dirty="0">
                 <a:solidFill>
                   <a:srgbClr val="0000FF"/>
                 </a:solidFill>
@@ -11160,7 +12106,7 @@
               <a:t>    &lt;</a:t>
             </a:r>
             <a:r>
-              <a:rPr lang="en-US" sz="1800" dirty="0" err="1">
+              <a:rPr lang="en-US" sz="1800" b="1" i="1" dirty="0" err="1">
                 <a:solidFill>
                   <a:srgbClr val="A31515"/>
                 </a:solidFill>
@@ -11169,7 +12115,7 @@
               <a:t>PackageReference</a:t>
             </a:r>
             <a:r>
-              <a:rPr lang="en-US" sz="1800" dirty="0">
+              <a:rPr lang="en-US" sz="1800" b="1" i="1" dirty="0">
                 <a:solidFill>
                   <a:srgbClr val="0000FF"/>
                 </a:solidFill>
@@ -11178,7 +12124,7 @@
               <a:t> </a:t>
             </a:r>
             <a:r>
-              <a:rPr lang="en-US" sz="1800" dirty="0">
+              <a:rPr lang="en-US" sz="1800" b="1" i="1" dirty="0">
                 <a:solidFill>
                   <a:srgbClr val="FF0000"/>
                 </a:solidFill>
@@ -11187,7 +12133,7 @@
               <a:t>Include</a:t>
             </a:r>
             <a:r>
-              <a:rPr lang="en-US" sz="1800" dirty="0">
+              <a:rPr lang="en-US" sz="1800" b="1" i="1" dirty="0">
                 <a:solidFill>
                   <a:srgbClr val="0000FF"/>
                 </a:solidFill>
@@ -11196,7 +12142,7 @@
               <a:t>=</a:t>
             </a:r>
             <a:r>
-              <a:rPr lang="en-US" sz="1800" dirty="0">
+              <a:rPr lang="en-US" sz="1800" b="1" i="1" dirty="0">
                 <a:solidFill>
                   <a:srgbClr val="000000"/>
                 </a:solidFill>
@@ -11205,7 +12151,7 @@
               <a:t>"</a:t>
             </a:r>
             <a:r>
-              <a:rPr lang="en-US" sz="1800" dirty="0" err="1">
+              <a:rPr lang="en-US" sz="1800" b="1" i="1" dirty="0" err="1">
                 <a:solidFill>
                   <a:srgbClr val="0000FF"/>
                 </a:solidFill>
@@ -11214,7 +12160,7 @@
               <a:t>Verify.Xunit</a:t>
             </a:r>
             <a:r>
-              <a:rPr lang="en-US" sz="1800" dirty="0">
+              <a:rPr lang="en-US" sz="1800" b="1" i="1" dirty="0">
                 <a:solidFill>
                   <a:srgbClr val="000000"/>
                 </a:solidFill>
@@ -11223,7 +12169,7 @@
               <a:t>"</a:t>
             </a:r>
             <a:r>
-              <a:rPr lang="en-US" sz="1800" dirty="0">
+              <a:rPr lang="en-US" sz="1800" b="1" i="1" dirty="0">
                 <a:solidFill>
                   <a:srgbClr val="0000FF"/>
                 </a:solidFill>
@@ -11232,7 +12178,7 @@
               <a:t> 		</a:t>
             </a:r>
             <a:r>
-              <a:rPr lang="en-US" sz="1800" dirty="0">
+              <a:rPr lang="en-US" sz="1800" b="1" i="1" dirty="0">
                 <a:solidFill>
                   <a:srgbClr val="FF0000"/>
                 </a:solidFill>
@@ -11241,7 +12187,7 @@
               <a:t>Version</a:t>
             </a:r>
             <a:r>
-              <a:rPr lang="en-US" sz="1800" dirty="0">
+              <a:rPr lang="en-US" sz="1800" b="1" i="1" dirty="0">
                 <a:solidFill>
                   <a:srgbClr val="0000FF"/>
                 </a:solidFill>
@@ -11250,7 +12196,7 @@
               <a:t>=</a:t>
             </a:r>
             <a:r>
-              <a:rPr lang="en-US" sz="1800" dirty="0">
+              <a:rPr lang="en-US" sz="1800" b="1" i="1" dirty="0">
                 <a:solidFill>
                   <a:srgbClr val="000000"/>
                 </a:solidFill>
@@ -11259,7 +12205,7 @@
               <a:t>"</a:t>
             </a:r>
             <a:r>
-              <a:rPr lang="en-US" sz="1800" dirty="0">
+              <a:rPr lang="en-US" sz="1800" b="1" i="1" dirty="0">
                 <a:solidFill>
                   <a:srgbClr val="0000FF"/>
                 </a:solidFill>
@@ -11268,7 +12214,7 @@
               <a:t>23.1.0</a:t>
             </a:r>
             <a:r>
-              <a:rPr lang="en-US" sz="1800" dirty="0">
+              <a:rPr lang="en-US" sz="1800" b="1" i="1" dirty="0">
                 <a:solidFill>
                   <a:srgbClr val="000000"/>
                 </a:solidFill>
@@ -11277,7 +12223,7 @@
               <a:t>"</a:t>
             </a:r>
             <a:r>
-              <a:rPr lang="en-US" sz="1800" dirty="0">
+              <a:rPr lang="en-US" sz="1800" b="1" i="1" dirty="0">
                 <a:solidFill>
                   <a:srgbClr val="0000FF"/>
                 </a:solidFill>
@@ -11285,7 +12231,7 @@
               </a:rPr>
               <a:t> /&gt;</a:t>
             </a:r>
-            <a:endParaRPr lang="en-US" sz="1800" dirty="0">
+            <a:endParaRPr lang="en-US" sz="1800" b="1" i="1" dirty="0">
               <a:solidFill>
                 <a:srgbClr val="000000"/>
               </a:solidFill>
@@ -11295,7 +12241,7 @@
           <a:p>
             <a:pPr algn="l"/>
             <a:r>
-              <a:rPr lang="en-US" sz="1800" dirty="0">
+              <a:rPr lang="en-US" sz="1800" b="1" i="1" dirty="0">
                 <a:solidFill>
                   <a:srgbClr val="0000FF"/>
                 </a:solidFill>
@@ -11304,7 +12250,7 @@
               <a:t>  &lt;/</a:t>
             </a:r>
             <a:r>
-              <a:rPr lang="en-US" sz="1800" dirty="0" err="1">
+              <a:rPr lang="en-US" sz="1800" b="1" i="1" dirty="0" err="1">
                 <a:solidFill>
                   <a:srgbClr val="A31515"/>
                 </a:solidFill>
@@ -11313,7 +12259,7 @@
               <a:t>ItemGroup</a:t>
             </a:r>
             <a:r>
-              <a:rPr lang="en-US" sz="1800" dirty="0">
+              <a:rPr lang="en-US" sz="1800" b="1" i="1" dirty="0">
                 <a:solidFill>
                   <a:srgbClr val="0000FF"/>
                 </a:solidFill>
@@ -11321,7 +12267,7 @@
               </a:rPr>
               <a:t>&gt;</a:t>
             </a:r>
-            <a:endParaRPr lang="en-US" sz="1800" dirty="0">
+            <a:endParaRPr lang="en-US" sz="1800" b="1" i="1" dirty="0">
               <a:solidFill>
                 <a:srgbClr val="000000"/>
               </a:solidFill>
@@ -11583,7 +12529,7 @@
     </p:spTree>
     <p:extLst>
       <p:ext uri="{BB962C8B-B14F-4D97-AF65-F5344CB8AC3E}">
-        <p14:creationId xmlns:p14="http://schemas.microsoft.com/office/powerpoint/2010/main" val="105673787"/>
+        <p14:creationId xmlns:p14="http://schemas.microsoft.com/office/powerpoint/2010/main" val="2728073121"/>
       </p:ext>
     </p:extLst>
   </p:cSld>
@@ -11675,7 +12621,7 @@
             </a:pPr>
             <a:r>
               <a:rPr lang="en-US" b="1" dirty="0"/>
-              <a:t>Projects</a:t>
+              <a:t>Targets, Tasks</a:t>
             </a:r>
           </a:p>
           <a:p>
@@ -11685,7 +12631,37 @@
             </a:pPr>
             <a:r>
               <a:rPr lang="en-US" dirty="0"/>
-              <a:t>Scheduling unit, import unit</a:t>
+              <a:t>Unit of execution</a:t>
+            </a:r>
+          </a:p>
+          <a:p>
+            <a:pPr marL="342900" indent="-342900" algn="l">
+              <a:buFont typeface="Arial" panose="020B0604020202020204" pitchFamily="34" charset="0"/>
+              <a:buChar char="•"/>
+            </a:pPr>
+            <a:r>
+              <a:rPr lang="en-US" dirty="0"/>
+              <a:t>Dependencies</a:t>
+            </a:r>
+          </a:p>
+          <a:p>
+            <a:pPr marL="342900" indent="-342900" algn="l">
+              <a:buFont typeface="Arial" panose="020B0604020202020204" pitchFamily="34" charset="0"/>
+              <a:buChar char="•"/>
+            </a:pPr>
+            <a:r>
+              <a:rPr lang="en-US" dirty="0"/>
+              <a:t>U2D check</a:t>
+            </a:r>
+          </a:p>
+          <a:p>
+            <a:pPr marL="342900" indent="-342900" algn="l">
+              <a:buFont typeface="Arial" panose="020B0604020202020204" pitchFamily="34" charset="0"/>
+              <a:buChar char="•"/>
+            </a:pPr>
+            <a:r>
+              <a:rPr lang="en-US" dirty="0"/>
+              <a:t>Coma vs semicolon, quotes</a:t>
             </a:r>
           </a:p>
         </p:txBody>
@@ -12076,7 +13052,7 @@
           <a:p>
             <a:pPr algn="l"/>
             <a:r>
-              <a:rPr lang="en-US" sz="1800" b="1" i="1" dirty="0">
+              <a:rPr lang="en-US" sz="1800" dirty="0">
                 <a:solidFill>
                   <a:srgbClr val="0000FF"/>
                 </a:solidFill>
@@ -12085,7 +13061,7 @@
               <a:t>&lt;</a:t>
             </a:r>
             <a:r>
-              <a:rPr lang="en-US" sz="1800" b="1" i="1" dirty="0">
+              <a:rPr lang="en-US" sz="1800" dirty="0">
                 <a:solidFill>
                   <a:srgbClr val="A31515"/>
                 </a:solidFill>
@@ -12094,7 +13070,7 @@
               <a:t>Project</a:t>
             </a:r>
             <a:r>
-              <a:rPr lang="en-US" sz="1800" b="1" i="1" dirty="0">
+              <a:rPr lang="en-US" sz="1800" dirty="0">
                 <a:solidFill>
                   <a:srgbClr val="0000FF"/>
                 </a:solidFill>
@@ -12625,16 +13601,25 @@
           <a:p>
             <a:pPr algn="l"/>
             <a:r>
-              <a:rPr lang="en-US" sz="1800" dirty="0">
-                <a:solidFill>
-                  <a:srgbClr val="0000FF"/>
-                </a:solidFill>
-                <a:latin typeface="Cascadia Mono" panose="020B0609020000020004" pitchFamily="49" charset="0"/>
-              </a:rPr>
-              <a:t>  &lt;</a:t>
-            </a:r>
-            <a:r>
-              <a:rPr lang="en-US" sz="1800" dirty="0">
+              <a:rPr lang="en-US" sz="1800" i="1" dirty="0">
+                <a:solidFill>
+                  <a:srgbClr val="0000FF"/>
+                </a:solidFill>
+                <a:latin typeface="Cascadia Mono" panose="020B0609020000020004" pitchFamily="49" charset="0"/>
+              </a:rPr>
+              <a:t>  </a:t>
+            </a:r>
+            <a:r>
+              <a:rPr lang="en-US" sz="1800" b="1" i="1" dirty="0">
+                <a:solidFill>
+                  <a:srgbClr val="0000FF"/>
+                </a:solidFill>
+                <a:latin typeface="Cascadia Mono" panose="020B0609020000020004" pitchFamily="49" charset="0"/>
+              </a:rPr>
+              <a:t>&lt;</a:t>
+            </a:r>
+            <a:r>
+              <a:rPr lang="en-US" sz="1800" b="1" i="1" dirty="0">
                 <a:solidFill>
                   <a:srgbClr val="A31515"/>
                 </a:solidFill>
@@ -12643,7 +13628,7 @@
               <a:t>Target</a:t>
             </a:r>
             <a:r>
-              <a:rPr lang="en-US" sz="1800" dirty="0">
+              <a:rPr lang="en-US" sz="1800" b="1" i="1" dirty="0">
                 <a:solidFill>
                   <a:srgbClr val="0000FF"/>
                 </a:solidFill>
@@ -12652,7 +13637,7 @@
               <a:t> </a:t>
             </a:r>
             <a:r>
-              <a:rPr lang="en-US" sz="1800" dirty="0">
+              <a:rPr lang="en-US" sz="1800" b="1" i="1" dirty="0">
                 <a:solidFill>
                   <a:srgbClr val="FF0000"/>
                 </a:solidFill>
@@ -12661,7 +13646,7 @@
               <a:t>Name</a:t>
             </a:r>
             <a:r>
-              <a:rPr lang="en-US" sz="1800" dirty="0">
+              <a:rPr lang="en-US" sz="1800" b="1" i="1" dirty="0">
                 <a:solidFill>
                   <a:srgbClr val="0000FF"/>
                 </a:solidFill>
@@ -12670,7 +13655,7 @@
               <a:t>=</a:t>
             </a:r>
             <a:r>
-              <a:rPr lang="en-US" sz="1800" dirty="0">
+              <a:rPr lang="en-US" sz="1800" b="1" i="1" dirty="0">
                 <a:solidFill>
                   <a:srgbClr val="000000"/>
                 </a:solidFill>
@@ -12679,7 +13664,7 @@
               <a:t>"</a:t>
             </a:r>
             <a:r>
-              <a:rPr lang="en-US" sz="1800" dirty="0" err="1">
+              <a:rPr lang="en-US" sz="1800" b="1" i="1" dirty="0" err="1">
                 <a:solidFill>
                   <a:srgbClr val="0000FF"/>
                 </a:solidFill>
@@ -12688,7 +13673,7 @@
               <a:t>ShowHash</a:t>
             </a:r>
             <a:r>
-              <a:rPr lang="en-US" sz="1800" dirty="0">
+              <a:rPr lang="en-US" sz="1800" b="1" i="1" dirty="0">
                 <a:solidFill>
                   <a:srgbClr val="000000"/>
                 </a:solidFill>
@@ -12700,7 +13685,7 @@
           <a:p>
             <a:pPr algn="l"/>
             <a:r>
-              <a:rPr lang="en-US" sz="1800" dirty="0">
+              <a:rPr lang="en-US" sz="1800" b="1" i="1" dirty="0">
                 <a:solidFill>
                   <a:srgbClr val="0000FF"/>
                 </a:solidFill>
@@ -12709,7 +13694,7 @@
               <a:t>    &lt;</a:t>
             </a:r>
             <a:r>
-              <a:rPr lang="en-US" sz="1800" dirty="0">
+              <a:rPr lang="en-US" sz="1800" b="1" i="1" dirty="0">
                 <a:solidFill>
                   <a:srgbClr val="A31515"/>
                 </a:solidFill>
@@ -12718,7 +13703,7 @@
               <a:t>Message</a:t>
             </a:r>
             <a:r>
-              <a:rPr lang="en-US" sz="1800" dirty="0">
+              <a:rPr lang="en-US" sz="1800" b="1" i="1" dirty="0">
                 <a:solidFill>
                   <a:srgbClr val="0000FF"/>
                 </a:solidFill>
@@ -12727,7 +13712,7 @@
               <a:t> </a:t>
             </a:r>
             <a:r>
-              <a:rPr lang="en-US" sz="1800" dirty="0">
+              <a:rPr lang="en-US" sz="1800" b="1" i="1" dirty="0">
                 <a:solidFill>
                   <a:srgbClr val="FF0000"/>
                 </a:solidFill>
@@ -12736,7 +13721,7 @@
               <a:t>Text</a:t>
             </a:r>
             <a:r>
-              <a:rPr lang="en-US" sz="1800" dirty="0">
+              <a:rPr lang="en-US" sz="1800" b="1" i="1" dirty="0">
                 <a:solidFill>
                   <a:srgbClr val="0000FF"/>
                 </a:solidFill>
@@ -12745,7 +13730,7 @@
               <a:t>=</a:t>
             </a:r>
             <a:r>
-              <a:rPr lang="en-US" sz="1800" dirty="0">
+              <a:rPr lang="en-US" sz="1800" b="1" i="1" dirty="0">
                 <a:solidFill>
                   <a:srgbClr val="000000"/>
                 </a:solidFill>
@@ -12754,7 +13739,7 @@
               <a:t> "</a:t>
             </a:r>
             <a:r>
-              <a:rPr lang="en-US" sz="1800" dirty="0" err="1">
+              <a:rPr lang="en-US" sz="1800" b="1" i="1" dirty="0" err="1">
                 <a:solidFill>
                   <a:srgbClr val="0000FF"/>
                 </a:solidFill>
@@ -12763,7 +13748,7 @@
               <a:t>Exexuted</a:t>
             </a:r>
             <a:r>
-              <a:rPr lang="en-US" sz="1800" dirty="0">
+              <a:rPr lang="en-US" sz="1800" b="1" i="1" dirty="0">
                 <a:solidFill>
                   <a:srgbClr val="0000FF"/>
                 </a:solidFill>
@@ -12772,7 +13757,7 @@
               <a:t> $(Now)</a:t>
             </a:r>
             <a:r>
-              <a:rPr lang="en-US" sz="1800" dirty="0">
+              <a:rPr lang="en-US" sz="1800" b="1" i="1" dirty="0">
                 <a:solidFill>
                   <a:srgbClr val="000000"/>
                 </a:solidFill>
@@ -12781,7 +13766,7 @@
               <a:t>"</a:t>
             </a:r>
             <a:r>
-              <a:rPr lang="en-US" sz="1800" dirty="0">
+              <a:rPr lang="en-US" sz="1800" b="1" i="1" dirty="0">
                 <a:solidFill>
                   <a:srgbClr val="0000FF"/>
                 </a:solidFill>
@@ -12789,7 +13774,7 @@
               </a:rPr>
               <a:t> /&gt;</a:t>
             </a:r>
-            <a:endParaRPr lang="en-US" sz="1800" dirty="0">
+            <a:endParaRPr lang="en-US" sz="1800" b="1" i="1" dirty="0">
               <a:solidFill>
                 <a:srgbClr val="000000"/>
               </a:solidFill>
@@ -12799,7 +13784,7 @@
           <a:p>
             <a:pPr algn="l"/>
             <a:r>
-              <a:rPr lang="en-US" sz="1800" dirty="0">
+              <a:rPr lang="en-US" sz="1800" b="1" i="1" dirty="0">
                 <a:solidFill>
                   <a:srgbClr val="0000FF"/>
                 </a:solidFill>
@@ -12808,7 +13793,7 @@
               <a:t>  &lt;/</a:t>
             </a:r>
             <a:r>
-              <a:rPr lang="en-US" sz="1800" dirty="0">
+              <a:rPr lang="en-US" sz="1800" b="1" i="1" dirty="0">
                 <a:solidFill>
                   <a:srgbClr val="A31515"/>
                 </a:solidFill>
@@ -12817,7 +13802,7 @@
               <a:t>Target</a:t>
             </a:r>
             <a:r>
-              <a:rPr lang="en-US" sz="1800" dirty="0">
+              <a:rPr lang="en-US" sz="1800" b="1" i="1" dirty="0">
                 <a:solidFill>
                   <a:srgbClr val="0000FF"/>
                 </a:solidFill>
@@ -12825,7 +13810,7 @@
               </a:rPr>
               <a:t>&gt;</a:t>
             </a:r>
-            <a:endParaRPr lang="en-US" sz="1800" dirty="0">
+            <a:endParaRPr lang="en-US" sz="1800" b="1" i="1" dirty="0">
               <a:solidFill>
                 <a:srgbClr val="000000"/>
               </a:solidFill>
@@ -12835,7 +13820,7 @@
           <a:p>
             <a:pPr algn="l"/>
             <a:r>
-              <a:rPr lang="en-US" sz="1800" b="1" i="1" dirty="0">
+              <a:rPr lang="en-US" sz="1800" dirty="0">
                 <a:solidFill>
                   <a:srgbClr val="0000FF"/>
                 </a:solidFill>
@@ -12844,7 +13829,7 @@
               <a:t>&lt;/</a:t>
             </a:r>
             <a:r>
-              <a:rPr lang="en-US" sz="1800" b="1" i="1" dirty="0">
+              <a:rPr lang="en-US" sz="1800" dirty="0">
                 <a:solidFill>
                   <a:srgbClr val="A31515"/>
                 </a:solidFill>
@@ -12853,7 +13838,7 @@
               <a:t>Project</a:t>
             </a:r>
             <a:r>
-              <a:rPr lang="en-US" sz="1800" b="1" i="1" dirty="0">
+              <a:rPr lang="en-US" sz="1800" dirty="0">
                 <a:solidFill>
                   <a:srgbClr val="0000FF"/>
                 </a:solidFill>
@@ -12861,14 +13846,14 @@
               </a:rPr>
               <a:t>&gt;</a:t>
             </a:r>
-            <a:endParaRPr lang="en-US" b="1" i="1" dirty="0"/>
+            <a:endParaRPr lang="en-US" dirty="0"/>
           </a:p>
         </p:txBody>
       </p:sp>
     </p:spTree>
     <p:extLst>
       <p:ext uri="{BB962C8B-B14F-4D97-AF65-F5344CB8AC3E}">
-        <p14:creationId xmlns:p14="http://schemas.microsoft.com/office/powerpoint/2010/main" val="1588105211"/>
+        <p14:creationId xmlns:p14="http://schemas.microsoft.com/office/powerpoint/2010/main" val="2712381612"/>
       </p:ext>
     </p:extLst>
   </p:cSld>
@@ -12960,7 +13945,7 @@
             </a:pPr>
             <a:r>
               <a:rPr lang="en-US" b="1" dirty="0"/>
-              <a:t>Property/Item Functions</a:t>
+              <a:t>Conditions</a:t>
             </a:r>
           </a:p>
           <a:p>
@@ -12969,72 +13954,8 @@
               <a:buChar char="•"/>
             </a:pPr>
             <a:r>
-              <a:rPr lang="en-US" i="1" dirty="0"/>
-              <a:t>$([</a:t>
-            </a:r>
-            <a:r>
-              <a:rPr lang="en-US" i="1" dirty="0" err="1"/>
-              <a:t>MSBuild</a:t>
-            </a:r>
-            <a:r>
-              <a:rPr lang="en-US" i="1" dirty="0"/>
-              <a:t>]::</a:t>
-            </a:r>
-            <a:r>
-              <a:rPr lang="en-US" i="1" dirty="0" err="1"/>
-              <a:t>StableStringHash</a:t>
-            </a:r>
-            <a:r>
-              <a:rPr lang="en-US" i="1" dirty="0"/>
-              <a:t>(</a:t>
-            </a:r>
-            <a:br>
-              <a:rPr lang="en-US" i="1" dirty="0"/>
-            </a:br>
-            <a:r>
-              <a:rPr lang="en-US" i="1" dirty="0"/>
-              <a:t>$(</a:t>
-            </a:r>
-            <a:r>
-              <a:rPr lang="en-US" i="1" dirty="0" err="1"/>
-              <a:t>TargetPath</a:t>
-            </a:r>
-            <a:r>
-              <a:rPr lang="en-US" i="1" dirty="0"/>
-              <a:t>))</a:t>
-            </a:r>
-            <a:br>
-              <a:rPr lang="en-US" i="1" dirty="0"/>
-            </a:br>
-            <a:r>
-              <a:rPr lang="en-US" i="1" dirty="0"/>
-              <a:t>.</a:t>
-            </a:r>
-            <a:r>
-              <a:rPr lang="en-US" i="1" dirty="0" err="1"/>
-              <a:t>ToString</a:t>
-            </a:r>
-            <a:r>
-              <a:rPr lang="en-US" i="1" dirty="0"/>
-              <a:t>('X8’))</a:t>
-            </a:r>
-          </a:p>
-          <a:p>
-            <a:pPr marL="342900" indent="-342900" algn="l">
-              <a:buFont typeface="Arial" panose="020B0604020202020204" pitchFamily="34" charset="0"/>
-              <a:buChar char="•"/>
-            </a:pPr>
-            <a:r>
-              <a:rPr lang="en-US" i="1" dirty="0"/>
-              <a:t>$([</a:t>
-            </a:r>
-            <a:r>
-              <a:rPr lang="en-US" i="1" dirty="0" err="1"/>
-              <a:t>System.DateTime</a:t>
-            </a:r>
-            <a:r>
-              <a:rPr lang="en-US" i="1" dirty="0"/>
-              <a:t>]::Now)</a:t>
+              <a:rPr lang="en-US" dirty="0"/>
+              <a:t>==, !=, Exists, !Exists</a:t>
             </a:r>
           </a:p>
         </p:txBody>
@@ -14217,7 +15138,7 @@
     </p:spTree>
     <p:extLst>
       <p:ext uri="{BB962C8B-B14F-4D97-AF65-F5344CB8AC3E}">
-        <p14:creationId xmlns:p14="http://schemas.microsoft.com/office/powerpoint/2010/main" val="378014278"/>
+        <p14:creationId xmlns:p14="http://schemas.microsoft.com/office/powerpoint/2010/main" val="105673787"/>
       </p:ext>
     </p:extLst>
   </p:cSld>
@@ -14544,6 +15465,6 @@
 
 <file path=docMetadata/LabelInfo.xml><?xml version="1.0" encoding="utf-8"?>
 <clbl:labelList xmlns:clbl="http://schemas.microsoft.com/office/2020/mipLabelMetadata">
-  <clbl:label id="{f42aa342-8706-4288-bd11-ebb85995028c}" enabled="1" method="Standard" siteId="{72f988bf-86f1-41af-91ab-2d7cd011db47}" removed="0"/>
+  <clbl:label id="{87867195-f2b8-4ac2-b0b6-6bb73cb33afc}" enabled="1" method="Privileged" siteId="{72f988bf-86f1-41af-91ab-2d7cd011db47}" contentBits="0" removed="0"/>
 </clbl:labelList>
 </file>
--- a/Doc/TroubleshootingMSBuild.pptx
+++ b/Doc/TroubleshootingMSBuild.pptx
@@ -6932,36 +6932,66 @@
             </a:br>
             <a:r>
               <a:rPr lang="en-US" dirty="0"/>
-              <a:t>	/Providers=*Microsoft-Build</a:t>
+              <a:t>	/Providers=*Microsoft-Build     // Collect </a:t>
+            </a:r>
+            <a:r>
+              <a:rPr lang="en-US" dirty="0" err="1"/>
+              <a:t>MSBuild</a:t>
+            </a:r>
+            <a:r>
+              <a:rPr lang="en-US" dirty="0"/>
+              <a:t> ETW events</a:t>
             </a:r>
             <a:br>
               <a:rPr lang="en-US" dirty="0"/>
             </a:br>
             <a:r>
               <a:rPr lang="en-US" dirty="0"/>
-              <a:t>	/BufferSize:8096                             // MB, in-memory buffer (I/O catching-up)</a:t>
+              <a:t>         </a:t>
+            </a:r>
+            <a:r>
+              <a:rPr lang="en-US" b="0" i="0" dirty="0">
+                <a:solidFill>
+                  <a:srgbClr val="1F2328"/>
+                </a:solidFill>
+                <a:effectLst/>
+                <a:latin typeface="-apple-system"/>
+              </a:rPr>
+              <a:t>/</a:t>
+            </a:r>
+            <a:r>
+              <a:rPr lang="en-US" b="0" i="0" dirty="0" err="1">
+                <a:solidFill>
+                  <a:srgbClr val="1F2328"/>
+                </a:solidFill>
+                <a:effectLst/>
+                <a:latin typeface="-apple-system"/>
+              </a:rPr>
+              <a:t>threadTime</a:t>
+            </a:r>
+            <a:r>
+              <a:rPr lang="en-US" b="0" i="0" dirty="0">
+                <a:solidFill>
+                  <a:srgbClr val="1F2328"/>
+                </a:solidFill>
+                <a:effectLst/>
+                <a:latin typeface="-apple-system"/>
+              </a:rPr>
+              <a:t>                                   // Collect thread times (with stacks)</a:t>
             </a:r>
             <a:br>
               <a:rPr lang="en-US" dirty="0"/>
             </a:br>
             <a:r>
               <a:rPr lang="en-US" dirty="0"/>
-              <a:t>	/CircularMB:8096                           // Max result file size</a:t>
+              <a:t>	/BufferSize:8096                             // MB, in-memory buffer (I/O catching-up)</a:t>
             </a:r>
             <a:br>
               <a:rPr lang="en-US" dirty="0"/>
             </a:br>
             <a:r>
               <a:rPr lang="en-US" dirty="0"/>
-              <a:t>	/</a:t>
-            </a:r>
-            <a:r>
-              <a:rPr lang="en-US" dirty="0" err="1"/>
-              <a:t>NoNGenRundown</a:t>
-            </a:r>
-            <a:r>
-              <a:rPr lang="en-US" dirty="0"/>
-              <a:t>                        // Skip symbols for NGEN</a:t>
+              <a:t>	/CircularMB:8096                           // Max result file size</a:t>
             </a:r>
             <a:br>
               <a:rPr lang="en-US" dirty="0"/>
@@ -6972,11 +7002,11 @@
             </a:r>
             <a:r>
               <a:rPr lang="en-US" dirty="0" err="1"/>
-              <a:t>Merge:False</a:t>
+              <a:t>NoNGenRundown</a:t>
             </a:r>
             <a:r>
               <a:rPr lang="en-US" dirty="0"/>
-              <a:t>                                     // Symbols, Bins. Needed for export</a:t>
+              <a:t>                        // Skip symbols for NGEN</a:t>
             </a:r>
             <a:br>
               <a:rPr lang="en-US" dirty="0"/>
@@ -6987,6 +7017,21 @@
             </a:r>
             <a:r>
               <a:rPr lang="en-US" dirty="0" err="1"/>
+              <a:t>Merge:False</a:t>
+            </a:r>
+            <a:r>
+              <a:rPr lang="en-US" dirty="0"/>
+              <a:t>                                     // Symbols, Bins. Needed for export</a:t>
+            </a:r>
+            <a:br>
+              <a:rPr lang="en-US" dirty="0"/>
+            </a:br>
+            <a:r>
+              <a:rPr lang="en-US" dirty="0"/>
+              <a:t>	/</a:t>
+            </a:r>
+            <a:r>
+              <a:rPr lang="en-US" dirty="0" err="1"/>
               <a:t>DataFile</a:t>
             </a:r>
             <a:r>
@@ -7027,7 +7072,31 @@
             </a:r>
             <a:r>
               <a:rPr lang="en-US" sz="1200" i="1" dirty="0"/>
-              <a:t> /Providers=*Microsoft-Build /BufferSize:8096 /CircularMB:8096 /</a:t>
+              <a:t> /Providers=*Microsoft-Build </a:t>
+            </a:r>
+            <a:r>
+              <a:rPr lang="en-US" sz="1050" b="0" i="0" dirty="0">
+                <a:solidFill>
+                  <a:srgbClr val="1F2328"/>
+                </a:solidFill>
+                <a:effectLst/>
+                <a:latin typeface="-apple-system"/>
+              </a:rPr>
+              <a:t>/</a:t>
+            </a:r>
+            <a:r>
+              <a:rPr lang="en-US" sz="1050" b="0" i="0" dirty="0" err="1">
+                <a:solidFill>
+                  <a:srgbClr val="1F2328"/>
+                </a:solidFill>
+                <a:effectLst/>
+                <a:latin typeface="-apple-system"/>
+              </a:rPr>
+              <a:t>threadTime</a:t>
+            </a:r>
+            <a:r>
+              <a:rPr lang="en-US" sz="1200" i="1" dirty="0"/>
+              <a:t> /BufferSize:8096 /CircularMB:8096 /</a:t>
             </a:r>
             <a:r>
               <a:rPr lang="en-US" sz="1200" i="1" dirty="0" err="1"/>

--- a/Doc/TroubleshootingMSBuild.pptx
+++ b/Doc/TroubleshootingMSBuild.pptx
@@ -6947,7 +6947,15 @@
             </a:br>
             <a:r>
               <a:rPr lang="en-US" dirty="0"/>
-              <a:t>         </a:t>
+              <a:t>         /</a:t>
+            </a:r>
+            <a:r>
+              <a:rPr lang="en-US" dirty="0" err="1"/>
+              <a:t>threadTime</a:t>
+            </a:r>
+            <a:r>
+              <a:rPr lang="en-US" dirty="0"/>
+              <a:t>                                      </a:t>
             </a:r>
             <a:r>
               <a:rPr lang="en-US" b="0" i="0" dirty="0">
@@ -6957,27 +6965,7 @@
                 <a:effectLst/>
                 <a:latin typeface="-apple-system"/>
               </a:rPr>
-              <a:t>/</a:t>
-            </a:r>
-            <a:r>
-              <a:rPr lang="en-US" b="0" i="0" dirty="0" err="1">
-                <a:solidFill>
-                  <a:srgbClr val="1F2328"/>
-                </a:solidFill>
-                <a:effectLst/>
-                <a:latin typeface="-apple-system"/>
-              </a:rPr>
-              <a:t>threadTime</a:t>
-            </a:r>
-            <a:r>
-              <a:rPr lang="en-US" b="0" i="0" dirty="0">
-                <a:solidFill>
-                  <a:srgbClr val="1F2328"/>
-                </a:solidFill>
-                <a:effectLst/>
-                <a:latin typeface="-apple-system"/>
-              </a:rPr>
-              <a:t>                                   // Collect thread times (with stacks)</a:t>
+              <a:t>// Collect thread times (with stacks)</a:t>
             </a:r>
             <a:br>
               <a:rPr lang="en-US" dirty="0"/>
@@ -7059,59 +7047,43 @@
               <a:buChar char="•"/>
             </a:pPr>
             <a:r>
-              <a:rPr lang="en-US" sz="1200" i="1" dirty="0" err="1"/>
+              <a:rPr lang="en-US" sz="1100" i="1" dirty="0" err="1"/>
               <a:t>perfview</a:t>
             </a:r>
             <a:r>
-              <a:rPr lang="en-US" sz="1200" i="1" dirty="0"/>
+              <a:rPr lang="en-US" sz="1100" i="1" dirty="0"/>
               <a:t> collect /</a:t>
             </a:r>
             <a:r>
-              <a:rPr lang="en-US" sz="1200" i="1" dirty="0" err="1"/>
+              <a:rPr lang="en-US" sz="1100" i="1" dirty="0" err="1"/>
               <a:t>NoGui</a:t>
             </a:r>
             <a:r>
-              <a:rPr lang="en-US" sz="1200" i="1" dirty="0"/>
-              <a:t> /Providers=*Microsoft-Build </a:t>
-            </a:r>
-            <a:r>
-              <a:rPr lang="en-US" sz="1050" b="0" i="0" dirty="0">
-                <a:solidFill>
-                  <a:srgbClr val="1F2328"/>
-                </a:solidFill>
-                <a:effectLst/>
-                <a:latin typeface="-apple-system"/>
-              </a:rPr>
-              <a:t>/</a:t>
-            </a:r>
-            <a:r>
-              <a:rPr lang="en-US" sz="1050" b="0" i="0" dirty="0" err="1">
-                <a:solidFill>
-                  <a:srgbClr val="1F2328"/>
-                </a:solidFill>
-                <a:effectLst/>
-                <a:latin typeface="-apple-system"/>
-              </a:rPr>
+              <a:rPr lang="en-US" sz="1100" i="1" dirty="0"/>
+              <a:t> /Providers=*Microsoft-Build /</a:t>
+            </a:r>
+            <a:r>
+              <a:rPr lang="en-US" sz="1100" i="1" dirty="0" err="1"/>
               <a:t>threadTime</a:t>
             </a:r>
             <a:r>
-              <a:rPr lang="en-US" sz="1200" i="1" dirty="0"/>
+              <a:rPr lang="en-US" sz="1100" i="1" dirty="0"/>
               <a:t> /BufferSize:8096 /CircularMB:8096 /</a:t>
             </a:r>
             <a:r>
-              <a:rPr lang="en-US" sz="1200" i="1" dirty="0" err="1"/>
+              <a:rPr lang="en-US" sz="1100" i="1" dirty="0" err="1"/>
               <a:t>NoNGenRundown</a:t>
             </a:r>
             <a:r>
-              <a:rPr lang="en-US" sz="1200" i="1" dirty="0"/>
+              <a:rPr lang="en-US" sz="1100" i="1" dirty="0"/>
               <a:t> /</a:t>
             </a:r>
             <a:r>
-              <a:rPr lang="en-US" sz="1200" i="1" dirty="0" err="1"/>
+              <a:rPr lang="en-US" sz="1100" i="1" dirty="0" err="1"/>
               <a:t>Merge:False</a:t>
             </a:r>
             <a:r>
-              <a:rPr lang="en-US" sz="1200" i="1" dirty="0"/>
+              <a:rPr lang="en-US" sz="1100" i="1" dirty="0"/>
               <a:t> /DataFile:example01</a:t>
             </a:r>
           </a:p>
